--- a/CSRF/CSRF.pptx
+++ b/CSRF/CSRF.pptx
@@ -6516,7 +6516,7 @@
               <a:t> </a:t>
             </a:r>
             <a:r>
-              <a:rPr lang="en-US" smtClean="0"/>
+              <a:rPr lang="en-US" dirty="0" err="1" smtClean="0"/>
               <a:t>tránh</a:t>
             </a:r>
             <a:endParaRPr lang="en-US" dirty="0" smtClean="0"/>

--- a/CSRF/CSRF.pptx
+++ b/CSRF/CSRF.pptx
@@ -4,11 +4,17 @@
   <p:sldMasterIdLst>
     <p:sldMasterId id="2147483660" r:id="rId1"/>
   </p:sldMasterIdLst>
+  <p:notesMasterIdLst>
+    <p:notesMasterId r:id="rId9"/>
+  </p:notesMasterIdLst>
   <p:sldIdLst>
     <p:sldId id="256" r:id="rId2"/>
-    <p:sldId id="257" r:id="rId3"/>
-    <p:sldId id="258" r:id="rId4"/>
-    <p:sldId id="259" r:id="rId5"/>
+    <p:sldId id="260" r:id="rId3"/>
+    <p:sldId id="257" r:id="rId4"/>
+    <p:sldId id="261" r:id="rId5"/>
+    <p:sldId id="262" r:id="rId6"/>
+    <p:sldId id="259" r:id="rId7"/>
+    <p:sldId id="263" r:id="rId8"/>
   </p:sldIdLst>
   <p:sldSz cx="12192000" cy="6858000"/>
   <p:notesSz cx="6858000" cy="9144000"/>
@@ -113,15 +119,452 @@
         <p14:section name="Default Section" id="{2203BF07-063C-42C8-9085-601CB9229846}">
           <p14:sldIdLst>
             <p14:sldId id="256"/>
+            <p14:sldId id="260"/>
             <p14:sldId id="257"/>
-            <p14:sldId id="258"/>
+            <p14:sldId id="261"/>
+            <p14:sldId id="262"/>
             <p14:sldId id="259"/>
+            <p14:sldId id="263"/>
           </p14:sldIdLst>
         </p14:section>
       </p14:sectionLst>
     </p:ext>
   </p:extLst>
 </p:presentation>
+</file>
+
+<file path=ppt/notesMasters/notesMaster1.xml><?xml version="1.0" encoding="utf-8"?>
+<p:notesMaster xmlns:a="http://schemas.openxmlformats.org/drawingml/2006/main" xmlns:r="http://schemas.openxmlformats.org/officeDocument/2006/relationships" xmlns:p="http://schemas.openxmlformats.org/presentationml/2006/main">
+  <p:cSld>
+    <p:bg>
+      <p:bgRef idx="1001">
+        <a:schemeClr val="bg1"/>
+      </p:bgRef>
+    </p:bg>
+    <p:spTree>
+      <p:nvGrpSpPr>
+        <p:cNvPr id="1" name=""/>
+        <p:cNvGrpSpPr/>
+        <p:nvPr/>
+      </p:nvGrpSpPr>
+      <p:grpSpPr>
+        <a:xfrm>
+          <a:off x="0" y="0"/>
+          <a:ext cx="0" cy="0"/>
+          <a:chOff x="0" y="0"/>
+          <a:chExt cx="0" cy="0"/>
+        </a:xfrm>
+      </p:grpSpPr>
+      <p:sp>
+        <p:nvSpPr>
+          <p:cNvPr id="2" name="Header Placeholder 1"/>
+          <p:cNvSpPr>
+            <a:spLocks noGrp="1"/>
+          </p:cNvSpPr>
+          <p:nvPr>
+            <p:ph type="hdr" sz="quarter"/>
+          </p:nvPr>
+        </p:nvSpPr>
+        <p:spPr>
+          <a:xfrm>
+            <a:off x="0" y="0"/>
+            <a:ext cx="2971800" cy="457200"/>
+          </a:xfrm>
+          <a:prstGeom prst="rect">
+            <a:avLst/>
+          </a:prstGeom>
+        </p:spPr>
+        <p:txBody>
+          <a:bodyPr vert="horz" lIns="91440" tIns="45720" rIns="91440" bIns="45720" rtlCol="0"/>
+          <a:lstStyle>
+            <a:lvl1pPr algn="l">
+              <a:defRPr sz="1200"/>
+            </a:lvl1pPr>
+          </a:lstStyle>
+          <a:p>
+            <a:endParaRPr lang="en-US"/>
+          </a:p>
+        </p:txBody>
+      </p:sp>
+      <p:sp>
+        <p:nvSpPr>
+          <p:cNvPr id="3" name="Date Placeholder 2"/>
+          <p:cNvSpPr>
+            <a:spLocks noGrp="1"/>
+          </p:cNvSpPr>
+          <p:nvPr>
+            <p:ph type="dt" idx="1"/>
+          </p:nvPr>
+        </p:nvSpPr>
+        <p:spPr>
+          <a:xfrm>
+            <a:off x="3884613" y="0"/>
+            <a:ext cx="2971800" cy="457200"/>
+          </a:xfrm>
+          <a:prstGeom prst="rect">
+            <a:avLst/>
+          </a:prstGeom>
+        </p:spPr>
+        <p:txBody>
+          <a:bodyPr vert="horz" lIns="91440" tIns="45720" rIns="91440" bIns="45720" rtlCol="0"/>
+          <a:lstStyle>
+            <a:lvl1pPr algn="r">
+              <a:defRPr sz="1200"/>
+            </a:lvl1pPr>
+          </a:lstStyle>
+          <a:p>
+            <a:fld id="{49E7A6F4-8BA0-4178-84FB-F3CCA396140E}" type="datetimeFigureOut">
+              <a:rPr lang="en-US" smtClean="0"/>
+              <a:t>14-Dec-17</a:t>
+            </a:fld>
+            <a:endParaRPr lang="en-US"/>
+          </a:p>
+        </p:txBody>
+      </p:sp>
+      <p:sp>
+        <p:nvSpPr>
+          <p:cNvPr id="4" name="Slide Image Placeholder 3"/>
+          <p:cNvSpPr>
+            <a:spLocks noGrp="1" noRot="1" noChangeAspect="1"/>
+          </p:cNvSpPr>
+          <p:nvPr>
+            <p:ph type="sldImg" idx="2"/>
+          </p:nvPr>
+        </p:nvSpPr>
+        <p:spPr>
+          <a:xfrm>
+            <a:off x="381000" y="685800"/>
+            <a:ext cx="6096000" cy="3429000"/>
+          </a:xfrm>
+          <a:prstGeom prst="rect">
+            <a:avLst/>
+          </a:prstGeom>
+          <a:noFill/>
+          <a:ln w="12700">
+            <a:solidFill>
+              <a:prstClr val="black"/>
+            </a:solidFill>
+          </a:ln>
+        </p:spPr>
+        <p:txBody>
+          <a:bodyPr vert="horz" lIns="91440" tIns="45720" rIns="91440" bIns="45720" rtlCol="0" anchor="ctr"/>
+          <a:lstStyle/>
+          <a:p>
+            <a:endParaRPr lang="en-US"/>
+          </a:p>
+        </p:txBody>
+      </p:sp>
+      <p:sp>
+        <p:nvSpPr>
+          <p:cNvPr id="5" name="Notes Placeholder 4"/>
+          <p:cNvSpPr>
+            <a:spLocks noGrp="1"/>
+          </p:cNvSpPr>
+          <p:nvPr>
+            <p:ph type="body" sz="quarter" idx="3"/>
+          </p:nvPr>
+        </p:nvSpPr>
+        <p:spPr>
+          <a:xfrm>
+            <a:off x="685800" y="4343400"/>
+            <a:ext cx="5486400" cy="4114800"/>
+          </a:xfrm>
+          <a:prstGeom prst="rect">
+            <a:avLst/>
+          </a:prstGeom>
+        </p:spPr>
+        <p:txBody>
+          <a:bodyPr vert="horz" lIns="91440" tIns="45720" rIns="91440" bIns="45720" rtlCol="0"/>
+          <a:lstStyle/>
+          <a:p>
+            <a:pPr lvl="0"/>
+            <a:r>
+              <a:rPr lang="en-US" smtClean="0"/>
+              <a:t>Click to edit Master text styles</a:t>
+            </a:r>
+          </a:p>
+          <a:p>
+            <a:pPr lvl="1"/>
+            <a:r>
+              <a:rPr lang="en-US" smtClean="0"/>
+              <a:t>Second level</a:t>
+            </a:r>
+          </a:p>
+          <a:p>
+            <a:pPr lvl="2"/>
+            <a:r>
+              <a:rPr lang="en-US" smtClean="0"/>
+              <a:t>Third level</a:t>
+            </a:r>
+          </a:p>
+          <a:p>
+            <a:pPr lvl="3"/>
+            <a:r>
+              <a:rPr lang="en-US" smtClean="0"/>
+              <a:t>Fourth level</a:t>
+            </a:r>
+          </a:p>
+          <a:p>
+            <a:pPr lvl="4"/>
+            <a:r>
+              <a:rPr lang="en-US" smtClean="0"/>
+              <a:t>Fifth level</a:t>
+            </a:r>
+            <a:endParaRPr lang="en-US"/>
+          </a:p>
+        </p:txBody>
+      </p:sp>
+      <p:sp>
+        <p:nvSpPr>
+          <p:cNvPr id="6" name="Footer Placeholder 5"/>
+          <p:cNvSpPr>
+            <a:spLocks noGrp="1"/>
+          </p:cNvSpPr>
+          <p:nvPr>
+            <p:ph type="ftr" sz="quarter" idx="4"/>
+          </p:nvPr>
+        </p:nvSpPr>
+        <p:spPr>
+          <a:xfrm>
+            <a:off x="0" y="8685213"/>
+            <a:ext cx="2971800" cy="457200"/>
+          </a:xfrm>
+          <a:prstGeom prst="rect">
+            <a:avLst/>
+          </a:prstGeom>
+        </p:spPr>
+        <p:txBody>
+          <a:bodyPr vert="horz" lIns="91440" tIns="45720" rIns="91440" bIns="45720" rtlCol="0" anchor="b"/>
+          <a:lstStyle>
+            <a:lvl1pPr algn="l">
+              <a:defRPr sz="1200"/>
+            </a:lvl1pPr>
+          </a:lstStyle>
+          <a:p>
+            <a:endParaRPr lang="en-US"/>
+          </a:p>
+        </p:txBody>
+      </p:sp>
+      <p:sp>
+        <p:nvSpPr>
+          <p:cNvPr id="7" name="Slide Number Placeholder 6"/>
+          <p:cNvSpPr>
+            <a:spLocks noGrp="1"/>
+          </p:cNvSpPr>
+          <p:nvPr>
+            <p:ph type="sldNum" sz="quarter" idx="5"/>
+          </p:nvPr>
+        </p:nvSpPr>
+        <p:spPr>
+          <a:xfrm>
+            <a:off x="3884613" y="8685213"/>
+            <a:ext cx="2971800" cy="457200"/>
+          </a:xfrm>
+          <a:prstGeom prst="rect">
+            <a:avLst/>
+          </a:prstGeom>
+        </p:spPr>
+        <p:txBody>
+          <a:bodyPr vert="horz" lIns="91440" tIns="45720" rIns="91440" bIns="45720" rtlCol="0" anchor="b"/>
+          <a:lstStyle>
+            <a:lvl1pPr algn="r">
+              <a:defRPr sz="1200"/>
+            </a:lvl1pPr>
+          </a:lstStyle>
+          <a:p>
+            <a:fld id="{E67788DF-EB55-4E8B-BB24-DC3409BCE9C3}" type="slidenum">
+              <a:rPr lang="en-US" smtClean="0"/>
+              <a:t>‹#›</a:t>
+            </a:fld>
+            <a:endParaRPr lang="en-US"/>
+          </a:p>
+        </p:txBody>
+      </p:sp>
+    </p:spTree>
+    <p:extLst>
+      <p:ext uri="{BB962C8B-B14F-4D97-AF65-F5344CB8AC3E}">
+        <p14:creationId xmlns:p14="http://schemas.microsoft.com/office/powerpoint/2010/main" val="1902855143"/>
+      </p:ext>
+    </p:extLst>
+  </p:cSld>
+  <p:clrMap bg1="lt1" tx1="dk1" bg2="lt2" tx2="dk2" accent1="accent1" accent2="accent2" accent3="accent3" accent4="accent4" accent5="accent5" accent6="accent6" hlink="hlink" folHlink="folHlink"/>
+  <p:notesStyle>
+    <a:lvl1pPr marL="0" algn="l" defTabSz="914400" rtl="0" eaLnBrk="1" latinLnBrk="0" hangingPunct="1">
+      <a:defRPr sz="1200" kern="1200">
+        <a:solidFill>
+          <a:schemeClr val="tx1"/>
+        </a:solidFill>
+        <a:latin typeface="+mn-lt"/>
+        <a:ea typeface="+mn-ea"/>
+        <a:cs typeface="+mn-cs"/>
+      </a:defRPr>
+    </a:lvl1pPr>
+    <a:lvl2pPr marL="457200" algn="l" defTabSz="914400" rtl="0" eaLnBrk="1" latinLnBrk="0" hangingPunct="1">
+      <a:defRPr sz="1200" kern="1200">
+        <a:solidFill>
+          <a:schemeClr val="tx1"/>
+        </a:solidFill>
+        <a:latin typeface="+mn-lt"/>
+        <a:ea typeface="+mn-ea"/>
+        <a:cs typeface="+mn-cs"/>
+      </a:defRPr>
+    </a:lvl2pPr>
+    <a:lvl3pPr marL="914400" algn="l" defTabSz="914400" rtl="0" eaLnBrk="1" latinLnBrk="0" hangingPunct="1">
+      <a:defRPr sz="1200" kern="1200">
+        <a:solidFill>
+          <a:schemeClr val="tx1"/>
+        </a:solidFill>
+        <a:latin typeface="+mn-lt"/>
+        <a:ea typeface="+mn-ea"/>
+        <a:cs typeface="+mn-cs"/>
+      </a:defRPr>
+    </a:lvl3pPr>
+    <a:lvl4pPr marL="1371600" algn="l" defTabSz="914400" rtl="0" eaLnBrk="1" latinLnBrk="0" hangingPunct="1">
+      <a:defRPr sz="1200" kern="1200">
+        <a:solidFill>
+          <a:schemeClr val="tx1"/>
+        </a:solidFill>
+        <a:latin typeface="+mn-lt"/>
+        <a:ea typeface="+mn-ea"/>
+        <a:cs typeface="+mn-cs"/>
+      </a:defRPr>
+    </a:lvl4pPr>
+    <a:lvl5pPr marL="1828800" algn="l" defTabSz="914400" rtl="0" eaLnBrk="1" latinLnBrk="0" hangingPunct="1">
+      <a:defRPr sz="1200" kern="1200">
+        <a:solidFill>
+          <a:schemeClr val="tx1"/>
+        </a:solidFill>
+        <a:latin typeface="+mn-lt"/>
+        <a:ea typeface="+mn-ea"/>
+        <a:cs typeface="+mn-cs"/>
+      </a:defRPr>
+    </a:lvl5pPr>
+    <a:lvl6pPr marL="2286000" algn="l" defTabSz="914400" rtl="0" eaLnBrk="1" latinLnBrk="0" hangingPunct="1">
+      <a:defRPr sz="1200" kern="1200">
+        <a:solidFill>
+          <a:schemeClr val="tx1"/>
+        </a:solidFill>
+        <a:latin typeface="+mn-lt"/>
+        <a:ea typeface="+mn-ea"/>
+        <a:cs typeface="+mn-cs"/>
+      </a:defRPr>
+    </a:lvl6pPr>
+    <a:lvl7pPr marL="2743200" algn="l" defTabSz="914400" rtl="0" eaLnBrk="1" latinLnBrk="0" hangingPunct="1">
+      <a:defRPr sz="1200" kern="1200">
+        <a:solidFill>
+          <a:schemeClr val="tx1"/>
+        </a:solidFill>
+        <a:latin typeface="+mn-lt"/>
+        <a:ea typeface="+mn-ea"/>
+        <a:cs typeface="+mn-cs"/>
+      </a:defRPr>
+    </a:lvl7pPr>
+    <a:lvl8pPr marL="3200400" algn="l" defTabSz="914400" rtl="0" eaLnBrk="1" latinLnBrk="0" hangingPunct="1">
+      <a:defRPr sz="1200" kern="1200">
+        <a:solidFill>
+          <a:schemeClr val="tx1"/>
+        </a:solidFill>
+        <a:latin typeface="+mn-lt"/>
+        <a:ea typeface="+mn-ea"/>
+        <a:cs typeface="+mn-cs"/>
+      </a:defRPr>
+    </a:lvl8pPr>
+    <a:lvl9pPr marL="3657600" algn="l" defTabSz="914400" rtl="0" eaLnBrk="1" latinLnBrk="0" hangingPunct="1">
+      <a:defRPr sz="1200" kern="1200">
+        <a:solidFill>
+          <a:schemeClr val="tx1"/>
+        </a:solidFill>
+        <a:latin typeface="+mn-lt"/>
+        <a:ea typeface="+mn-ea"/>
+        <a:cs typeface="+mn-cs"/>
+      </a:defRPr>
+    </a:lvl9pPr>
+  </p:notesStyle>
+</p:notesMaster>
+</file>
+
+<file path=ppt/notesSlides/notesSlide1.xml><?xml version="1.0" encoding="utf-8"?>
+<p:notes xmlns:a="http://schemas.openxmlformats.org/drawingml/2006/main" xmlns:r="http://schemas.openxmlformats.org/officeDocument/2006/relationships" xmlns:p="http://schemas.openxmlformats.org/presentationml/2006/main">
+  <p:cSld>
+    <p:spTree>
+      <p:nvGrpSpPr>
+        <p:cNvPr id="1" name=""/>
+        <p:cNvGrpSpPr/>
+        <p:nvPr/>
+      </p:nvGrpSpPr>
+      <p:grpSpPr>
+        <a:xfrm>
+          <a:off x="0" y="0"/>
+          <a:ext cx="0" cy="0"/>
+          <a:chOff x="0" y="0"/>
+          <a:chExt cx="0" cy="0"/>
+        </a:xfrm>
+      </p:grpSpPr>
+      <p:sp>
+        <p:nvSpPr>
+          <p:cNvPr id="2" name="Slide Image Placeholder 1"/>
+          <p:cNvSpPr>
+            <a:spLocks noGrp="1" noRot="1" noChangeAspect="1"/>
+          </p:cNvSpPr>
+          <p:nvPr>
+            <p:ph type="sldImg"/>
+          </p:nvPr>
+        </p:nvSpPr>
+        <p:spPr/>
+      </p:sp>
+      <p:sp>
+        <p:nvSpPr>
+          <p:cNvPr id="3" name="Notes Placeholder 2"/>
+          <p:cNvSpPr>
+            <a:spLocks noGrp="1"/>
+          </p:cNvSpPr>
+          <p:nvPr>
+            <p:ph type="body" idx="1"/>
+          </p:nvPr>
+        </p:nvSpPr>
+        <p:spPr/>
+        <p:txBody>
+          <a:bodyPr/>
+          <a:lstStyle/>
+          <a:p>
+            <a:endParaRPr lang="en-US" dirty="0"/>
+          </a:p>
+        </p:txBody>
+      </p:sp>
+      <p:sp>
+        <p:nvSpPr>
+          <p:cNvPr id="4" name="Slide Number Placeholder 3"/>
+          <p:cNvSpPr>
+            <a:spLocks noGrp="1"/>
+          </p:cNvSpPr>
+          <p:nvPr>
+            <p:ph type="sldNum" sz="quarter" idx="10"/>
+          </p:nvPr>
+        </p:nvSpPr>
+        <p:spPr/>
+        <p:txBody>
+          <a:bodyPr/>
+          <a:lstStyle/>
+          <a:p>
+            <a:fld id="{E67788DF-EB55-4E8B-BB24-DC3409BCE9C3}" type="slidenum">
+              <a:rPr lang="en-US" smtClean="0"/>
+              <a:t>2</a:t>
+            </a:fld>
+            <a:endParaRPr lang="en-US"/>
+          </a:p>
+        </p:txBody>
+      </p:sp>
+    </p:spTree>
+    <p:extLst>
+      <p:ext uri="{BB962C8B-B14F-4D97-AF65-F5344CB8AC3E}">
+        <p14:creationId xmlns:p14="http://schemas.microsoft.com/office/powerpoint/2010/main" val="4101619157"/>
+      </p:ext>
+    </p:extLst>
+  </p:cSld>
+  <p:clrMapOvr>
+    <a:masterClrMapping/>
+  </p:clrMapOvr>
+</p:notes>
 </file>
 
 <file path=ppt/slideLayouts/slideLayout1.xml><?xml version="1.0" encoding="utf-8"?>
@@ -626,7 +1069,7 @@
           <a:p>
             <a:fld id="{05D37ADB-8E48-4DE5-8258-D57ACFD08B1B}" type="datetimeFigureOut">
               <a:rPr lang="en-US" smtClean="0"/>
-              <a:t>12/12/2017</a:t>
+              <a:t>14-Dec-17</a:t>
             </a:fld>
             <a:endParaRPr lang="en-US"/>
           </a:p>
@@ -922,7 +1365,7 @@
           <a:p>
             <a:fld id="{05D37ADB-8E48-4DE5-8258-D57ACFD08B1B}" type="datetimeFigureOut">
               <a:rPr lang="en-US" smtClean="0"/>
-              <a:t>12/12/2017</a:t>
+              <a:t>14-Dec-17</a:t>
             </a:fld>
             <a:endParaRPr lang="en-US"/>
           </a:p>
@@ -1170,7 +1613,7 @@
           <a:p>
             <a:fld id="{05D37ADB-8E48-4DE5-8258-D57ACFD08B1B}" type="datetimeFigureOut">
               <a:rPr lang="en-US" smtClean="0"/>
-              <a:t>12/12/2017</a:t>
+              <a:t>14-Dec-17</a:t>
             </a:fld>
             <a:endParaRPr lang="en-US"/>
           </a:p>
@@ -1710,7 +2153,7 @@
           <a:p>
             <a:fld id="{05D37ADB-8E48-4DE5-8258-D57ACFD08B1B}" type="datetimeFigureOut">
               <a:rPr lang="en-US" smtClean="0"/>
-              <a:t>12/12/2017</a:t>
+              <a:t>14-Dec-17</a:t>
             </a:fld>
             <a:endParaRPr lang="en-US"/>
           </a:p>
@@ -1958,7 +2401,7 @@
           <a:p>
             <a:fld id="{05D37ADB-8E48-4DE5-8258-D57ACFD08B1B}" type="datetimeFigureOut">
               <a:rPr lang="en-US" smtClean="0"/>
-              <a:t>12/12/2017</a:t>
+              <a:t>14-Dec-17</a:t>
             </a:fld>
             <a:endParaRPr lang="en-US"/>
           </a:p>
@@ -2490,7 +2933,7 @@
           <a:p>
             <a:fld id="{05D37ADB-8E48-4DE5-8258-D57ACFD08B1B}" type="datetimeFigureOut">
               <a:rPr lang="en-US" smtClean="0"/>
-              <a:t>12/12/2017</a:t>
+              <a:t>14-Dec-17</a:t>
             </a:fld>
             <a:endParaRPr lang="en-US"/>
           </a:p>
@@ -2787,7 +3230,7 @@
           <a:p>
             <a:fld id="{05D37ADB-8E48-4DE5-8258-D57ACFD08B1B}" type="datetimeFigureOut">
               <a:rPr lang="en-US" smtClean="0"/>
-              <a:t>12/12/2017</a:t>
+              <a:t>14-Dec-17</a:t>
             </a:fld>
             <a:endParaRPr lang="en-US"/>
           </a:p>
@@ -2961,7 +3404,7 @@
           <a:p>
             <a:fld id="{05D37ADB-8E48-4DE5-8258-D57ACFD08B1B}" type="datetimeFigureOut">
               <a:rPr lang="en-US" smtClean="0"/>
-              <a:t>12/12/2017</a:t>
+              <a:t>14-Dec-17</a:t>
             </a:fld>
             <a:endParaRPr lang="en-US"/>
           </a:p>
@@ -3141,7 +3584,7 @@
           <a:p>
             <a:fld id="{05D37ADB-8E48-4DE5-8258-D57ACFD08B1B}" type="datetimeFigureOut">
               <a:rPr lang="en-US" smtClean="0"/>
-              <a:t>12/12/2017</a:t>
+              <a:t>14-Dec-17</a:t>
             </a:fld>
             <a:endParaRPr lang="en-US"/>
           </a:p>
@@ -3311,7 +3754,7 @@
           <a:p>
             <a:fld id="{05D37ADB-8E48-4DE5-8258-D57ACFD08B1B}" type="datetimeFigureOut">
               <a:rPr lang="en-US" smtClean="0"/>
-              <a:t>12/12/2017</a:t>
+              <a:t>14-Dec-17</a:t>
             </a:fld>
             <a:endParaRPr lang="en-US"/>
           </a:p>
@@ -3562,7 +4005,7 @@
           <a:p>
             <a:fld id="{05D37ADB-8E48-4DE5-8258-D57ACFD08B1B}" type="datetimeFigureOut">
               <a:rPr lang="en-US" smtClean="0"/>
-              <a:t>12/12/2017</a:t>
+              <a:t>14-Dec-17</a:t>
             </a:fld>
             <a:endParaRPr lang="en-US"/>
           </a:p>
@@ -3859,7 +4302,7 @@
           <a:p>
             <a:fld id="{05D37ADB-8E48-4DE5-8258-D57ACFD08B1B}" type="datetimeFigureOut">
               <a:rPr lang="en-US" smtClean="0"/>
-              <a:t>12/12/2017</a:t>
+              <a:t>14-Dec-17</a:t>
             </a:fld>
             <a:endParaRPr lang="en-US"/>
           </a:p>
@@ -4301,7 +4744,7 @@
           <a:p>
             <a:fld id="{05D37ADB-8E48-4DE5-8258-D57ACFD08B1B}" type="datetimeFigureOut">
               <a:rPr lang="en-US" smtClean="0"/>
-              <a:t>12/12/2017</a:t>
+              <a:t>14-Dec-17</a:t>
             </a:fld>
             <a:endParaRPr lang="en-US"/>
           </a:p>
@@ -4419,7 +4862,7 @@
           <a:p>
             <a:fld id="{05D37ADB-8E48-4DE5-8258-D57ACFD08B1B}" type="datetimeFigureOut">
               <a:rPr lang="en-US" smtClean="0"/>
-              <a:t>12/12/2017</a:t>
+              <a:t>14-Dec-17</a:t>
             </a:fld>
             <a:endParaRPr lang="en-US"/>
           </a:p>
@@ -4514,7 +4957,7 @@
           <a:p>
             <a:fld id="{05D37ADB-8E48-4DE5-8258-D57ACFD08B1B}" type="datetimeFigureOut">
               <a:rPr lang="en-US" smtClean="0"/>
-              <a:t>12/12/2017</a:t>
+              <a:t>14-Dec-17</a:t>
             </a:fld>
             <a:endParaRPr lang="en-US"/>
           </a:p>
@@ -4797,7 +5240,7 @@
           <a:p>
             <a:fld id="{05D37ADB-8E48-4DE5-8258-D57ACFD08B1B}" type="datetimeFigureOut">
               <a:rPr lang="en-US" smtClean="0"/>
-              <a:t>12/12/2017</a:t>
+              <a:t>14-Dec-17</a:t>
             </a:fld>
             <a:endParaRPr lang="en-US"/>
           </a:p>
@@ -5088,7 +5531,7 @@
           <a:p>
             <a:fld id="{05D37ADB-8E48-4DE5-8258-D57ACFD08B1B}" type="datetimeFigureOut">
               <a:rPr lang="en-US" smtClean="0"/>
-              <a:t>12/12/2017</a:t>
+              <a:t>14-Dec-17</a:t>
             </a:fld>
             <a:endParaRPr lang="en-US"/>
           </a:p>
@@ -5618,7 +6061,7 @@
           <a:p>
             <a:fld id="{05D37ADB-8E48-4DE5-8258-D57ACFD08B1B}" type="datetimeFigureOut">
               <a:rPr lang="en-US" smtClean="0"/>
-              <a:t>12/12/2017</a:t>
+              <a:t>14-Dec-17</a:t>
             </a:fld>
             <a:endParaRPr lang="en-US"/>
           </a:p>
@@ -6329,8 +6772,24 @@
           <a:lstStyle/>
           <a:p>
             <a:r>
-              <a:rPr lang="en-US" dirty="0" smtClean="0"/>
-              <a:t>Cross-site Request Forgery (CSRF)</a:t>
+              <a:rPr lang="en-US" dirty="0" err="1" smtClean="0"/>
+              <a:t>Nội</a:t>
+            </a:r>
+            <a:r>
+              <a:rPr lang="en-US" dirty="0" smtClean="0"/>
+              <a:t> dung </a:t>
+            </a:r>
+            <a:r>
+              <a:rPr lang="en-US" dirty="0" err="1" smtClean="0"/>
+              <a:t>trình</a:t>
+            </a:r>
+            <a:r>
+              <a:rPr lang="en-US" dirty="0" smtClean="0"/>
+              <a:t> </a:t>
+            </a:r>
+            <a:r>
+              <a:rPr lang="en-US" dirty="0" err="1" smtClean="0"/>
+              <a:t>bày</a:t>
             </a:r>
             <a:endParaRPr lang="en-US" dirty="0"/>
           </a:p>
@@ -6348,32 +6807,157 @@
         </p:nvSpPr>
         <p:spPr/>
         <p:txBody>
-          <a:bodyPr>
-            <a:normAutofit fontScale="92500" lnSpcReduction="10000"/>
-          </a:bodyPr>
+          <a:bodyPr/>
           <a:lstStyle/>
           <a:p>
             <a:r>
-              <a:rPr lang="en-US" dirty="0" smtClean="0"/>
-              <a:t>Overview: Cross-Site </a:t>
-            </a:r>
-            <a:r>
-              <a:rPr lang="en-US" dirty="0"/>
-              <a:t>Request Forgery (CSRF) is an attack that forces an end user to execute unwanted actions on a web application in which they're currently authenticated. CSRF attacks specifically target state-changing requests, not theft of data, since the attacker has no way to see the response to the forged request. With a little help of social engineering (such as sending a link via email or chat), an attacker may trick the users of a web application into executing actions of the attacker's choosing. If the victim is a normal user, a successful CSRF attack can force the user to perform state changing requests like transferring funds, changing their email address, and so forth. If the victim is an administrative account, CSRF can compromise the entire web application.</a:t>
-            </a:r>
+              <a:rPr lang="en-US" dirty="0" err="1" smtClean="0"/>
+              <a:t>Giới</a:t>
+            </a:r>
+            <a:r>
+              <a:rPr lang="en-US" dirty="0" smtClean="0"/>
+              <a:t> </a:t>
+            </a:r>
+            <a:r>
+              <a:rPr lang="en-US" dirty="0" err="1" smtClean="0"/>
+              <a:t>thiệu</a:t>
+            </a:r>
+            <a:endParaRPr lang="en-US" dirty="0" smtClean="0"/>
+          </a:p>
+          <a:p>
+            <a:r>
+              <a:rPr lang="en-US" dirty="0" err="1" smtClean="0"/>
+              <a:t>Khai</a:t>
+            </a:r>
+            <a:r>
+              <a:rPr lang="en-US" dirty="0" smtClean="0"/>
+              <a:t> </a:t>
+            </a:r>
+            <a:r>
+              <a:rPr lang="en-US" dirty="0" err="1" smtClean="0"/>
+              <a:t>thác</a:t>
+            </a:r>
+            <a:r>
+              <a:rPr lang="en-US" dirty="0" smtClean="0"/>
+              <a:t> </a:t>
+            </a:r>
+            <a:r>
+              <a:rPr lang="en-US" dirty="0" err="1" smtClean="0"/>
+              <a:t>lỗ</a:t>
+            </a:r>
+            <a:r>
+              <a:rPr lang="en-US" dirty="0" smtClean="0"/>
+              <a:t> </a:t>
+            </a:r>
+            <a:r>
+              <a:rPr lang="en-US" dirty="0" err="1" smtClean="0"/>
+              <a:t>hổng</a:t>
+            </a:r>
+            <a:r>
+              <a:rPr lang="en-US" dirty="0" smtClean="0"/>
+              <a:t> CSRF </a:t>
+            </a:r>
+            <a:r>
+              <a:rPr lang="en-US" dirty="0" err="1" smtClean="0"/>
+              <a:t>cơ</a:t>
+            </a:r>
+            <a:r>
+              <a:rPr lang="en-US" dirty="0" smtClean="0"/>
+              <a:t> </a:t>
+            </a:r>
+            <a:r>
+              <a:rPr lang="en-US" dirty="0" err="1" smtClean="0"/>
+              <a:t>bản</a:t>
+            </a:r>
+            <a:endParaRPr lang="en-US" dirty="0" smtClean="0"/>
+          </a:p>
+          <a:p>
+            <a:r>
+              <a:rPr lang="en-US" dirty="0" err="1" smtClean="0"/>
+              <a:t>Cách</a:t>
+            </a:r>
+            <a:r>
+              <a:rPr lang="en-US" dirty="0" smtClean="0"/>
+              <a:t> </a:t>
+            </a:r>
+            <a:r>
+              <a:rPr lang="en-US" dirty="0" err="1" smtClean="0"/>
+              <a:t>phòng</a:t>
+            </a:r>
+            <a:r>
+              <a:rPr lang="en-US" dirty="0" smtClean="0"/>
+              <a:t> </a:t>
+            </a:r>
+            <a:r>
+              <a:rPr lang="en-US" dirty="0" err="1" smtClean="0"/>
+              <a:t>chống</a:t>
+            </a:r>
+            <a:r>
+              <a:rPr lang="en-US" dirty="0"/>
+              <a:t> </a:t>
+            </a:r>
+            <a:r>
+              <a:rPr lang="en-US" dirty="0" err="1" smtClean="0"/>
+              <a:t>lỗ</a:t>
+            </a:r>
+            <a:r>
+              <a:rPr lang="en-US" dirty="0" smtClean="0"/>
+              <a:t> </a:t>
+            </a:r>
+            <a:r>
+              <a:rPr lang="en-US" dirty="0" err="1" smtClean="0"/>
+              <a:t>hổng</a:t>
+            </a:r>
+            <a:r>
+              <a:rPr lang="en-US" dirty="0" smtClean="0"/>
+              <a:t> CSRF</a:t>
+            </a:r>
+          </a:p>
+          <a:p>
+            <a:r>
+              <a:rPr lang="en-US" dirty="0" smtClean="0"/>
+              <a:t>Demo</a:t>
+            </a:r>
+            <a:r>
+              <a:rPr lang="en-US" dirty="0"/>
+              <a:t> </a:t>
+            </a:r>
+          </a:p>
+          <a:p>
+            <a:r>
+              <a:rPr lang="en-US" dirty="0" err="1" smtClean="0"/>
+              <a:t>Tổng</a:t>
+            </a:r>
+            <a:r>
+              <a:rPr lang="en-US" dirty="0" smtClean="0"/>
+              <a:t> </a:t>
+            </a:r>
+            <a:r>
+              <a:rPr lang="en-US" dirty="0" err="1" smtClean="0"/>
+              <a:t>kết</a:t>
+            </a:r>
+            <a:endParaRPr lang="en-US" dirty="0" smtClean="0"/>
           </a:p>
         </p:txBody>
       </p:sp>
     </p:spTree>
     <p:extLst>
       <p:ext uri="{BB962C8B-B14F-4D97-AF65-F5344CB8AC3E}">
-        <p14:creationId xmlns:p14="http://schemas.microsoft.com/office/powerpoint/2010/main" val="2724359370"/>
+        <p14:creationId xmlns:p14="http://schemas.microsoft.com/office/powerpoint/2010/main" val="1343943101"/>
       </p:ext>
     </p:extLst>
   </p:cSld>
   <p:clrMapOvr>
     <a:masterClrMapping/>
   </p:clrMapOvr>
+  <mc:AlternateContent xmlns:mc="http://schemas.openxmlformats.org/markup-compatibility/2006">
+    <mc:Choice xmlns:p14="http://schemas.microsoft.com/office/powerpoint/2010/main" Requires="p14">
+      <p:transition spd="slow" p14:dur="2000"/>
+    </mc:Choice>
+    <mc:Fallback>
+      <p:transition spd="slow"/>
+    </mc:Fallback>
+  </mc:AlternateContent>
   <p:timing>
     <p:tnLst>
       <p:par>
@@ -6417,32 +7001,8 @@
           <a:lstStyle/>
           <a:p>
             <a:r>
-              <a:rPr lang="en-US" dirty="0" err="1" smtClean="0"/>
-              <a:t>Nội</a:t>
-            </a:r>
-            <a:r>
-              <a:rPr lang="en-US" dirty="0" smtClean="0"/>
-              <a:t> dung </a:t>
-            </a:r>
-            <a:r>
-              <a:rPr lang="en-US" dirty="0" err="1" smtClean="0"/>
-              <a:t>bài</a:t>
-            </a:r>
-            <a:r>
-              <a:rPr lang="en-US" dirty="0" smtClean="0"/>
-              <a:t> </a:t>
-            </a:r>
-            <a:r>
-              <a:rPr lang="en-US" dirty="0" err="1" smtClean="0"/>
-              <a:t>trình</a:t>
-            </a:r>
-            <a:r>
-              <a:rPr lang="en-US" dirty="0" smtClean="0"/>
-              <a:t> </a:t>
-            </a:r>
-            <a:r>
-              <a:rPr lang="en-US" dirty="0" err="1" smtClean="0"/>
-              <a:t>bày</a:t>
+              <a:rPr lang="en-US" dirty="0" smtClean="0"/>
+              <a:t>Cross-site Request Forgery (CSRF)</a:t>
             </a:r>
             <a:endParaRPr lang="en-US" dirty="0"/>
           </a:p>
@@ -6460,86 +7020,801 @@
         </p:nvSpPr>
         <p:spPr/>
         <p:txBody>
-          <a:bodyPr/>
+          <a:bodyPr>
+            <a:normAutofit/>
+          </a:bodyPr>
           <a:lstStyle/>
           <a:p>
-            <a:r>
-              <a:rPr lang="en-US" dirty="0" err="1" smtClean="0"/>
-              <a:t>Giới</a:t>
-            </a:r>
-            <a:r>
-              <a:rPr lang="en-US" dirty="0" smtClean="0"/>
-              <a:t> </a:t>
-            </a:r>
-            <a:r>
-              <a:rPr lang="en-US" dirty="0" err="1" smtClean="0"/>
-              <a:t>thiệu</a:t>
-            </a:r>
-            <a:endParaRPr lang="en-US" dirty="0" smtClean="0"/>
-          </a:p>
-          <a:p>
-            <a:r>
-              <a:rPr lang="en-US" dirty="0" err="1" smtClean="0"/>
-              <a:t>Mô</a:t>
-            </a:r>
-            <a:r>
-              <a:rPr lang="en-US" dirty="0" smtClean="0"/>
-              <a:t> </a:t>
-            </a:r>
-            <a:r>
-              <a:rPr lang="en-US" dirty="0" err="1" smtClean="0"/>
-              <a:t>tả</a:t>
-            </a:r>
-            <a:endParaRPr lang="en-US" dirty="0" smtClean="0"/>
-          </a:p>
-          <a:p>
-            <a:r>
-              <a:rPr lang="en-US" dirty="0" smtClean="0"/>
-              <a:t>Review</a:t>
-            </a:r>
-          </a:p>
-          <a:p>
-            <a:r>
-              <a:rPr lang="en-US" dirty="0" err="1" smtClean="0"/>
-              <a:t>Cách</a:t>
-            </a:r>
-            <a:r>
-              <a:rPr lang="en-US" dirty="0" smtClean="0"/>
-              <a:t> </a:t>
-            </a:r>
-            <a:r>
-              <a:rPr lang="en-US" dirty="0" err="1" smtClean="0"/>
-              <a:t>phòng</a:t>
-            </a:r>
-            <a:r>
-              <a:rPr lang="en-US" dirty="0" smtClean="0"/>
-              <a:t> </a:t>
-            </a:r>
-            <a:r>
-              <a:rPr lang="en-US" dirty="0" err="1" smtClean="0"/>
-              <a:t>tránh</a:t>
-            </a:r>
-            <a:endParaRPr lang="en-US" dirty="0" smtClean="0"/>
-          </a:p>
-          <a:p>
-            <a:r>
-              <a:rPr lang="en-US" dirty="0" smtClean="0"/>
-              <a:t>Example</a:t>
-            </a:r>
-          </a:p>
-          <a:p>
-            <a:r>
-              <a:rPr lang="en-US" dirty="0" smtClean="0"/>
-              <a:t>Demo</a:t>
-            </a:r>
-            <a:endParaRPr lang="en-US" dirty="0"/>
+            <a:pPr lvl="1"/>
+            <a:r>
+              <a:rPr lang="en-US" dirty="0"/>
+              <a:t>CSRF </a:t>
+            </a:r>
+            <a:r>
+              <a:rPr lang="en-US" dirty="0" err="1"/>
+              <a:t>là</a:t>
+            </a:r>
+            <a:r>
+              <a:rPr lang="en-US" dirty="0"/>
+              <a:t> </a:t>
+            </a:r>
+            <a:r>
+              <a:rPr lang="en-US" dirty="0" err="1"/>
+              <a:t>hình</a:t>
+            </a:r>
+            <a:r>
+              <a:rPr lang="en-US" dirty="0"/>
+              <a:t> </a:t>
+            </a:r>
+            <a:r>
+              <a:rPr lang="en-US" dirty="0" err="1"/>
+              <a:t>thức</a:t>
+            </a:r>
+            <a:r>
+              <a:rPr lang="en-US" dirty="0"/>
+              <a:t> </a:t>
+            </a:r>
+            <a:r>
+              <a:rPr lang="en-US" dirty="0" err="1"/>
+              <a:t>tấn</a:t>
+            </a:r>
+            <a:r>
+              <a:rPr lang="en-US" dirty="0"/>
+              <a:t> </a:t>
+            </a:r>
+            <a:r>
+              <a:rPr lang="en-US" dirty="0" err="1"/>
+              <a:t>công</a:t>
+            </a:r>
+            <a:r>
+              <a:rPr lang="en-US" dirty="0"/>
+              <a:t> </a:t>
+            </a:r>
+            <a:r>
+              <a:rPr lang="en-US" dirty="0" err="1"/>
+              <a:t>người</a:t>
+            </a:r>
+            <a:r>
+              <a:rPr lang="en-US" dirty="0"/>
+              <a:t> </a:t>
+            </a:r>
+            <a:r>
+              <a:rPr lang="en-US" dirty="0" err="1"/>
+              <a:t>dùng</a:t>
+            </a:r>
+            <a:r>
+              <a:rPr lang="en-US" dirty="0"/>
+              <a:t> </a:t>
+            </a:r>
+            <a:r>
+              <a:rPr lang="en-US" dirty="0" err="1"/>
+              <a:t>cuối</a:t>
+            </a:r>
+            <a:r>
+              <a:rPr lang="en-US" dirty="0"/>
+              <a:t> </a:t>
+            </a:r>
+            <a:r>
+              <a:rPr lang="en-US" dirty="0" err="1"/>
+              <a:t>bằng</a:t>
+            </a:r>
+            <a:r>
+              <a:rPr lang="en-US" dirty="0"/>
+              <a:t> </a:t>
+            </a:r>
+            <a:r>
+              <a:rPr lang="en-US" dirty="0" err="1"/>
+              <a:t>cách</a:t>
+            </a:r>
+            <a:r>
+              <a:rPr lang="en-US" dirty="0"/>
+              <a:t> </a:t>
+            </a:r>
+            <a:r>
+              <a:rPr lang="en-US" dirty="0" err="1"/>
+              <a:t>bắt</a:t>
+            </a:r>
+            <a:r>
+              <a:rPr lang="en-US" dirty="0"/>
+              <a:t> </a:t>
+            </a:r>
+            <a:r>
+              <a:rPr lang="en-US" dirty="0" err="1"/>
+              <a:t>người</a:t>
+            </a:r>
+            <a:r>
+              <a:rPr lang="en-US" dirty="0"/>
+              <a:t> </a:t>
+            </a:r>
+            <a:r>
+              <a:rPr lang="en-US" dirty="0" err="1"/>
+              <a:t>dùng</a:t>
+            </a:r>
+            <a:r>
+              <a:rPr lang="en-US" dirty="0"/>
+              <a:t> </a:t>
+            </a:r>
+            <a:r>
+              <a:rPr lang="en-US" dirty="0" err="1"/>
+              <a:t>thực</a:t>
+            </a:r>
+            <a:r>
+              <a:rPr lang="en-US" dirty="0"/>
+              <a:t> </a:t>
+            </a:r>
+            <a:r>
+              <a:rPr lang="en-US" dirty="0" err="1"/>
+              <a:t>hiện</a:t>
+            </a:r>
+            <a:r>
+              <a:rPr lang="en-US" dirty="0"/>
+              <a:t> </a:t>
+            </a:r>
+            <a:r>
+              <a:rPr lang="en-US" dirty="0" err="1"/>
+              <a:t>một</a:t>
+            </a:r>
+            <a:r>
+              <a:rPr lang="en-US" dirty="0"/>
+              <a:t> </a:t>
+            </a:r>
+            <a:r>
+              <a:rPr lang="en-US" dirty="0" err="1"/>
+              <a:t>thao</a:t>
+            </a:r>
+            <a:r>
+              <a:rPr lang="en-US" dirty="0"/>
+              <a:t> </a:t>
+            </a:r>
+            <a:r>
+              <a:rPr lang="en-US" dirty="0" err="1"/>
+              <a:t>tác</a:t>
+            </a:r>
+            <a:r>
+              <a:rPr lang="en-US" dirty="0"/>
+              <a:t> </a:t>
+            </a:r>
+            <a:r>
+              <a:rPr lang="en-US" dirty="0" err="1"/>
+              <a:t>trên</a:t>
+            </a:r>
+            <a:r>
+              <a:rPr lang="en-US" dirty="0"/>
+              <a:t> website </a:t>
+            </a:r>
+            <a:r>
+              <a:rPr lang="en-US" dirty="0" err="1"/>
+              <a:t>trong</a:t>
+            </a:r>
+            <a:r>
+              <a:rPr lang="en-US" dirty="0"/>
+              <a:t> </a:t>
+            </a:r>
+            <a:r>
+              <a:rPr lang="en-US" dirty="0" err="1"/>
+              <a:t>khi</a:t>
+            </a:r>
+            <a:r>
+              <a:rPr lang="en-US" dirty="0"/>
+              <a:t> </a:t>
+            </a:r>
+            <a:r>
+              <a:rPr lang="en-US" dirty="0" err="1"/>
+              <a:t>người</a:t>
+            </a:r>
+            <a:r>
+              <a:rPr lang="en-US" dirty="0"/>
+              <a:t> </a:t>
+            </a:r>
+            <a:r>
+              <a:rPr lang="en-US" dirty="0" err="1"/>
+              <a:t>dùng</a:t>
+            </a:r>
+            <a:r>
+              <a:rPr lang="en-US" dirty="0"/>
+              <a:t> </a:t>
+            </a:r>
+            <a:r>
+              <a:rPr lang="en-US" dirty="0" err="1"/>
+              <a:t>vẫn</a:t>
+            </a:r>
+            <a:r>
+              <a:rPr lang="en-US" dirty="0"/>
+              <a:t> </a:t>
+            </a:r>
+            <a:r>
+              <a:rPr lang="en-US" dirty="0" err="1"/>
+              <a:t>đang</a:t>
+            </a:r>
+            <a:r>
+              <a:rPr lang="en-US" dirty="0"/>
+              <a:t> </a:t>
+            </a:r>
+            <a:r>
+              <a:rPr lang="en-US" dirty="0" err="1"/>
+              <a:t>được</a:t>
+            </a:r>
+            <a:r>
+              <a:rPr lang="en-US" dirty="0"/>
+              <a:t> website </a:t>
+            </a:r>
+            <a:r>
+              <a:rPr lang="en-US" dirty="0" err="1"/>
+              <a:t>xác</a:t>
+            </a:r>
+            <a:r>
+              <a:rPr lang="en-US" dirty="0"/>
+              <a:t> </a:t>
+            </a:r>
+            <a:r>
+              <a:rPr lang="en-US" dirty="0" err="1"/>
+              <a:t>thực</a:t>
+            </a:r>
+            <a:r>
+              <a:rPr lang="en-US" dirty="0"/>
+              <a:t>.</a:t>
+            </a:r>
+          </a:p>
+          <a:p>
+            <a:pPr lvl="1"/>
+            <a:r>
+              <a:rPr lang="en-US" dirty="0" err="1"/>
+              <a:t>Mục</a:t>
+            </a:r>
+            <a:r>
+              <a:rPr lang="en-US" dirty="0"/>
+              <a:t> </a:t>
+            </a:r>
+            <a:r>
+              <a:rPr lang="en-US" dirty="0" err="1"/>
+              <a:t>tiêu</a:t>
+            </a:r>
+            <a:r>
+              <a:rPr lang="en-US" dirty="0"/>
+              <a:t> </a:t>
+            </a:r>
+            <a:r>
+              <a:rPr lang="en-US" dirty="0" err="1"/>
+              <a:t>tấn</a:t>
+            </a:r>
+            <a:r>
+              <a:rPr lang="en-US" dirty="0"/>
+              <a:t> </a:t>
+            </a:r>
+            <a:r>
+              <a:rPr lang="en-US" dirty="0" err="1"/>
+              <a:t>công</a:t>
+            </a:r>
+            <a:r>
+              <a:rPr lang="en-US" dirty="0"/>
+              <a:t> </a:t>
+            </a:r>
+            <a:r>
+              <a:rPr lang="en-US" dirty="0" err="1"/>
+              <a:t>của</a:t>
+            </a:r>
+            <a:r>
+              <a:rPr lang="en-US" dirty="0"/>
+              <a:t> </a:t>
+            </a:r>
+            <a:r>
+              <a:rPr lang="en-US" dirty="0" err="1"/>
+              <a:t>lỗ</a:t>
+            </a:r>
+            <a:r>
+              <a:rPr lang="en-US" dirty="0"/>
+              <a:t> </a:t>
+            </a:r>
+            <a:r>
+              <a:rPr lang="en-US" dirty="0" err="1"/>
+              <a:t>hổng</a:t>
+            </a:r>
+            <a:r>
+              <a:rPr lang="en-US" dirty="0"/>
+              <a:t> CSRF </a:t>
+            </a:r>
+            <a:r>
+              <a:rPr lang="en-US" dirty="0" err="1"/>
+              <a:t>là</a:t>
+            </a:r>
+            <a:r>
+              <a:rPr lang="en-US" dirty="0"/>
+              <a:t> </a:t>
+            </a:r>
+            <a:r>
+              <a:rPr lang="en-US" dirty="0" err="1"/>
+              <a:t>các</a:t>
+            </a:r>
+            <a:r>
+              <a:rPr lang="en-US" dirty="0"/>
+              <a:t> request </a:t>
+            </a:r>
+            <a:r>
+              <a:rPr lang="en-US" dirty="0" err="1"/>
+              <a:t>làm</a:t>
+            </a:r>
+            <a:r>
+              <a:rPr lang="en-US" dirty="0"/>
+              <a:t> </a:t>
+            </a:r>
+            <a:r>
+              <a:rPr lang="en-US" dirty="0" err="1"/>
+              <a:t>thay</a:t>
+            </a:r>
+            <a:r>
+              <a:rPr lang="en-US" dirty="0"/>
+              <a:t> </a:t>
+            </a:r>
+            <a:r>
+              <a:rPr lang="en-US" dirty="0" err="1"/>
+              <a:t>đổi</a:t>
+            </a:r>
+            <a:r>
+              <a:rPr lang="en-US" dirty="0"/>
+              <a:t> </a:t>
+            </a:r>
+            <a:r>
+              <a:rPr lang="en-US" dirty="0" err="1"/>
+              <a:t>trạng</a:t>
+            </a:r>
+            <a:r>
+              <a:rPr lang="en-US" dirty="0"/>
+              <a:t> </a:t>
+            </a:r>
+            <a:r>
+              <a:rPr lang="en-US" dirty="0" err="1"/>
+              <a:t>thái</a:t>
+            </a:r>
+            <a:r>
+              <a:rPr lang="en-US" dirty="0"/>
+              <a:t> </a:t>
+            </a:r>
+            <a:r>
+              <a:rPr lang="en-US" dirty="0" err="1"/>
+              <a:t>của</a:t>
+            </a:r>
+            <a:r>
+              <a:rPr lang="en-US" dirty="0"/>
+              <a:t> </a:t>
+            </a:r>
+            <a:r>
+              <a:rPr lang="en-US" dirty="0" err="1"/>
+              <a:t>người</a:t>
+            </a:r>
+            <a:r>
+              <a:rPr lang="en-US" dirty="0"/>
+              <a:t> </a:t>
+            </a:r>
+            <a:r>
+              <a:rPr lang="en-US" dirty="0" err="1"/>
+              <a:t>dùng</a:t>
+            </a:r>
+            <a:r>
+              <a:rPr lang="en-US" dirty="0"/>
+              <a:t>, </a:t>
+            </a:r>
+            <a:r>
+              <a:rPr lang="en-US" dirty="0" err="1"/>
+              <a:t>không</a:t>
+            </a:r>
+            <a:r>
+              <a:rPr lang="en-US" dirty="0"/>
+              <a:t> </a:t>
+            </a:r>
+            <a:r>
+              <a:rPr lang="en-US" dirty="0" err="1"/>
+              <a:t>lấy</a:t>
+            </a:r>
+            <a:r>
+              <a:rPr lang="en-US" dirty="0"/>
+              <a:t> </a:t>
+            </a:r>
+            <a:r>
+              <a:rPr lang="en-US" dirty="0" err="1"/>
+              <a:t>cắp</a:t>
+            </a:r>
+            <a:r>
+              <a:rPr lang="en-US" dirty="0"/>
+              <a:t> </a:t>
+            </a:r>
+            <a:r>
+              <a:rPr lang="en-US" dirty="0" err="1"/>
+              <a:t>dữ</a:t>
+            </a:r>
+            <a:r>
+              <a:rPr lang="en-US" dirty="0"/>
+              <a:t> </a:t>
+            </a:r>
+            <a:r>
+              <a:rPr lang="en-US" dirty="0" err="1"/>
+              <a:t>liệu</a:t>
+            </a:r>
+            <a:r>
+              <a:rPr lang="en-US" dirty="0"/>
+              <a:t> </a:t>
+            </a:r>
+            <a:r>
+              <a:rPr lang="en-US" dirty="0" err="1"/>
+              <a:t>của</a:t>
+            </a:r>
+            <a:r>
+              <a:rPr lang="en-US" dirty="0"/>
+              <a:t> </a:t>
+            </a:r>
+            <a:r>
+              <a:rPr lang="en-US" dirty="0" err="1"/>
+              <a:t>người</a:t>
+            </a:r>
+            <a:r>
+              <a:rPr lang="en-US" dirty="0"/>
+              <a:t> </a:t>
+            </a:r>
+            <a:r>
+              <a:rPr lang="en-US" dirty="0" err="1"/>
+              <a:t>dùng</a:t>
+            </a:r>
+            <a:r>
+              <a:rPr lang="en-US" dirty="0"/>
+              <a:t> </a:t>
+            </a:r>
+            <a:r>
+              <a:rPr lang="en-US" dirty="0" err="1"/>
+              <a:t>vì</a:t>
+            </a:r>
+            <a:r>
+              <a:rPr lang="en-US" dirty="0"/>
+              <a:t> attacker </a:t>
+            </a:r>
+            <a:r>
+              <a:rPr lang="en-US" dirty="0" err="1"/>
+              <a:t>không</a:t>
+            </a:r>
+            <a:r>
+              <a:rPr lang="en-US" dirty="0"/>
+              <a:t> </a:t>
+            </a:r>
+            <a:r>
+              <a:rPr lang="en-US" dirty="0" err="1"/>
+              <a:t>thể</a:t>
+            </a:r>
+            <a:r>
+              <a:rPr lang="en-US" dirty="0"/>
+              <a:t> </a:t>
+            </a:r>
+            <a:r>
+              <a:rPr lang="en-US" dirty="0" err="1"/>
+              <a:t>xem</a:t>
+            </a:r>
+            <a:r>
+              <a:rPr lang="en-US" dirty="0"/>
+              <a:t> </a:t>
+            </a:r>
+            <a:r>
+              <a:rPr lang="en-US" dirty="0" err="1"/>
+              <a:t>được</a:t>
+            </a:r>
+            <a:r>
+              <a:rPr lang="en-US" dirty="0"/>
+              <a:t> </a:t>
+            </a:r>
+            <a:r>
+              <a:rPr lang="en-US" dirty="0" err="1"/>
+              <a:t>respone</a:t>
+            </a:r>
+            <a:r>
+              <a:rPr lang="en-US" dirty="0"/>
+              <a:t> </a:t>
+            </a:r>
+            <a:r>
+              <a:rPr lang="en-US" dirty="0" err="1"/>
+              <a:t>khi</a:t>
+            </a:r>
+            <a:r>
+              <a:rPr lang="en-US" dirty="0"/>
+              <a:t> request </a:t>
+            </a:r>
+            <a:r>
+              <a:rPr lang="en-US" dirty="0" err="1"/>
+              <a:t>giả</a:t>
+            </a:r>
+            <a:r>
+              <a:rPr lang="en-US" dirty="0"/>
+              <a:t> </a:t>
+            </a:r>
+            <a:r>
+              <a:rPr lang="en-US" dirty="0" err="1"/>
+              <a:t>mạo</a:t>
+            </a:r>
+            <a:r>
+              <a:rPr lang="en-US" dirty="0"/>
+              <a:t> </a:t>
+            </a:r>
+            <a:r>
+              <a:rPr lang="en-US" dirty="0" err="1" smtClean="0"/>
+              <a:t>được</a:t>
+            </a:r>
+            <a:r>
+              <a:rPr lang="en-US" dirty="0" smtClean="0"/>
+              <a:t> </a:t>
+            </a:r>
+            <a:r>
+              <a:rPr lang="en-US" dirty="0" err="1"/>
+              <a:t>gửi</a:t>
+            </a:r>
+            <a:r>
+              <a:rPr lang="en-US" dirty="0"/>
+              <a:t> </a:t>
+            </a:r>
+            <a:r>
+              <a:rPr lang="en-US" dirty="0" err="1"/>
+              <a:t>đi</a:t>
+            </a:r>
+            <a:r>
+              <a:rPr lang="en-US" dirty="0"/>
+              <a:t>.</a:t>
+            </a:r>
+          </a:p>
+          <a:p>
+            <a:pPr lvl="1"/>
+            <a:r>
+              <a:rPr lang="en-US" dirty="0"/>
+              <a:t>CSRF </a:t>
+            </a:r>
+            <a:r>
+              <a:rPr lang="en-US" dirty="0" err="1"/>
+              <a:t>thường</a:t>
+            </a:r>
+            <a:r>
+              <a:rPr lang="en-US" dirty="0"/>
+              <a:t> </a:t>
+            </a:r>
+            <a:r>
+              <a:rPr lang="en-US" dirty="0" err="1"/>
+              <a:t>được</a:t>
+            </a:r>
+            <a:r>
+              <a:rPr lang="en-US" dirty="0"/>
+              <a:t> </a:t>
+            </a:r>
+            <a:r>
+              <a:rPr lang="en-US" dirty="0" err="1"/>
+              <a:t>sử</a:t>
+            </a:r>
+            <a:r>
+              <a:rPr lang="en-US" dirty="0"/>
+              <a:t> </a:t>
+            </a:r>
+            <a:r>
+              <a:rPr lang="en-US" dirty="0" err="1"/>
+              <a:t>dụng</a:t>
+            </a:r>
+            <a:r>
+              <a:rPr lang="en-US" dirty="0"/>
+              <a:t> </a:t>
+            </a:r>
+            <a:r>
+              <a:rPr lang="en-US" dirty="0" err="1"/>
+              <a:t>với</a:t>
+            </a:r>
+            <a:r>
+              <a:rPr lang="en-US" dirty="0"/>
+              <a:t> </a:t>
+            </a:r>
+            <a:r>
+              <a:rPr lang="en-US" dirty="0" err="1"/>
+              <a:t>kĩ</a:t>
+            </a:r>
+            <a:r>
+              <a:rPr lang="en-US" dirty="0"/>
+              <a:t> </a:t>
+            </a:r>
+            <a:r>
+              <a:rPr lang="en-US" dirty="0" err="1"/>
+              <a:t>thuật</a:t>
+            </a:r>
+            <a:r>
+              <a:rPr lang="en-US" dirty="0"/>
+              <a:t> social engineering (</a:t>
+            </a:r>
+            <a:r>
+              <a:rPr lang="en-US" dirty="0" err="1"/>
+              <a:t>ví</a:t>
+            </a:r>
+            <a:r>
+              <a:rPr lang="en-US" dirty="0"/>
+              <a:t> </a:t>
+            </a:r>
+            <a:r>
+              <a:rPr lang="en-US" dirty="0" err="1"/>
+              <a:t>dụ</a:t>
+            </a:r>
+            <a:r>
+              <a:rPr lang="en-US" dirty="0"/>
+              <a:t> </a:t>
+            </a:r>
+            <a:r>
+              <a:rPr lang="en-US" dirty="0" err="1"/>
+              <a:t>như</a:t>
+            </a:r>
+            <a:r>
+              <a:rPr lang="en-US" dirty="0"/>
+              <a:t> send link </a:t>
+            </a:r>
+            <a:r>
+              <a:rPr lang="en-US" dirty="0" err="1"/>
+              <a:t>thông</a:t>
+            </a:r>
+            <a:r>
+              <a:rPr lang="en-US" dirty="0"/>
+              <a:t> qua </a:t>
+            </a:r>
+            <a:r>
+              <a:rPr lang="en-US" dirty="0" err="1"/>
+              <a:t>email,chat</a:t>
+            </a:r>
+            <a:r>
+              <a:rPr lang="en-US" dirty="0"/>
+              <a:t>,…). Attacker </a:t>
+            </a:r>
+            <a:r>
+              <a:rPr lang="en-US" dirty="0" err="1"/>
+              <a:t>sẽ</a:t>
+            </a:r>
+            <a:r>
+              <a:rPr lang="en-US" dirty="0"/>
+              <a:t> </a:t>
+            </a:r>
+            <a:r>
+              <a:rPr lang="en-US" dirty="0" err="1"/>
+              <a:t>lừa</a:t>
+            </a:r>
+            <a:r>
+              <a:rPr lang="en-US" dirty="0"/>
+              <a:t> </a:t>
+            </a:r>
+            <a:r>
+              <a:rPr lang="en-US" dirty="0" err="1"/>
+              <a:t>người</a:t>
+            </a:r>
+            <a:r>
+              <a:rPr lang="en-US" dirty="0"/>
+              <a:t> </a:t>
+            </a:r>
+            <a:r>
+              <a:rPr lang="en-US" dirty="0" err="1"/>
+              <a:t>dùng</a:t>
+            </a:r>
+            <a:r>
+              <a:rPr lang="en-US" dirty="0"/>
+              <a:t> click </a:t>
+            </a:r>
+            <a:r>
+              <a:rPr lang="en-US" dirty="0" err="1"/>
+              <a:t>và</a:t>
+            </a:r>
+            <a:r>
+              <a:rPr lang="en-US" dirty="0"/>
+              <a:t> </a:t>
+            </a:r>
+            <a:r>
+              <a:rPr lang="en-US" dirty="0" err="1"/>
+              <a:t>các</a:t>
+            </a:r>
+            <a:r>
+              <a:rPr lang="en-US" dirty="0"/>
+              <a:t> URL </a:t>
+            </a:r>
+            <a:r>
+              <a:rPr lang="en-US" dirty="0" err="1"/>
+              <a:t>mà</a:t>
+            </a:r>
+            <a:r>
+              <a:rPr lang="en-US" dirty="0"/>
+              <a:t> attacker </a:t>
+            </a:r>
+            <a:r>
+              <a:rPr lang="en-US" dirty="0" err="1"/>
+              <a:t>gửi</a:t>
+            </a:r>
+            <a:r>
+              <a:rPr lang="en-US" dirty="0"/>
+              <a:t> </a:t>
+            </a:r>
+            <a:r>
+              <a:rPr lang="en-US" dirty="0" err="1"/>
+              <a:t>đến</a:t>
+            </a:r>
+            <a:r>
+              <a:rPr lang="en-US" dirty="0"/>
+              <a:t> </a:t>
+            </a:r>
+            <a:r>
+              <a:rPr lang="en-US" dirty="0" err="1"/>
+              <a:t>để</a:t>
+            </a:r>
+            <a:r>
+              <a:rPr lang="en-US" dirty="0"/>
+              <a:t> </a:t>
+            </a:r>
+            <a:r>
+              <a:rPr lang="en-US" dirty="0" err="1"/>
+              <a:t>thực</a:t>
+            </a:r>
+            <a:r>
+              <a:rPr lang="en-US" dirty="0"/>
+              <a:t> </a:t>
+            </a:r>
+            <a:r>
+              <a:rPr lang="en-US" dirty="0" err="1"/>
+              <a:t>hiện</a:t>
+            </a:r>
+            <a:r>
+              <a:rPr lang="en-US" dirty="0"/>
+              <a:t> </a:t>
+            </a:r>
+            <a:r>
+              <a:rPr lang="en-US" dirty="0" err="1"/>
+              <a:t>các</a:t>
+            </a:r>
+            <a:r>
+              <a:rPr lang="en-US" dirty="0"/>
+              <a:t> </a:t>
+            </a:r>
+            <a:r>
+              <a:rPr lang="en-US" dirty="0" err="1"/>
+              <a:t>thao</a:t>
+            </a:r>
+            <a:r>
+              <a:rPr lang="en-US" dirty="0"/>
+              <a:t> </a:t>
+            </a:r>
+            <a:r>
+              <a:rPr lang="en-US" dirty="0" err="1"/>
+              <a:t>tác</a:t>
+            </a:r>
+            <a:r>
+              <a:rPr lang="en-US" dirty="0"/>
+              <a:t> </a:t>
+            </a:r>
+            <a:r>
+              <a:rPr lang="en-US" dirty="0" err="1"/>
+              <a:t>trên</a:t>
+            </a:r>
+            <a:r>
+              <a:rPr lang="en-US" dirty="0"/>
+              <a:t> website </a:t>
+            </a:r>
+            <a:r>
+              <a:rPr lang="en-US" dirty="0" err="1"/>
+              <a:t>mà</a:t>
+            </a:r>
+            <a:r>
+              <a:rPr lang="en-US" dirty="0"/>
+              <a:t> attacker </a:t>
+            </a:r>
+            <a:r>
+              <a:rPr lang="en-US" dirty="0" err="1"/>
+              <a:t>mong</a:t>
+            </a:r>
+            <a:r>
+              <a:rPr lang="en-US" dirty="0"/>
+              <a:t> </a:t>
+            </a:r>
+            <a:r>
+              <a:rPr lang="en-US" dirty="0" err="1"/>
+              <a:t>muốn</a:t>
+            </a:r>
+            <a:r>
+              <a:rPr lang="en-US" dirty="0"/>
+              <a:t>.</a:t>
+            </a:r>
           </a:p>
         </p:txBody>
       </p:sp>
     </p:spTree>
     <p:extLst>
       <p:ext uri="{BB962C8B-B14F-4D97-AF65-F5344CB8AC3E}">
-        <p14:creationId xmlns:p14="http://schemas.microsoft.com/office/powerpoint/2010/main" val="1199431711"/>
+        <p14:creationId xmlns:p14="http://schemas.microsoft.com/office/powerpoint/2010/main" val="2724359370"/>
       </p:ext>
     </p:extLst>
   </p:cSld>
@@ -6588,7 +7863,19 @@
           <a:bodyPr/>
           <a:lstStyle/>
           <a:p>
-            <a:endParaRPr lang="en-US"/>
+            <a:r>
+              <a:rPr lang="en-US" dirty="0" err="1" smtClean="0"/>
+              <a:t>Lịch</a:t>
+            </a:r>
+            <a:r>
+              <a:rPr lang="en-US" dirty="0" smtClean="0"/>
+              <a:t> </a:t>
+            </a:r>
+            <a:r>
+              <a:rPr lang="en-US" dirty="0" err="1" smtClean="0"/>
+              <a:t>sử</a:t>
+            </a:r>
+            <a:endParaRPr lang="en-US" dirty="0"/>
           </a:p>
         </p:txBody>
       </p:sp>
@@ -6600,6 +7887,309 @@
           </p:cNvSpPr>
           <p:nvPr>
             <p:ph idx="1"/>
+          </p:nvPr>
+        </p:nvSpPr>
+        <p:spPr>
+          <a:xfrm>
+            <a:off x="1484310" y="2666999"/>
+            <a:ext cx="10018713" cy="3635830"/>
+          </a:xfrm>
+        </p:spPr>
+        <p:txBody>
+          <a:bodyPr>
+            <a:normAutofit/>
+          </a:bodyPr>
+          <a:lstStyle/>
+          <a:p>
+            <a:r>
+              <a:rPr lang="en-US" dirty="0" err="1" smtClean="0"/>
+              <a:t>Lỗ</a:t>
+            </a:r>
+            <a:r>
+              <a:rPr lang="en-US" dirty="0" smtClean="0"/>
+              <a:t> </a:t>
+            </a:r>
+            <a:r>
+              <a:rPr lang="en-US" dirty="0" err="1" smtClean="0"/>
+              <a:t>hổng</a:t>
+            </a:r>
+            <a:r>
+              <a:rPr lang="en-US" dirty="0" smtClean="0"/>
+              <a:t> CSRF </a:t>
+            </a:r>
+            <a:r>
+              <a:rPr lang="en-US" dirty="0" err="1" smtClean="0"/>
+              <a:t>được</a:t>
+            </a:r>
+            <a:r>
+              <a:rPr lang="en-US" dirty="0" smtClean="0"/>
+              <a:t> </a:t>
+            </a:r>
+            <a:r>
+              <a:rPr lang="en-US" dirty="0" err="1" smtClean="0"/>
+              <a:t>biết</a:t>
+            </a:r>
+            <a:r>
+              <a:rPr lang="en-US" dirty="0" smtClean="0"/>
+              <a:t> </a:t>
+            </a:r>
+            <a:r>
+              <a:rPr lang="en-US" dirty="0" err="1" smtClean="0"/>
+              <a:t>đến</a:t>
+            </a:r>
+            <a:r>
+              <a:rPr lang="en-US" dirty="0" smtClean="0"/>
+              <a:t> </a:t>
+            </a:r>
+            <a:r>
+              <a:rPr lang="en-US" dirty="0" err="1" smtClean="0"/>
+              <a:t>vào</a:t>
+            </a:r>
+            <a:r>
+              <a:rPr lang="en-US" dirty="0" smtClean="0"/>
+              <a:t> </a:t>
+            </a:r>
+            <a:r>
+              <a:rPr lang="en-US" dirty="0" err="1" smtClean="0"/>
+              <a:t>khoảng</a:t>
+            </a:r>
+            <a:r>
+              <a:rPr lang="en-US" dirty="0" smtClean="0"/>
+              <a:t> </a:t>
+            </a:r>
+            <a:r>
+              <a:rPr lang="en-US" dirty="0" err="1" smtClean="0"/>
+              <a:t>năm</a:t>
+            </a:r>
+            <a:r>
+              <a:rPr lang="en-US" dirty="0" smtClean="0"/>
+              <a:t> 2001.</a:t>
+            </a:r>
+          </a:p>
+          <a:p>
+            <a:r>
+              <a:rPr lang="en-US" dirty="0" err="1" smtClean="0"/>
+              <a:t>Năm</a:t>
+            </a:r>
+            <a:r>
+              <a:rPr lang="en-US" dirty="0" smtClean="0"/>
+              <a:t> 2007 </a:t>
+            </a:r>
+            <a:r>
+              <a:rPr lang="en-US" dirty="0" err="1" smtClean="0"/>
+              <a:t>mới</a:t>
+            </a:r>
+            <a:r>
+              <a:rPr lang="en-US" dirty="0" smtClean="0"/>
+              <a:t> </a:t>
+            </a:r>
+            <a:r>
+              <a:rPr lang="en-US" dirty="0" err="1" smtClean="0"/>
+              <a:t>có</a:t>
+            </a:r>
+            <a:r>
+              <a:rPr lang="en-US" dirty="0" smtClean="0"/>
+              <a:t> </a:t>
+            </a:r>
+            <a:r>
+              <a:rPr lang="en-US" dirty="0" err="1" smtClean="0"/>
+              <a:t>một</a:t>
+            </a:r>
+            <a:r>
+              <a:rPr lang="en-US" dirty="0" smtClean="0"/>
+              <a:t> </a:t>
+            </a:r>
+            <a:r>
+              <a:rPr lang="en-US" dirty="0" err="1" smtClean="0"/>
+              <a:t>vài</a:t>
+            </a:r>
+            <a:r>
+              <a:rPr lang="en-US" dirty="0" smtClean="0"/>
+              <a:t> </a:t>
+            </a:r>
+            <a:r>
+              <a:rPr lang="en-US" dirty="0" err="1" smtClean="0"/>
+              <a:t>tài</a:t>
+            </a:r>
+            <a:r>
+              <a:rPr lang="en-US" dirty="0" smtClean="0"/>
+              <a:t> </a:t>
+            </a:r>
+            <a:r>
+              <a:rPr lang="en-US" dirty="0" err="1" smtClean="0"/>
+              <a:t>liệu</a:t>
+            </a:r>
+            <a:r>
+              <a:rPr lang="en-US" dirty="0" smtClean="0"/>
+              <a:t> chi </a:t>
+            </a:r>
+            <a:r>
+              <a:rPr lang="en-US" dirty="0" err="1" smtClean="0"/>
+              <a:t>tiết</a:t>
+            </a:r>
+            <a:r>
+              <a:rPr lang="en-US" dirty="0" smtClean="0"/>
+              <a:t> </a:t>
+            </a:r>
+            <a:r>
+              <a:rPr lang="en-US" dirty="0" err="1" smtClean="0"/>
+              <a:t>về</a:t>
+            </a:r>
+            <a:r>
+              <a:rPr lang="en-US" dirty="0" smtClean="0"/>
+              <a:t> </a:t>
+            </a:r>
+            <a:r>
+              <a:rPr lang="en-US" dirty="0" err="1" smtClean="0"/>
+              <a:t>lỗ</a:t>
+            </a:r>
+            <a:r>
+              <a:rPr lang="en-US" dirty="0" smtClean="0"/>
+              <a:t> </a:t>
+            </a:r>
+            <a:r>
+              <a:rPr lang="en-US" dirty="0" err="1" smtClean="0"/>
+              <a:t>hổng</a:t>
+            </a:r>
+            <a:r>
+              <a:rPr lang="en-US" dirty="0" smtClean="0"/>
+              <a:t> CSRF</a:t>
+            </a:r>
+          </a:p>
+          <a:p>
+            <a:r>
+              <a:rPr lang="en-US" dirty="0" err="1" smtClean="0"/>
+              <a:t>Một</a:t>
+            </a:r>
+            <a:r>
+              <a:rPr lang="en-US" dirty="0" smtClean="0"/>
+              <a:t> </a:t>
+            </a:r>
+            <a:r>
+              <a:rPr lang="en-US" dirty="0" err="1" smtClean="0"/>
+              <a:t>số</a:t>
+            </a:r>
+            <a:r>
+              <a:rPr lang="en-US" dirty="0" smtClean="0"/>
+              <a:t> </a:t>
+            </a:r>
+            <a:r>
+              <a:rPr lang="en-US" dirty="0" err="1" smtClean="0"/>
+              <a:t>cuộc</a:t>
+            </a:r>
+            <a:r>
+              <a:rPr lang="en-US" dirty="0" smtClean="0"/>
+              <a:t> </a:t>
+            </a:r>
+            <a:r>
+              <a:rPr lang="en-US" dirty="0" err="1" smtClean="0"/>
+              <a:t>tấn</a:t>
+            </a:r>
+            <a:r>
+              <a:rPr lang="en-US" dirty="0" smtClean="0"/>
+              <a:t> </a:t>
+            </a:r>
+            <a:r>
+              <a:rPr lang="en-US" dirty="0" err="1" smtClean="0"/>
+              <a:t>công</a:t>
+            </a:r>
+            <a:r>
+              <a:rPr lang="en-US" dirty="0" smtClean="0"/>
+              <a:t> </a:t>
+            </a:r>
+            <a:r>
+              <a:rPr lang="en-US" dirty="0" err="1" smtClean="0"/>
+              <a:t>thực</a:t>
+            </a:r>
+            <a:r>
+              <a:rPr lang="en-US" dirty="0" smtClean="0"/>
+              <a:t> </a:t>
+            </a:r>
+            <a:r>
+              <a:rPr lang="en-US" dirty="0" err="1" smtClean="0"/>
+              <a:t>tế</a:t>
+            </a:r>
+            <a:r>
+              <a:rPr lang="en-US" dirty="0" smtClean="0"/>
+              <a:t>:</a:t>
+            </a:r>
+          </a:p>
+          <a:p>
+            <a:pPr lvl="1"/>
+            <a:r>
+              <a:rPr lang="en-US" dirty="0" smtClean="0"/>
+              <a:t>Netflix (2006)</a:t>
+            </a:r>
+          </a:p>
+          <a:p>
+            <a:pPr lvl="1"/>
+            <a:r>
+              <a:rPr lang="en-US" dirty="0" smtClean="0"/>
+              <a:t>ING</a:t>
+            </a:r>
+          </a:p>
+          <a:p>
+            <a:pPr lvl="1"/>
+            <a:r>
+              <a:rPr lang="en-US" dirty="0" smtClean="0"/>
+              <a:t>YouTube (2008)</a:t>
+            </a:r>
+          </a:p>
+          <a:p>
+            <a:pPr lvl="1"/>
+            <a:r>
+              <a:rPr lang="en-US" dirty="0" smtClean="0"/>
+              <a:t>…</a:t>
+            </a:r>
+            <a:endParaRPr lang="en-US" dirty="0"/>
+          </a:p>
+        </p:txBody>
+      </p:sp>
+    </p:spTree>
+    <p:extLst>
+      <p:ext uri="{BB962C8B-B14F-4D97-AF65-F5344CB8AC3E}">
+        <p14:creationId xmlns:p14="http://schemas.microsoft.com/office/powerpoint/2010/main" val="1430376758"/>
+      </p:ext>
+    </p:extLst>
+  </p:cSld>
+  <p:clrMapOvr>
+    <a:masterClrMapping/>
+  </p:clrMapOvr>
+  <p:timing>
+    <p:tnLst>
+      <p:par>
+        <p:cTn id="1" dur="indefinite" restart="never" nodeType="tmRoot"/>
+      </p:par>
+    </p:tnLst>
+  </p:timing>
+</p:sld>
+</file>
+
+<file path=ppt/slides/slide5.xml><?xml version="1.0" encoding="utf-8"?>
+<p:sld xmlns:a="http://schemas.openxmlformats.org/drawingml/2006/main" xmlns:r="http://schemas.openxmlformats.org/officeDocument/2006/relationships" xmlns:p="http://schemas.openxmlformats.org/presentationml/2006/main">
+  <p:cSld>
+    <p:spTree>
+      <p:nvGrpSpPr>
+        <p:cNvPr id="1" name=""/>
+        <p:cNvGrpSpPr/>
+        <p:nvPr/>
+      </p:nvGrpSpPr>
+      <p:grpSpPr>
+        <a:xfrm>
+          <a:off x="0" y="0"/>
+          <a:ext cx="0" cy="0"/>
+          <a:chOff x="0" y="0"/>
+          <a:chExt cx="0" cy="0"/>
+        </a:xfrm>
+      </p:grpSpPr>
+      <p:sp>
+        <p:nvSpPr>
+          <p:cNvPr id="2" name="Title 1"/>
+          <p:cNvSpPr>
+            <a:spLocks noGrp="1"/>
+          </p:cNvSpPr>
+          <p:nvPr>
+            <p:ph type="title"/>
           </p:nvPr>
         </p:nvSpPr>
         <p:spPr/>
@@ -6607,7 +8197,712 @@
           <a:bodyPr/>
           <a:lstStyle/>
           <a:p>
-            <a:endParaRPr lang="en-US"/>
+            <a:r>
+              <a:rPr lang="en-US" dirty="0" err="1" smtClean="0"/>
+              <a:t>Mức</a:t>
+            </a:r>
+            <a:r>
+              <a:rPr lang="en-US" dirty="0" smtClean="0"/>
+              <a:t> </a:t>
+            </a:r>
+            <a:r>
+              <a:rPr lang="en-US" dirty="0" err="1" smtClean="0"/>
+              <a:t>độ</a:t>
+            </a:r>
+            <a:r>
+              <a:rPr lang="en-US" dirty="0" smtClean="0"/>
+              <a:t> </a:t>
+            </a:r>
+            <a:r>
+              <a:rPr lang="en-US" dirty="0" err="1" smtClean="0"/>
+              <a:t>nguy</a:t>
+            </a:r>
+            <a:r>
+              <a:rPr lang="en-US" dirty="0" smtClean="0"/>
+              <a:t> </a:t>
+            </a:r>
+            <a:r>
+              <a:rPr lang="en-US" dirty="0" err="1" smtClean="0"/>
+              <a:t>hiểm</a:t>
+            </a:r>
+            <a:r>
+              <a:rPr lang="en-US" dirty="0" smtClean="0"/>
+              <a:t> </a:t>
+            </a:r>
+            <a:r>
+              <a:rPr lang="en-US" dirty="0" err="1" smtClean="0"/>
+              <a:t>của</a:t>
+            </a:r>
+            <a:r>
+              <a:rPr lang="en-US" dirty="0" smtClean="0"/>
+              <a:t> </a:t>
+            </a:r>
+            <a:r>
+              <a:rPr lang="en-US" dirty="0" err="1" smtClean="0"/>
+              <a:t>lỗ</a:t>
+            </a:r>
+            <a:r>
+              <a:rPr lang="en-US" dirty="0" smtClean="0"/>
+              <a:t> </a:t>
+            </a:r>
+            <a:r>
+              <a:rPr lang="en-US" dirty="0" err="1" smtClean="0"/>
+              <a:t>hổng</a:t>
+            </a:r>
+            <a:endParaRPr lang="en-US" dirty="0"/>
+          </a:p>
+        </p:txBody>
+      </p:sp>
+      <p:sp>
+        <p:nvSpPr>
+          <p:cNvPr id="3" name="Content Placeholder 2"/>
+          <p:cNvSpPr>
+            <a:spLocks noGrp="1"/>
+          </p:cNvSpPr>
+          <p:nvPr>
+            <p:ph idx="1"/>
+          </p:nvPr>
+        </p:nvSpPr>
+        <p:spPr>
+          <a:xfrm>
+            <a:off x="1484310" y="2547253"/>
+            <a:ext cx="10018713" cy="3124201"/>
+          </a:xfrm>
+        </p:spPr>
+        <p:txBody>
+          <a:bodyPr/>
+          <a:lstStyle/>
+          <a:p>
+            <a:r>
+              <a:rPr lang="en-US" dirty="0" smtClean="0"/>
+              <a:t>One-click attack: </a:t>
+            </a:r>
+            <a:r>
+              <a:rPr lang="en-US" dirty="0" err="1" smtClean="0"/>
+              <a:t>Người</a:t>
+            </a:r>
+            <a:r>
+              <a:rPr lang="en-US" dirty="0" smtClean="0"/>
+              <a:t> </a:t>
+            </a:r>
+            <a:r>
+              <a:rPr lang="en-US" dirty="0" err="1" smtClean="0"/>
+              <a:t>dùng</a:t>
+            </a:r>
+            <a:r>
+              <a:rPr lang="en-US" dirty="0" smtClean="0"/>
+              <a:t> </a:t>
+            </a:r>
+            <a:r>
+              <a:rPr lang="en-US" dirty="0" err="1" smtClean="0"/>
+              <a:t>có</a:t>
+            </a:r>
+            <a:r>
+              <a:rPr lang="en-US" dirty="0" smtClean="0"/>
+              <a:t> </a:t>
+            </a:r>
+            <a:r>
+              <a:rPr lang="en-US" dirty="0" err="1" smtClean="0"/>
+              <a:t>thể</a:t>
+            </a:r>
+            <a:r>
+              <a:rPr lang="en-US" dirty="0" smtClean="0"/>
+              <a:t> click </a:t>
+            </a:r>
+            <a:r>
+              <a:rPr lang="en-US" dirty="0" err="1" smtClean="0"/>
+              <a:t>vào</a:t>
+            </a:r>
+            <a:r>
+              <a:rPr lang="en-US" dirty="0" smtClean="0"/>
+              <a:t> URL </a:t>
+            </a:r>
+            <a:r>
+              <a:rPr lang="en-US" dirty="0" err="1" smtClean="0"/>
+              <a:t>độc</a:t>
+            </a:r>
+            <a:r>
+              <a:rPr lang="en-US" dirty="0" smtClean="0"/>
+              <a:t> </a:t>
+            </a:r>
+            <a:r>
+              <a:rPr lang="en-US" dirty="0" err="1" smtClean="0"/>
+              <a:t>hại</a:t>
+            </a:r>
+            <a:r>
+              <a:rPr lang="en-US" dirty="0" smtClean="0"/>
+              <a:t> </a:t>
+            </a:r>
+            <a:r>
+              <a:rPr lang="en-US" dirty="0" err="1" smtClean="0"/>
+              <a:t>mà</a:t>
+            </a:r>
+            <a:r>
+              <a:rPr lang="en-US" dirty="0" smtClean="0"/>
+              <a:t> </a:t>
+            </a:r>
+            <a:r>
+              <a:rPr lang="en-US" dirty="0" err="1" smtClean="0"/>
+              <a:t>không</a:t>
+            </a:r>
+            <a:r>
+              <a:rPr lang="en-US" dirty="0" smtClean="0"/>
+              <a:t> </a:t>
+            </a:r>
+            <a:r>
+              <a:rPr lang="en-US" dirty="0" err="1" smtClean="0"/>
+              <a:t>hề</a:t>
+            </a:r>
+            <a:r>
+              <a:rPr lang="en-US" dirty="0" smtClean="0"/>
+              <a:t> </a:t>
+            </a:r>
+            <a:r>
+              <a:rPr lang="en-US" dirty="0" err="1" smtClean="0"/>
+              <a:t>biết</a:t>
+            </a:r>
+            <a:r>
+              <a:rPr lang="en-US" dirty="0" smtClean="0"/>
+              <a:t> </a:t>
+            </a:r>
+            <a:r>
+              <a:rPr lang="en-US" dirty="0" err="1" smtClean="0"/>
+              <a:t>mình</a:t>
+            </a:r>
+            <a:r>
+              <a:rPr lang="en-US" dirty="0" smtClean="0"/>
+              <a:t> </a:t>
+            </a:r>
+            <a:r>
+              <a:rPr lang="en-US" dirty="0" err="1" smtClean="0"/>
+              <a:t>đã</a:t>
+            </a:r>
+            <a:r>
+              <a:rPr lang="en-US" dirty="0" smtClean="0"/>
+              <a:t> </a:t>
+            </a:r>
+            <a:r>
+              <a:rPr lang="en-US" dirty="0" err="1" smtClean="0"/>
+              <a:t>thực</a:t>
+            </a:r>
+            <a:r>
+              <a:rPr lang="en-US" dirty="0" smtClean="0"/>
+              <a:t> </a:t>
+            </a:r>
+            <a:r>
+              <a:rPr lang="en-US" dirty="0" err="1" smtClean="0"/>
+              <a:t>hiện</a:t>
+            </a:r>
+            <a:r>
+              <a:rPr lang="en-US" dirty="0" smtClean="0"/>
+              <a:t> </a:t>
+            </a:r>
+            <a:r>
+              <a:rPr lang="en-US" dirty="0" err="1" smtClean="0"/>
+              <a:t>một</a:t>
+            </a:r>
+            <a:r>
+              <a:rPr lang="en-US" dirty="0" smtClean="0"/>
+              <a:t> </a:t>
+            </a:r>
+            <a:r>
+              <a:rPr lang="en-US" dirty="0" err="1" smtClean="0"/>
+              <a:t>thao</a:t>
+            </a:r>
+            <a:r>
+              <a:rPr lang="en-US" dirty="0" smtClean="0"/>
+              <a:t> </a:t>
+            </a:r>
+            <a:r>
+              <a:rPr lang="en-US" dirty="0" err="1" smtClean="0"/>
+              <a:t>tác</a:t>
+            </a:r>
+            <a:r>
+              <a:rPr lang="en-US" dirty="0" smtClean="0"/>
+              <a:t> </a:t>
+            </a:r>
+            <a:r>
+              <a:rPr lang="en-US" dirty="0" err="1" smtClean="0"/>
+              <a:t>trên</a:t>
+            </a:r>
+            <a:r>
+              <a:rPr lang="en-US" dirty="0" smtClean="0"/>
+              <a:t> website.</a:t>
+            </a:r>
+          </a:p>
+          <a:p>
+            <a:r>
+              <a:rPr lang="en-US" dirty="0" err="1" smtClean="0"/>
+              <a:t>Nếu</a:t>
+            </a:r>
+            <a:r>
+              <a:rPr lang="en-US" dirty="0" smtClean="0"/>
+              <a:t> </a:t>
+            </a:r>
+            <a:r>
+              <a:rPr lang="en-US" dirty="0" err="1" smtClean="0"/>
+              <a:t>nạn</a:t>
+            </a:r>
+            <a:r>
+              <a:rPr lang="en-US" dirty="0" smtClean="0"/>
+              <a:t> </a:t>
+            </a:r>
+            <a:r>
+              <a:rPr lang="en-US" dirty="0" err="1" smtClean="0"/>
+              <a:t>nhân</a:t>
+            </a:r>
+            <a:r>
+              <a:rPr lang="en-US" dirty="0" smtClean="0"/>
+              <a:t> </a:t>
+            </a:r>
+            <a:r>
+              <a:rPr lang="en-US" dirty="0" err="1" smtClean="0"/>
+              <a:t>là</a:t>
+            </a:r>
+            <a:r>
+              <a:rPr lang="en-US" dirty="0" smtClean="0"/>
+              <a:t> </a:t>
+            </a:r>
+            <a:r>
+              <a:rPr lang="en-US" dirty="0" err="1" smtClean="0"/>
+              <a:t>người</a:t>
+            </a:r>
+            <a:r>
+              <a:rPr lang="en-US" dirty="0" smtClean="0"/>
+              <a:t> </a:t>
+            </a:r>
+            <a:r>
+              <a:rPr lang="en-US" dirty="0" err="1" smtClean="0"/>
+              <a:t>dùng</a:t>
+            </a:r>
+            <a:r>
+              <a:rPr lang="en-US" dirty="0" smtClean="0"/>
+              <a:t> </a:t>
+            </a:r>
+            <a:r>
+              <a:rPr lang="en-US" dirty="0" err="1" smtClean="0"/>
+              <a:t>thường</a:t>
+            </a:r>
+            <a:r>
+              <a:rPr lang="en-US" dirty="0" smtClean="0"/>
+              <a:t> </a:t>
+            </a:r>
+            <a:r>
+              <a:rPr lang="en-US" dirty="0" err="1" smtClean="0"/>
+              <a:t>thì</a:t>
+            </a:r>
+            <a:r>
+              <a:rPr lang="en-US" dirty="0" smtClean="0"/>
+              <a:t> </a:t>
+            </a:r>
+            <a:r>
+              <a:rPr lang="en-US" dirty="0" err="1" smtClean="0"/>
+              <a:t>khi</a:t>
+            </a:r>
+            <a:r>
+              <a:rPr lang="en-US" dirty="0" smtClean="0"/>
+              <a:t> </a:t>
+            </a:r>
+            <a:r>
+              <a:rPr lang="en-US" dirty="0" err="1" smtClean="0"/>
+              <a:t>tấn</a:t>
+            </a:r>
+            <a:r>
+              <a:rPr lang="en-US" dirty="0" smtClean="0"/>
+              <a:t> </a:t>
+            </a:r>
+            <a:r>
+              <a:rPr lang="en-US" dirty="0" err="1" smtClean="0"/>
+              <a:t>công</a:t>
+            </a:r>
+            <a:r>
+              <a:rPr lang="en-US" dirty="0" smtClean="0"/>
+              <a:t> CSRF attacker </a:t>
+            </a:r>
+            <a:r>
+              <a:rPr lang="en-US" dirty="0" err="1" smtClean="0"/>
+              <a:t>có</a:t>
+            </a:r>
+            <a:r>
+              <a:rPr lang="en-US" dirty="0" smtClean="0"/>
+              <a:t> </a:t>
+            </a:r>
+            <a:r>
+              <a:rPr lang="en-US" dirty="0" err="1" smtClean="0"/>
+              <a:t>thể</a:t>
+            </a:r>
+            <a:r>
+              <a:rPr lang="en-US" dirty="0" smtClean="0"/>
+              <a:t> </a:t>
+            </a:r>
+            <a:r>
+              <a:rPr lang="en-US" dirty="0" err="1" smtClean="0"/>
+              <a:t>bắt</a:t>
+            </a:r>
+            <a:r>
+              <a:rPr lang="en-US" dirty="0" smtClean="0"/>
+              <a:t> </a:t>
+            </a:r>
+            <a:r>
+              <a:rPr lang="en-US" dirty="0" err="1" smtClean="0"/>
+              <a:t>người</a:t>
+            </a:r>
+            <a:r>
+              <a:rPr lang="en-US" dirty="0" smtClean="0"/>
+              <a:t> </a:t>
+            </a:r>
+            <a:r>
+              <a:rPr lang="en-US" dirty="0" err="1" smtClean="0"/>
+              <a:t>dùng</a:t>
+            </a:r>
+            <a:r>
+              <a:rPr lang="en-US" dirty="0" smtClean="0"/>
+              <a:t> </a:t>
+            </a:r>
+            <a:r>
+              <a:rPr lang="en-US" dirty="0" err="1" smtClean="0"/>
+              <a:t>thực</a:t>
+            </a:r>
+            <a:r>
+              <a:rPr lang="en-US" dirty="0" smtClean="0"/>
+              <a:t> </a:t>
+            </a:r>
+            <a:r>
+              <a:rPr lang="en-US" dirty="0" err="1" smtClean="0"/>
+              <a:t>hiện</a:t>
+            </a:r>
+            <a:r>
+              <a:rPr lang="en-US" dirty="0" smtClean="0"/>
+              <a:t> </a:t>
+            </a:r>
+            <a:r>
+              <a:rPr lang="en-US" dirty="0" err="1" smtClean="0"/>
+              <a:t>thao</a:t>
+            </a:r>
+            <a:r>
+              <a:rPr lang="en-US" dirty="0" smtClean="0"/>
+              <a:t> </a:t>
+            </a:r>
+            <a:r>
+              <a:rPr lang="en-US" dirty="0" err="1" smtClean="0"/>
+              <a:t>tác</a:t>
+            </a:r>
+            <a:r>
+              <a:rPr lang="en-US" dirty="0" smtClean="0"/>
+              <a:t> </a:t>
+            </a:r>
+            <a:r>
+              <a:rPr lang="en-US" dirty="0" err="1" smtClean="0"/>
+              <a:t>như</a:t>
+            </a:r>
+            <a:r>
+              <a:rPr lang="en-US" dirty="0" smtClean="0"/>
+              <a:t> </a:t>
+            </a:r>
+            <a:r>
+              <a:rPr lang="en-US" dirty="0" err="1" smtClean="0"/>
+              <a:t>chuyển</a:t>
+            </a:r>
+            <a:r>
+              <a:rPr lang="en-US" dirty="0" smtClean="0"/>
+              <a:t> </a:t>
+            </a:r>
+            <a:r>
+              <a:rPr lang="en-US" dirty="0" err="1" smtClean="0"/>
+              <a:t>khoản</a:t>
+            </a:r>
+            <a:r>
+              <a:rPr lang="en-US" dirty="0" smtClean="0"/>
+              <a:t>, </a:t>
+            </a:r>
+            <a:r>
+              <a:rPr lang="en-US" dirty="0" err="1" smtClean="0"/>
+              <a:t>đổi</a:t>
+            </a:r>
+            <a:r>
+              <a:rPr lang="en-US" dirty="0" smtClean="0"/>
+              <a:t> </a:t>
+            </a:r>
+            <a:r>
+              <a:rPr lang="en-US" dirty="0" err="1" smtClean="0"/>
+              <a:t>mật</a:t>
+            </a:r>
+            <a:r>
+              <a:rPr lang="en-US" dirty="0" smtClean="0"/>
+              <a:t> </a:t>
+            </a:r>
+            <a:r>
+              <a:rPr lang="en-US" dirty="0" err="1" smtClean="0"/>
+              <a:t>khẩu</a:t>
+            </a:r>
+            <a:r>
+              <a:rPr lang="en-US" dirty="0" smtClean="0"/>
+              <a:t>, </a:t>
+            </a:r>
+            <a:r>
+              <a:rPr lang="en-US" dirty="0" err="1" smtClean="0"/>
+              <a:t>đổi</a:t>
+            </a:r>
+            <a:r>
+              <a:rPr lang="en-US" dirty="0" smtClean="0"/>
+              <a:t> email,…</a:t>
+            </a:r>
+          </a:p>
+          <a:p>
+            <a:r>
+              <a:rPr lang="en-US" dirty="0" err="1" smtClean="0"/>
+              <a:t>Nếu</a:t>
+            </a:r>
+            <a:r>
+              <a:rPr lang="en-US" dirty="0" smtClean="0"/>
+              <a:t> </a:t>
+            </a:r>
+            <a:r>
+              <a:rPr lang="en-US" dirty="0" err="1" smtClean="0"/>
+              <a:t>nạn</a:t>
+            </a:r>
+            <a:r>
+              <a:rPr lang="en-US" dirty="0" smtClean="0"/>
+              <a:t> </a:t>
+            </a:r>
+            <a:r>
+              <a:rPr lang="en-US" dirty="0" err="1" smtClean="0"/>
+              <a:t>nhân</a:t>
+            </a:r>
+            <a:r>
+              <a:rPr lang="en-US" dirty="0" smtClean="0"/>
+              <a:t> </a:t>
+            </a:r>
+            <a:r>
+              <a:rPr lang="en-US" dirty="0" err="1" smtClean="0"/>
+              <a:t>là</a:t>
+            </a:r>
+            <a:r>
+              <a:rPr lang="en-US" dirty="0" smtClean="0"/>
+              <a:t> admin </a:t>
+            </a:r>
+            <a:r>
+              <a:rPr lang="en-US" dirty="0" err="1" smtClean="0"/>
+              <a:t>thì</a:t>
+            </a:r>
+            <a:r>
+              <a:rPr lang="en-US" dirty="0" smtClean="0"/>
+              <a:t> </a:t>
+            </a:r>
+            <a:r>
+              <a:rPr lang="en-US" dirty="0" err="1" smtClean="0"/>
+              <a:t>tấn</a:t>
+            </a:r>
+            <a:r>
+              <a:rPr lang="en-US" dirty="0" smtClean="0"/>
+              <a:t> </a:t>
+            </a:r>
+            <a:r>
+              <a:rPr lang="en-US" dirty="0" err="1" smtClean="0"/>
+              <a:t>công</a:t>
+            </a:r>
+            <a:r>
+              <a:rPr lang="en-US" dirty="0" smtClean="0"/>
+              <a:t> CSRF </a:t>
+            </a:r>
+            <a:r>
+              <a:rPr lang="en-US" dirty="0" err="1" smtClean="0"/>
+              <a:t>sẽ</a:t>
+            </a:r>
+            <a:r>
+              <a:rPr lang="en-US" dirty="0" smtClean="0"/>
+              <a:t> </a:t>
+            </a:r>
+            <a:r>
+              <a:rPr lang="en-US" dirty="0" err="1" smtClean="0"/>
+              <a:t>gây</a:t>
+            </a:r>
+            <a:r>
+              <a:rPr lang="en-US" dirty="0" smtClean="0"/>
+              <a:t> </a:t>
+            </a:r>
+            <a:r>
+              <a:rPr lang="en-US" dirty="0" err="1" smtClean="0"/>
+              <a:t>nguy</a:t>
+            </a:r>
+            <a:r>
+              <a:rPr lang="en-US" dirty="0" smtClean="0"/>
+              <a:t> </a:t>
+            </a:r>
+            <a:r>
+              <a:rPr lang="en-US" dirty="0" err="1" smtClean="0"/>
+              <a:t>hiểm</a:t>
+            </a:r>
+            <a:r>
+              <a:rPr lang="en-US" dirty="0" smtClean="0"/>
+              <a:t> </a:t>
+            </a:r>
+            <a:r>
+              <a:rPr lang="en-US" dirty="0" err="1" smtClean="0"/>
+              <a:t>cho</a:t>
+            </a:r>
+            <a:r>
+              <a:rPr lang="en-US" dirty="0" smtClean="0"/>
+              <a:t> </a:t>
+            </a:r>
+            <a:r>
+              <a:rPr lang="en-US" dirty="0" err="1" smtClean="0"/>
+              <a:t>toàn</a:t>
+            </a:r>
+            <a:r>
+              <a:rPr lang="en-US" dirty="0" smtClean="0"/>
+              <a:t> </a:t>
+            </a:r>
+            <a:r>
+              <a:rPr lang="en-US" dirty="0" err="1" smtClean="0"/>
+              <a:t>bộ</a:t>
+            </a:r>
+            <a:r>
+              <a:rPr lang="en-US" dirty="0" smtClean="0"/>
+              <a:t> website.</a:t>
+            </a:r>
+            <a:endParaRPr lang="en-US" dirty="0"/>
+          </a:p>
+        </p:txBody>
+      </p:sp>
+    </p:spTree>
+    <p:extLst>
+      <p:ext uri="{BB962C8B-B14F-4D97-AF65-F5344CB8AC3E}">
+        <p14:creationId xmlns:p14="http://schemas.microsoft.com/office/powerpoint/2010/main" val="3998330827"/>
+      </p:ext>
+    </p:extLst>
+  </p:cSld>
+  <p:clrMapOvr>
+    <a:masterClrMapping/>
+  </p:clrMapOvr>
+  <p:timing>
+    <p:tnLst>
+      <p:par>
+        <p:cTn id="1" dur="indefinite" restart="never" nodeType="tmRoot"/>
+      </p:par>
+    </p:tnLst>
+  </p:timing>
+</p:sld>
+</file>
+
+<file path=ppt/slides/slide6.xml><?xml version="1.0" encoding="utf-8"?>
+<p:sld xmlns:a="http://schemas.openxmlformats.org/drawingml/2006/main" xmlns:r="http://schemas.openxmlformats.org/officeDocument/2006/relationships" xmlns:p="http://schemas.openxmlformats.org/presentationml/2006/main">
+  <p:cSld>
+    <p:spTree>
+      <p:nvGrpSpPr>
+        <p:cNvPr id="1" name=""/>
+        <p:cNvGrpSpPr/>
+        <p:nvPr/>
+      </p:nvGrpSpPr>
+      <p:grpSpPr>
+        <a:xfrm>
+          <a:off x="0" y="0"/>
+          <a:ext cx="0" cy="0"/>
+          <a:chOff x="0" y="0"/>
+          <a:chExt cx="0" cy="0"/>
+        </a:xfrm>
+      </p:grpSpPr>
+      <p:sp>
+        <p:nvSpPr>
+          <p:cNvPr id="2" name="Title 1"/>
+          <p:cNvSpPr>
+            <a:spLocks noGrp="1"/>
+          </p:cNvSpPr>
+          <p:nvPr>
+            <p:ph type="title"/>
+          </p:nvPr>
+        </p:nvSpPr>
+        <p:spPr/>
+        <p:txBody>
+          <a:bodyPr/>
+          <a:lstStyle/>
+          <a:p>
+            <a:r>
+              <a:rPr lang="en-US" dirty="0" smtClean="0"/>
+              <a:t>2. </a:t>
+            </a:r>
+            <a:r>
+              <a:rPr lang="en-US" dirty="0" err="1" smtClean="0"/>
+              <a:t>Khai</a:t>
+            </a:r>
+            <a:r>
+              <a:rPr lang="en-US" dirty="0" smtClean="0"/>
+              <a:t> </a:t>
+            </a:r>
+            <a:r>
+              <a:rPr lang="en-US" dirty="0" err="1" smtClean="0"/>
+              <a:t>thác</a:t>
+            </a:r>
+            <a:r>
+              <a:rPr lang="en-US" dirty="0" smtClean="0"/>
+              <a:t> </a:t>
+            </a:r>
+            <a:r>
+              <a:rPr lang="en-US" dirty="0" err="1" smtClean="0"/>
+              <a:t>lỗ</a:t>
+            </a:r>
+            <a:r>
+              <a:rPr lang="en-US" dirty="0" smtClean="0"/>
+              <a:t> </a:t>
+            </a:r>
+            <a:r>
+              <a:rPr lang="en-US" dirty="0" err="1" smtClean="0"/>
+              <a:t>hổng</a:t>
+            </a:r>
+            <a:r>
+              <a:rPr lang="en-US" dirty="0" smtClean="0"/>
+              <a:t> CSRF </a:t>
+            </a:r>
+            <a:r>
+              <a:rPr lang="en-US" dirty="0" err="1" smtClean="0"/>
+              <a:t>cơ</a:t>
+            </a:r>
+            <a:r>
+              <a:rPr lang="en-US" dirty="0" smtClean="0"/>
+              <a:t> </a:t>
+            </a:r>
+            <a:r>
+              <a:rPr lang="en-US" dirty="0" err="1" smtClean="0"/>
+              <a:t>bản</a:t>
+            </a:r>
+            <a:r>
+              <a:rPr lang="en-US" dirty="0" smtClean="0"/>
+              <a:t> </a:t>
+            </a:r>
+            <a:endParaRPr lang="en-US" dirty="0"/>
+          </a:p>
+        </p:txBody>
+      </p:sp>
+      <p:sp>
+        <p:nvSpPr>
+          <p:cNvPr id="3" name="Content Placeholder 2"/>
+          <p:cNvSpPr>
+            <a:spLocks noGrp="1"/>
+          </p:cNvSpPr>
+          <p:nvPr>
+            <p:ph idx="1"/>
+          </p:nvPr>
+        </p:nvSpPr>
+        <p:spPr/>
+        <p:txBody>
+          <a:bodyPr/>
+          <a:lstStyle/>
+          <a:p>
+            <a:r>
+              <a:rPr lang="en-US" dirty="0"/>
+              <a:t>GET </a:t>
+            </a:r>
+            <a:r>
+              <a:rPr lang="en-US" dirty="0" smtClean="0"/>
+              <a:t>scenario</a:t>
+            </a:r>
+          </a:p>
+          <a:p>
+            <a:r>
+              <a:rPr lang="en-US" dirty="0" smtClean="0"/>
+              <a:t>POST scenario</a:t>
+            </a:r>
+            <a:endParaRPr lang="en-US" dirty="0"/>
           </a:p>
         </p:txBody>
       </p:sp>
@@ -6615,6 +8910,85 @@
     <p:extLst>
       <p:ext uri="{BB962C8B-B14F-4D97-AF65-F5344CB8AC3E}">
         <p14:creationId xmlns:p14="http://schemas.microsoft.com/office/powerpoint/2010/main" val="1420849389"/>
+      </p:ext>
+    </p:extLst>
+  </p:cSld>
+  <p:clrMapOvr>
+    <a:masterClrMapping/>
+  </p:clrMapOvr>
+  <p:timing>
+    <p:tnLst>
+      <p:par>
+        <p:cTn id="1" dur="indefinite" restart="never" nodeType="tmRoot"/>
+      </p:par>
+    </p:tnLst>
+  </p:timing>
+</p:sld>
+</file>
+
+<file path=ppt/slides/slide7.xml><?xml version="1.0" encoding="utf-8"?>
+<p:sld xmlns:a="http://schemas.openxmlformats.org/drawingml/2006/main" xmlns:r="http://schemas.openxmlformats.org/officeDocument/2006/relationships" xmlns:p="http://schemas.openxmlformats.org/presentationml/2006/main">
+  <p:cSld>
+    <p:spTree>
+      <p:nvGrpSpPr>
+        <p:cNvPr id="1" name=""/>
+        <p:cNvGrpSpPr/>
+        <p:nvPr/>
+      </p:nvGrpSpPr>
+      <p:grpSpPr>
+        <a:xfrm>
+          <a:off x="0" y="0"/>
+          <a:ext cx="0" cy="0"/>
+          <a:chOff x="0" y="0"/>
+          <a:chExt cx="0" cy="0"/>
+        </a:xfrm>
+      </p:grpSpPr>
+      <p:sp>
+        <p:nvSpPr>
+          <p:cNvPr id="2" name="Title 1"/>
+          <p:cNvSpPr>
+            <a:spLocks noGrp="1"/>
+          </p:cNvSpPr>
+          <p:nvPr>
+            <p:ph type="title"/>
+          </p:nvPr>
+        </p:nvSpPr>
+        <p:spPr/>
+        <p:txBody>
+          <a:bodyPr/>
+          <a:lstStyle/>
+          <a:p>
+            <a:r>
+              <a:rPr lang="en-US" dirty="0" smtClean="0"/>
+              <a:t>GET scenario</a:t>
+            </a:r>
+            <a:endParaRPr lang="en-US" dirty="0"/>
+          </a:p>
+        </p:txBody>
+      </p:sp>
+      <p:sp>
+        <p:nvSpPr>
+          <p:cNvPr id="3" name="Content Placeholder 2"/>
+          <p:cNvSpPr>
+            <a:spLocks noGrp="1"/>
+          </p:cNvSpPr>
+          <p:nvPr>
+            <p:ph idx="1"/>
+          </p:nvPr>
+        </p:nvSpPr>
+        <p:spPr/>
+        <p:txBody>
+          <a:bodyPr/>
+          <a:lstStyle/>
+          <a:p>
+            <a:endParaRPr lang="en-US"/>
+          </a:p>
+        </p:txBody>
+      </p:sp>
+    </p:spTree>
+    <p:extLst>
+      <p:ext uri="{BB962C8B-B14F-4D97-AF65-F5344CB8AC3E}">
+        <p14:creationId xmlns:p14="http://schemas.microsoft.com/office/powerpoint/2010/main" val="4218314837"/>
       </p:ext>
     </p:extLst>
   </p:cSld>
@@ -6881,8 +9255,293 @@
   <a:extraClrSchemeLst/>
   <a:extLst>
     <a:ext uri="{05A4C25C-085E-4340-85A3-A5531E510DB2}">
-      <thm15:themeFamily xmlns:thm15="http://schemas.microsoft.com/office/thememl/2012/main" name="Parallax" id="{3388167B-A2EB-4685-9635-1831D9AEF8C4}" vid="{4F7A876A-7598-49CA-AFC8-8EDA2551E4A7}"/>
+      <thm15:themeFamily xmlns:thm15="http://schemas.microsoft.com/office/thememl/2012/main" xmlns="" name="Parallax" id="{3388167B-A2EB-4685-9635-1831D9AEF8C4}" vid="{4F7A876A-7598-49CA-AFC8-8EDA2551E4A7}"/>
     </a:ext>
   </a:extLst>
 </a:theme>
+</file>
+
+<file path=ppt/theme/theme2.xml><?xml version="1.0" encoding="utf-8"?>
+<a:theme xmlns:a="http://schemas.openxmlformats.org/drawingml/2006/main" name="Office Theme">
+  <a:themeElements>
+    <a:clrScheme name="Office">
+      <a:dk1>
+        <a:sysClr val="windowText" lastClr="000000"/>
+      </a:dk1>
+      <a:lt1>
+        <a:sysClr val="window" lastClr="FFFFFF"/>
+      </a:lt1>
+      <a:dk2>
+        <a:srgbClr val="1F497D"/>
+      </a:dk2>
+      <a:lt2>
+        <a:srgbClr val="EEECE1"/>
+      </a:lt2>
+      <a:accent1>
+        <a:srgbClr val="4F81BD"/>
+      </a:accent1>
+      <a:accent2>
+        <a:srgbClr val="C0504D"/>
+      </a:accent2>
+      <a:accent3>
+        <a:srgbClr val="9BBB59"/>
+      </a:accent3>
+      <a:accent4>
+        <a:srgbClr val="8064A2"/>
+      </a:accent4>
+      <a:accent5>
+        <a:srgbClr val="4BACC6"/>
+      </a:accent5>
+      <a:accent6>
+        <a:srgbClr val="F79646"/>
+      </a:accent6>
+      <a:hlink>
+        <a:srgbClr val="0000FF"/>
+      </a:hlink>
+      <a:folHlink>
+        <a:srgbClr val="800080"/>
+      </a:folHlink>
+    </a:clrScheme>
+    <a:fontScheme name="Office">
+      <a:majorFont>
+        <a:latin typeface="Calibri"/>
+        <a:ea typeface=""/>
+        <a:cs typeface=""/>
+        <a:font script="Jpan" typeface="ＭＳ Ｐゴシック"/>
+        <a:font script="Hang" typeface="맑은 고딕"/>
+        <a:font script="Hans" typeface="宋体"/>
+        <a:font script="Hant" typeface="新細明體"/>
+        <a:font script="Arab" typeface="Times New Roman"/>
+        <a:font script="Hebr" typeface="Times New Roman"/>
+        <a:font script="Thai" typeface="Angsana New"/>
+        <a:font script="Ethi" typeface="Nyala"/>
+        <a:font script="Beng" typeface="Vrinda"/>
+        <a:font script="Gujr" typeface="Shruti"/>
+        <a:font script="Khmr" typeface="MoolBoran"/>
+        <a:font script="Knda" typeface="Tunga"/>
+        <a:font script="Guru" typeface="Raavi"/>
+        <a:font script="Cans" typeface="Euphemia"/>
+        <a:font script="Cher" typeface="Plantagenet Cherokee"/>
+        <a:font script="Yiii" typeface="Microsoft Yi Baiti"/>
+        <a:font script="Tibt" typeface="Microsoft Himalaya"/>
+        <a:font script="Thaa" typeface="MV Boli"/>
+        <a:font script="Deva" typeface="Mangal"/>
+        <a:font script="Telu" typeface="Gautami"/>
+        <a:font script="Taml" typeface="Latha"/>
+        <a:font script="Syrc" typeface="Estrangelo Edessa"/>
+        <a:font script="Orya" typeface="Kalinga"/>
+        <a:font script="Mlym" typeface="Kartika"/>
+        <a:font script="Laoo" typeface="DokChampa"/>
+        <a:font script="Sinh" typeface="Iskoola Pota"/>
+        <a:font script="Mong" typeface="Mongolian Baiti"/>
+        <a:font script="Viet" typeface="Times New Roman"/>
+        <a:font script="Uigh" typeface="Microsoft Uighur"/>
+        <a:font script="Geor" typeface="Sylfaen"/>
+      </a:majorFont>
+      <a:minorFont>
+        <a:latin typeface="Calibri"/>
+        <a:ea typeface=""/>
+        <a:cs typeface=""/>
+        <a:font script="Jpan" typeface="ＭＳ Ｐゴシック"/>
+        <a:font script="Hang" typeface="맑은 고딕"/>
+        <a:font script="Hans" typeface="宋体"/>
+        <a:font script="Hant" typeface="新細明體"/>
+        <a:font script="Arab" typeface="Arial"/>
+        <a:font script="Hebr" typeface="Arial"/>
+        <a:font script="Thai" typeface="Cordia New"/>
+        <a:font script="Ethi" typeface="Nyala"/>
+        <a:font script="Beng" typeface="Vrinda"/>
+        <a:font script="Gujr" typeface="Shruti"/>
+        <a:font script="Khmr" typeface="DaunPenh"/>
+        <a:font script="Knda" typeface="Tunga"/>
+        <a:font script="Guru" typeface="Raavi"/>
+        <a:font script="Cans" typeface="Euphemia"/>
+        <a:font script="Cher" typeface="Plantagenet Cherokee"/>
+        <a:font script="Yiii" typeface="Microsoft Yi Baiti"/>
+        <a:font script="Tibt" typeface="Microsoft Himalaya"/>
+        <a:font script="Thaa" typeface="MV Boli"/>
+        <a:font script="Deva" typeface="Mangal"/>
+        <a:font script="Telu" typeface="Gautami"/>
+        <a:font script="Taml" typeface="Latha"/>
+        <a:font script="Syrc" typeface="Estrangelo Edessa"/>
+        <a:font script="Orya" typeface="Kalinga"/>
+        <a:font script="Mlym" typeface="Kartika"/>
+        <a:font script="Laoo" typeface="DokChampa"/>
+        <a:font script="Sinh" typeface="Iskoola Pota"/>
+        <a:font script="Mong" typeface="Mongolian Baiti"/>
+        <a:font script="Viet" typeface="Arial"/>
+        <a:font script="Uigh" typeface="Microsoft Uighur"/>
+        <a:font script="Geor" typeface="Sylfaen"/>
+      </a:minorFont>
+    </a:fontScheme>
+    <a:fmtScheme name="Office">
+      <a:fillStyleLst>
+        <a:solidFill>
+          <a:schemeClr val="phClr"/>
+        </a:solidFill>
+        <a:gradFill rotWithShape="1">
+          <a:gsLst>
+            <a:gs pos="0">
+              <a:schemeClr val="phClr">
+                <a:tint val="50000"/>
+                <a:satMod val="300000"/>
+              </a:schemeClr>
+            </a:gs>
+            <a:gs pos="35000">
+              <a:schemeClr val="phClr">
+                <a:tint val="37000"/>
+                <a:satMod val="300000"/>
+              </a:schemeClr>
+            </a:gs>
+            <a:gs pos="100000">
+              <a:schemeClr val="phClr">
+                <a:tint val="15000"/>
+                <a:satMod val="350000"/>
+              </a:schemeClr>
+            </a:gs>
+          </a:gsLst>
+          <a:lin ang="16200000" scaled="1"/>
+        </a:gradFill>
+        <a:gradFill rotWithShape="1">
+          <a:gsLst>
+            <a:gs pos="0">
+              <a:schemeClr val="phClr">
+                <a:shade val="51000"/>
+                <a:satMod val="130000"/>
+              </a:schemeClr>
+            </a:gs>
+            <a:gs pos="80000">
+              <a:schemeClr val="phClr">
+                <a:shade val="93000"/>
+                <a:satMod val="130000"/>
+              </a:schemeClr>
+            </a:gs>
+            <a:gs pos="100000">
+              <a:schemeClr val="phClr">
+                <a:shade val="94000"/>
+                <a:satMod val="135000"/>
+              </a:schemeClr>
+            </a:gs>
+          </a:gsLst>
+          <a:lin ang="16200000" scaled="0"/>
+        </a:gradFill>
+      </a:fillStyleLst>
+      <a:lnStyleLst>
+        <a:ln w="9525" cap="flat" cmpd="sng" algn="ctr">
+          <a:solidFill>
+            <a:schemeClr val="phClr">
+              <a:shade val="95000"/>
+              <a:satMod val="105000"/>
+            </a:schemeClr>
+          </a:solidFill>
+          <a:prstDash val="solid"/>
+        </a:ln>
+        <a:ln w="25400" cap="flat" cmpd="sng" algn="ctr">
+          <a:solidFill>
+            <a:schemeClr val="phClr"/>
+          </a:solidFill>
+          <a:prstDash val="solid"/>
+        </a:ln>
+        <a:ln w="38100" cap="flat" cmpd="sng" algn="ctr">
+          <a:solidFill>
+            <a:schemeClr val="phClr"/>
+          </a:solidFill>
+          <a:prstDash val="solid"/>
+        </a:ln>
+      </a:lnStyleLst>
+      <a:effectStyleLst>
+        <a:effectStyle>
+          <a:effectLst>
+            <a:outerShdw blurRad="40000" dist="20000" dir="5400000" rotWithShape="0">
+              <a:srgbClr val="000000">
+                <a:alpha val="38000"/>
+              </a:srgbClr>
+            </a:outerShdw>
+          </a:effectLst>
+        </a:effectStyle>
+        <a:effectStyle>
+          <a:effectLst>
+            <a:outerShdw blurRad="40000" dist="23000" dir="5400000" rotWithShape="0">
+              <a:srgbClr val="000000">
+                <a:alpha val="35000"/>
+              </a:srgbClr>
+            </a:outerShdw>
+          </a:effectLst>
+        </a:effectStyle>
+        <a:effectStyle>
+          <a:effectLst>
+            <a:outerShdw blurRad="40000" dist="23000" dir="5400000" rotWithShape="0">
+              <a:srgbClr val="000000">
+                <a:alpha val="35000"/>
+              </a:srgbClr>
+            </a:outerShdw>
+          </a:effectLst>
+          <a:scene3d>
+            <a:camera prst="orthographicFront">
+              <a:rot lat="0" lon="0" rev="0"/>
+            </a:camera>
+            <a:lightRig rig="threePt" dir="t">
+              <a:rot lat="0" lon="0" rev="1200000"/>
+            </a:lightRig>
+          </a:scene3d>
+          <a:sp3d>
+            <a:bevelT w="63500" h="25400"/>
+          </a:sp3d>
+        </a:effectStyle>
+      </a:effectStyleLst>
+      <a:bgFillStyleLst>
+        <a:solidFill>
+          <a:schemeClr val="phClr"/>
+        </a:solidFill>
+        <a:gradFill rotWithShape="1">
+          <a:gsLst>
+            <a:gs pos="0">
+              <a:schemeClr val="phClr">
+                <a:tint val="40000"/>
+                <a:satMod val="350000"/>
+              </a:schemeClr>
+            </a:gs>
+            <a:gs pos="40000">
+              <a:schemeClr val="phClr">
+                <a:tint val="45000"/>
+                <a:shade val="99000"/>
+                <a:satMod val="350000"/>
+              </a:schemeClr>
+            </a:gs>
+            <a:gs pos="100000">
+              <a:schemeClr val="phClr">
+                <a:shade val="20000"/>
+                <a:satMod val="255000"/>
+              </a:schemeClr>
+            </a:gs>
+          </a:gsLst>
+          <a:path path="circle">
+            <a:fillToRect l="50000" t="-80000" r="50000" b="180000"/>
+          </a:path>
+        </a:gradFill>
+        <a:gradFill rotWithShape="1">
+          <a:gsLst>
+            <a:gs pos="0">
+              <a:schemeClr val="phClr">
+                <a:tint val="80000"/>
+                <a:satMod val="300000"/>
+              </a:schemeClr>
+            </a:gs>
+            <a:gs pos="100000">
+              <a:schemeClr val="phClr">
+                <a:shade val="30000"/>
+                <a:satMod val="200000"/>
+              </a:schemeClr>
+            </a:gs>
+          </a:gsLst>
+          <a:path path="circle">
+            <a:fillToRect l="50000" t="50000" r="50000" b="50000"/>
+          </a:path>
+        </a:gradFill>
+      </a:bgFillStyleLst>
+    </a:fmtScheme>
+  </a:themeElements>
+  <a:objectDefaults/>
+  <a:extraClrSchemeLst/>
+</a:theme>
 </file>
--- a/CSRF/CSRF.pptx
+++ b/CSRF/CSRF.pptx
@@ -5,7 +5,7 @@
     <p:sldMasterId id="2147483660" r:id="rId1"/>
   </p:sldMasterIdLst>
   <p:notesMasterIdLst>
-    <p:notesMasterId r:id="rId9"/>
+    <p:notesMasterId r:id="rId15"/>
   </p:notesMasterIdLst>
   <p:sldIdLst>
     <p:sldId id="256" r:id="rId2"/>
@@ -14,7 +14,13 @@
     <p:sldId id="261" r:id="rId5"/>
     <p:sldId id="262" r:id="rId6"/>
     <p:sldId id="259" r:id="rId7"/>
-    <p:sldId id="263" r:id="rId8"/>
+    <p:sldId id="264" r:id="rId8"/>
+    <p:sldId id="265" r:id="rId9"/>
+    <p:sldId id="263" r:id="rId10"/>
+    <p:sldId id="266" r:id="rId11"/>
+    <p:sldId id="267" r:id="rId12"/>
+    <p:sldId id="268" r:id="rId13"/>
+    <p:sldId id="269" r:id="rId14"/>
   </p:sldIdLst>
   <p:sldSz cx="12192000" cy="6858000"/>
   <p:notesSz cx="6858000" cy="9144000"/>
@@ -124,10 +130,30 @@
             <p14:sldId id="261"/>
             <p14:sldId id="262"/>
             <p14:sldId id="259"/>
+            <p14:sldId id="264"/>
+            <p14:sldId id="265"/>
             <p14:sldId id="263"/>
+            <p14:sldId id="266"/>
+            <p14:sldId id="267"/>
+            <p14:sldId id="268"/>
+            <p14:sldId id="269"/>
           </p14:sldIdLst>
         </p14:section>
       </p14:sectionLst>
+    </p:ext>
+    <p:ext uri="{EFAFB233-063F-42B5-8137-9DF3F51BA10A}">
+      <p15:sldGuideLst xmlns:p15="http://schemas.microsoft.com/office/powerpoint/2012/main">
+        <p15:guide id="1" orient="horz" pos="2160">
+          <p15:clr>
+            <a:srgbClr val="A4A3A4"/>
+          </p15:clr>
+        </p15:guide>
+        <p15:guide id="2" pos="3840">
+          <p15:clr>
+            <a:srgbClr val="A4A3A4"/>
+          </p15:clr>
+        </p15:guide>
+      </p15:sldGuideLst>
     </p:ext>
   </p:extLst>
 </p:presentation>
@@ -215,7 +241,7 @@
           <a:p>
             <a:fld id="{49E7A6F4-8BA0-4178-84FB-F3CCA396140E}" type="datetimeFigureOut">
               <a:rPr lang="en-US" smtClean="0"/>
-              <a:t>14-Dec-17</a:t>
+              <a:t>12/14/2017</a:t>
             </a:fld>
             <a:endParaRPr lang="en-US"/>
           </a:p>
@@ -1069,7 +1095,7 @@
           <a:p>
             <a:fld id="{05D37ADB-8E48-4DE5-8258-D57ACFD08B1B}" type="datetimeFigureOut">
               <a:rPr lang="en-US" smtClean="0"/>
-              <a:t>14-Dec-17</a:t>
+              <a:t>12/14/2017</a:t>
             </a:fld>
             <a:endParaRPr lang="en-US"/>
           </a:p>
@@ -1365,7 +1391,7 @@
           <a:p>
             <a:fld id="{05D37ADB-8E48-4DE5-8258-D57ACFD08B1B}" type="datetimeFigureOut">
               <a:rPr lang="en-US" smtClean="0"/>
-              <a:t>14-Dec-17</a:t>
+              <a:t>12/14/2017</a:t>
             </a:fld>
             <a:endParaRPr lang="en-US"/>
           </a:p>
@@ -1613,7 +1639,7 @@
           <a:p>
             <a:fld id="{05D37ADB-8E48-4DE5-8258-D57ACFD08B1B}" type="datetimeFigureOut">
               <a:rPr lang="en-US" smtClean="0"/>
-              <a:t>14-Dec-17</a:t>
+              <a:t>12/14/2017</a:t>
             </a:fld>
             <a:endParaRPr lang="en-US"/>
           </a:p>
@@ -2153,7 +2179,7 @@
           <a:p>
             <a:fld id="{05D37ADB-8E48-4DE5-8258-D57ACFD08B1B}" type="datetimeFigureOut">
               <a:rPr lang="en-US" smtClean="0"/>
-              <a:t>14-Dec-17</a:t>
+              <a:t>12/14/2017</a:t>
             </a:fld>
             <a:endParaRPr lang="en-US"/>
           </a:p>
@@ -2401,7 +2427,7 @@
           <a:p>
             <a:fld id="{05D37ADB-8E48-4DE5-8258-D57ACFD08B1B}" type="datetimeFigureOut">
               <a:rPr lang="en-US" smtClean="0"/>
-              <a:t>14-Dec-17</a:t>
+              <a:t>12/14/2017</a:t>
             </a:fld>
             <a:endParaRPr lang="en-US"/>
           </a:p>
@@ -2933,7 +2959,7 @@
           <a:p>
             <a:fld id="{05D37ADB-8E48-4DE5-8258-D57ACFD08B1B}" type="datetimeFigureOut">
               <a:rPr lang="en-US" smtClean="0"/>
-              <a:t>14-Dec-17</a:t>
+              <a:t>12/14/2017</a:t>
             </a:fld>
             <a:endParaRPr lang="en-US"/>
           </a:p>
@@ -3230,7 +3256,7 @@
           <a:p>
             <a:fld id="{05D37ADB-8E48-4DE5-8258-D57ACFD08B1B}" type="datetimeFigureOut">
               <a:rPr lang="en-US" smtClean="0"/>
-              <a:t>14-Dec-17</a:t>
+              <a:t>12/14/2017</a:t>
             </a:fld>
             <a:endParaRPr lang="en-US"/>
           </a:p>
@@ -3404,7 +3430,7 @@
           <a:p>
             <a:fld id="{05D37ADB-8E48-4DE5-8258-D57ACFD08B1B}" type="datetimeFigureOut">
               <a:rPr lang="en-US" smtClean="0"/>
-              <a:t>14-Dec-17</a:t>
+              <a:t>12/14/2017</a:t>
             </a:fld>
             <a:endParaRPr lang="en-US"/>
           </a:p>
@@ -3584,7 +3610,7 @@
           <a:p>
             <a:fld id="{05D37ADB-8E48-4DE5-8258-D57ACFD08B1B}" type="datetimeFigureOut">
               <a:rPr lang="en-US" smtClean="0"/>
-              <a:t>14-Dec-17</a:t>
+              <a:t>12/14/2017</a:t>
             </a:fld>
             <a:endParaRPr lang="en-US"/>
           </a:p>
@@ -3754,7 +3780,7 @@
           <a:p>
             <a:fld id="{05D37ADB-8E48-4DE5-8258-D57ACFD08B1B}" type="datetimeFigureOut">
               <a:rPr lang="en-US" smtClean="0"/>
-              <a:t>14-Dec-17</a:t>
+              <a:t>12/14/2017</a:t>
             </a:fld>
             <a:endParaRPr lang="en-US"/>
           </a:p>
@@ -4005,7 +4031,7 @@
           <a:p>
             <a:fld id="{05D37ADB-8E48-4DE5-8258-D57ACFD08B1B}" type="datetimeFigureOut">
               <a:rPr lang="en-US" smtClean="0"/>
-              <a:t>14-Dec-17</a:t>
+              <a:t>12/14/2017</a:t>
             </a:fld>
             <a:endParaRPr lang="en-US"/>
           </a:p>
@@ -4302,7 +4328,7 @@
           <a:p>
             <a:fld id="{05D37ADB-8E48-4DE5-8258-D57ACFD08B1B}" type="datetimeFigureOut">
               <a:rPr lang="en-US" smtClean="0"/>
-              <a:t>14-Dec-17</a:t>
+              <a:t>12/14/2017</a:t>
             </a:fld>
             <a:endParaRPr lang="en-US"/>
           </a:p>
@@ -4744,7 +4770,7 @@
           <a:p>
             <a:fld id="{05D37ADB-8E48-4DE5-8258-D57ACFD08B1B}" type="datetimeFigureOut">
               <a:rPr lang="en-US" smtClean="0"/>
-              <a:t>14-Dec-17</a:t>
+              <a:t>12/14/2017</a:t>
             </a:fld>
             <a:endParaRPr lang="en-US"/>
           </a:p>
@@ -4862,7 +4888,7 @@
           <a:p>
             <a:fld id="{05D37ADB-8E48-4DE5-8258-D57ACFD08B1B}" type="datetimeFigureOut">
               <a:rPr lang="en-US" smtClean="0"/>
-              <a:t>14-Dec-17</a:t>
+              <a:t>12/14/2017</a:t>
             </a:fld>
             <a:endParaRPr lang="en-US"/>
           </a:p>
@@ -4957,7 +4983,7 @@
           <a:p>
             <a:fld id="{05D37ADB-8E48-4DE5-8258-D57ACFD08B1B}" type="datetimeFigureOut">
               <a:rPr lang="en-US" smtClean="0"/>
-              <a:t>14-Dec-17</a:t>
+              <a:t>12/14/2017</a:t>
             </a:fld>
             <a:endParaRPr lang="en-US"/>
           </a:p>
@@ -5240,7 +5266,7 @@
           <a:p>
             <a:fld id="{05D37ADB-8E48-4DE5-8258-D57ACFD08B1B}" type="datetimeFigureOut">
               <a:rPr lang="en-US" smtClean="0"/>
-              <a:t>14-Dec-17</a:t>
+              <a:t>12/14/2017</a:t>
             </a:fld>
             <a:endParaRPr lang="en-US"/>
           </a:p>
@@ -5531,7 +5557,7 @@
           <a:p>
             <a:fld id="{05D37ADB-8E48-4DE5-8258-D57ACFD08B1B}" type="datetimeFigureOut">
               <a:rPr lang="en-US" smtClean="0"/>
-              <a:t>14-Dec-17</a:t>
+              <a:t>12/14/2017</a:t>
             </a:fld>
             <a:endParaRPr lang="en-US"/>
           </a:p>
@@ -6061,7 +6087,7 @@
           <a:p>
             <a:fld id="{05D37ADB-8E48-4DE5-8258-D57ACFD08B1B}" type="datetimeFigureOut">
               <a:rPr lang="en-US" smtClean="0"/>
-              <a:t>14-Dec-17</a:t>
+              <a:t>12/14/2017</a:t>
             </a:fld>
             <a:endParaRPr lang="en-US"/>
           </a:p>
@@ -6739,6 +6765,1684 @@
 </p:sld>
 </file>
 
+<file path=ppt/slides/slide10.xml><?xml version="1.0" encoding="utf-8"?>
+<p:sld xmlns:a="http://schemas.openxmlformats.org/drawingml/2006/main" xmlns:r="http://schemas.openxmlformats.org/officeDocument/2006/relationships" xmlns:p="http://schemas.openxmlformats.org/presentationml/2006/main">
+  <p:cSld>
+    <p:spTree>
+      <p:nvGrpSpPr>
+        <p:cNvPr id="1" name=""/>
+        <p:cNvGrpSpPr/>
+        <p:nvPr/>
+      </p:nvGrpSpPr>
+      <p:grpSpPr>
+        <a:xfrm>
+          <a:off x="0" y="0"/>
+          <a:ext cx="0" cy="0"/>
+          <a:chOff x="0" y="0"/>
+          <a:chExt cx="0" cy="0"/>
+        </a:xfrm>
+      </p:grpSpPr>
+      <p:sp>
+        <p:nvSpPr>
+          <p:cNvPr id="2" name="Title 1"/>
+          <p:cNvSpPr>
+            <a:spLocks noGrp="1"/>
+          </p:cNvSpPr>
+          <p:nvPr>
+            <p:ph type="title"/>
+          </p:nvPr>
+        </p:nvSpPr>
+        <p:spPr/>
+        <p:txBody>
+          <a:bodyPr/>
+          <a:lstStyle/>
+          <a:p>
+            <a:r>
+              <a:rPr lang="en-US" dirty="0" smtClean="0"/>
+              <a:t>GET scenario</a:t>
+            </a:r>
+            <a:endParaRPr lang="en-US" dirty="0"/>
+          </a:p>
+        </p:txBody>
+      </p:sp>
+      <p:sp>
+        <p:nvSpPr>
+          <p:cNvPr id="3" name="Content Placeholder 2"/>
+          <p:cNvSpPr>
+            <a:spLocks noGrp="1"/>
+          </p:cNvSpPr>
+          <p:nvPr>
+            <p:ph idx="1"/>
+          </p:nvPr>
+        </p:nvSpPr>
+        <p:spPr>
+          <a:xfrm>
+            <a:off x="1484310" y="2338958"/>
+            <a:ext cx="10018713" cy="3780283"/>
+          </a:xfrm>
+        </p:spPr>
+        <p:txBody>
+          <a:bodyPr>
+            <a:normAutofit/>
+          </a:bodyPr>
+          <a:lstStyle/>
+          <a:p>
+            <a:pPr marL="0" indent="0">
+              <a:buNone/>
+            </a:pPr>
+            <a:r>
+              <a:rPr lang="en-US" dirty="0" err="1" smtClean="0"/>
+              <a:t>Giả</a:t>
+            </a:r>
+            <a:r>
+              <a:rPr lang="en-US" dirty="0" smtClean="0"/>
+              <a:t> </a:t>
+            </a:r>
+            <a:r>
+              <a:rPr lang="en-US" dirty="0" err="1" smtClean="0"/>
+              <a:t>sử</a:t>
+            </a:r>
+            <a:r>
+              <a:rPr lang="en-US" dirty="0" smtClean="0"/>
+              <a:t> website </a:t>
+            </a:r>
+            <a:r>
+              <a:rPr lang="en-US" dirty="0" err="1" smtClean="0"/>
+              <a:t>được</a:t>
+            </a:r>
+            <a:r>
+              <a:rPr lang="en-US" dirty="0" smtClean="0"/>
+              <a:t> </a:t>
+            </a:r>
+            <a:r>
+              <a:rPr lang="en-US" dirty="0" err="1" smtClean="0"/>
+              <a:t>xây</a:t>
+            </a:r>
+            <a:r>
+              <a:rPr lang="en-US" dirty="0" smtClean="0"/>
+              <a:t> </a:t>
+            </a:r>
+            <a:r>
+              <a:rPr lang="en-US" dirty="0" err="1" smtClean="0"/>
+              <a:t>dựng</a:t>
+            </a:r>
+            <a:r>
+              <a:rPr lang="en-US" dirty="0" smtClean="0"/>
+              <a:t> </a:t>
+            </a:r>
+            <a:r>
+              <a:rPr lang="en-US" dirty="0" err="1" smtClean="0"/>
+              <a:t>với</a:t>
+            </a:r>
+            <a:r>
+              <a:rPr lang="en-US" dirty="0" smtClean="0"/>
+              <a:t> </a:t>
+            </a:r>
+            <a:r>
+              <a:rPr lang="en-US" dirty="0" err="1" smtClean="0"/>
+              <a:t>phương</a:t>
+            </a:r>
+            <a:r>
+              <a:rPr lang="en-US" dirty="0" smtClean="0"/>
+              <a:t> </a:t>
+            </a:r>
+            <a:r>
+              <a:rPr lang="en-US" dirty="0" err="1" smtClean="0"/>
+              <a:t>thức</a:t>
+            </a:r>
+            <a:r>
+              <a:rPr lang="en-US" dirty="0" smtClean="0"/>
+              <a:t> </a:t>
+            </a:r>
+            <a:r>
+              <a:rPr lang="en-US" dirty="0" err="1" smtClean="0"/>
+              <a:t>chính</a:t>
+            </a:r>
+            <a:r>
+              <a:rPr lang="en-US" dirty="0" smtClean="0"/>
+              <a:t> </a:t>
+            </a:r>
+            <a:r>
+              <a:rPr lang="en-US" dirty="0" err="1" smtClean="0"/>
+              <a:t>là</a:t>
+            </a:r>
+            <a:r>
+              <a:rPr lang="en-US" dirty="0" smtClean="0"/>
+              <a:t> GET </a:t>
+            </a:r>
+            <a:r>
+              <a:rPr lang="en-US" dirty="0" err="1" smtClean="0"/>
+              <a:t>cho</a:t>
+            </a:r>
+            <a:r>
+              <a:rPr lang="en-US" dirty="0" smtClean="0"/>
+              <a:t> </a:t>
+            </a:r>
+            <a:r>
+              <a:rPr lang="en-US" dirty="0" err="1" smtClean="0"/>
+              <a:t>việc</a:t>
+            </a:r>
+            <a:r>
+              <a:rPr lang="en-US" dirty="0" smtClean="0"/>
+              <a:t> </a:t>
+            </a:r>
+            <a:r>
+              <a:rPr lang="en-US" dirty="0" err="1" smtClean="0"/>
+              <a:t>chuyển</a:t>
+            </a:r>
+            <a:r>
+              <a:rPr lang="en-US" dirty="0" smtClean="0"/>
+              <a:t> </a:t>
+            </a:r>
+            <a:r>
+              <a:rPr lang="en-US" dirty="0" err="1" smtClean="0"/>
+              <a:t>khoản</a:t>
+            </a:r>
+            <a:r>
+              <a:rPr lang="en-US" dirty="0" smtClean="0"/>
+              <a:t>. </a:t>
+            </a:r>
+            <a:r>
+              <a:rPr lang="en-US" dirty="0" err="1" smtClean="0"/>
+              <a:t>Khi</a:t>
+            </a:r>
+            <a:r>
+              <a:rPr lang="en-US" dirty="0" smtClean="0"/>
+              <a:t> </a:t>
+            </a:r>
+            <a:r>
+              <a:rPr lang="en-US" dirty="0" err="1" smtClean="0"/>
+              <a:t>đó</a:t>
+            </a:r>
+            <a:r>
+              <a:rPr lang="en-US" dirty="0" smtClean="0"/>
+              <a:t> request </a:t>
+            </a:r>
+            <a:r>
+              <a:rPr lang="en-US" dirty="0" err="1" smtClean="0"/>
+              <a:t>mà</a:t>
+            </a:r>
+            <a:r>
+              <a:rPr lang="en-US" dirty="0" smtClean="0"/>
+              <a:t> Alice </a:t>
+            </a:r>
+            <a:r>
+              <a:rPr lang="en-US" dirty="0" err="1" smtClean="0"/>
+              <a:t>khi</a:t>
+            </a:r>
+            <a:r>
+              <a:rPr lang="en-US" dirty="0" smtClean="0"/>
+              <a:t> </a:t>
+            </a:r>
+            <a:r>
+              <a:rPr lang="en-US" dirty="0" err="1" smtClean="0"/>
+              <a:t>gửi</a:t>
+            </a:r>
+            <a:r>
+              <a:rPr lang="en-US" dirty="0" smtClean="0"/>
+              <a:t> </a:t>
+            </a:r>
+            <a:r>
+              <a:rPr lang="en-US" dirty="0" err="1" smtClean="0"/>
+              <a:t>tiền</a:t>
+            </a:r>
+            <a:r>
+              <a:rPr lang="en-US" dirty="0" smtClean="0"/>
+              <a:t> </a:t>
+            </a:r>
+            <a:r>
+              <a:rPr lang="en-US" dirty="0" err="1" smtClean="0"/>
+              <a:t>cho</a:t>
+            </a:r>
+            <a:r>
+              <a:rPr lang="en-US" dirty="0" smtClean="0"/>
+              <a:t> Bob </a:t>
+            </a:r>
+            <a:r>
+              <a:rPr lang="en-US" dirty="0" err="1" smtClean="0"/>
+              <a:t>có</a:t>
+            </a:r>
+            <a:r>
+              <a:rPr lang="en-US" dirty="0" smtClean="0"/>
+              <a:t> </a:t>
+            </a:r>
+            <a:r>
+              <a:rPr lang="en-US" dirty="0" err="1" smtClean="0"/>
+              <a:t>dạng</a:t>
+            </a:r>
+            <a:r>
+              <a:rPr lang="en-US" dirty="0" smtClean="0"/>
+              <a:t> </a:t>
+            </a:r>
+            <a:r>
+              <a:rPr lang="en-US" dirty="0" err="1" smtClean="0"/>
+              <a:t>như</a:t>
+            </a:r>
+            <a:r>
+              <a:rPr lang="en-US" dirty="0" smtClean="0"/>
+              <a:t>:</a:t>
+            </a:r>
+          </a:p>
+          <a:p>
+            <a:pPr marL="0" indent="0">
+              <a:buNone/>
+            </a:pPr>
+            <a:r>
+              <a:rPr lang="en-US" dirty="0"/>
+              <a:t>	</a:t>
+            </a:r>
+            <a:r>
+              <a:rPr lang="en-US" sz="2000" dirty="0">
+                <a:latin typeface="Consolas" panose="020B0609020204030204" pitchFamily="49" charset="0"/>
+              </a:rPr>
+              <a:t>GET http://bank.com/transfer.do?acct=BOB&amp;amount=100 </a:t>
+            </a:r>
+            <a:r>
+              <a:rPr lang="en-US" sz="2000" dirty="0" smtClean="0">
+                <a:latin typeface="Consolas" panose="020B0609020204030204" pitchFamily="49" charset="0"/>
+              </a:rPr>
+              <a:t>HTTP/1.1</a:t>
+            </a:r>
+            <a:endParaRPr lang="en-US" sz="2000" dirty="0">
+              <a:latin typeface="Consolas" panose="020B0609020204030204" pitchFamily="49" charset="0"/>
+            </a:endParaRPr>
+          </a:p>
+          <a:p>
+            <a:pPr marL="0" indent="0">
+              <a:buNone/>
+            </a:pPr>
+            <a:r>
+              <a:rPr lang="en-US" dirty="0" smtClean="0">
+                <a:latin typeface="Corbel" panose="020B0503020204020204" pitchFamily="34" charset="0"/>
+              </a:rPr>
+              <a:t>Maria </a:t>
+            </a:r>
+            <a:r>
+              <a:rPr lang="en-US" dirty="0" err="1" smtClean="0">
+                <a:latin typeface="Corbel" panose="020B0503020204020204" pitchFamily="34" charset="0"/>
+              </a:rPr>
+              <a:t>biết</a:t>
+            </a:r>
+            <a:r>
+              <a:rPr lang="en-US" dirty="0" smtClean="0">
+                <a:latin typeface="Corbel" panose="020B0503020204020204" pitchFamily="34" charset="0"/>
+              </a:rPr>
+              <a:t> </a:t>
+            </a:r>
+            <a:r>
+              <a:rPr lang="en-US" dirty="0" err="1" smtClean="0">
+                <a:latin typeface="Corbel" panose="020B0503020204020204" pitchFamily="34" charset="0"/>
+              </a:rPr>
+              <a:t>được</a:t>
+            </a:r>
+            <a:r>
+              <a:rPr lang="en-US" dirty="0" smtClean="0">
+                <a:latin typeface="Corbel" panose="020B0503020204020204" pitchFamily="34" charset="0"/>
+              </a:rPr>
+              <a:t> </a:t>
+            </a:r>
+            <a:r>
+              <a:rPr lang="en-US" dirty="0" err="1" smtClean="0">
+                <a:latin typeface="Corbel" panose="020B0503020204020204" pitchFamily="34" charset="0"/>
+              </a:rPr>
+              <a:t>phương</a:t>
+            </a:r>
+            <a:r>
+              <a:rPr lang="en-US" dirty="0" smtClean="0">
+                <a:latin typeface="Corbel" panose="020B0503020204020204" pitchFamily="34" charset="0"/>
+              </a:rPr>
+              <a:t> </a:t>
+            </a:r>
+            <a:r>
+              <a:rPr lang="en-US" dirty="0" err="1" smtClean="0">
+                <a:latin typeface="Corbel" panose="020B0503020204020204" pitchFamily="34" charset="0"/>
+              </a:rPr>
+              <a:t>thức</a:t>
+            </a:r>
+            <a:r>
+              <a:rPr lang="en-US" dirty="0" smtClean="0">
+                <a:latin typeface="Corbel" panose="020B0503020204020204" pitchFamily="34" charset="0"/>
+              </a:rPr>
+              <a:t> </a:t>
+            </a:r>
+            <a:r>
+              <a:rPr lang="en-US" dirty="0" err="1" smtClean="0">
+                <a:latin typeface="Corbel" panose="020B0503020204020204" pitchFamily="34" charset="0"/>
+              </a:rPr>
+              <a:t>gửi</a:t>
+            </a:r>
+            <a:r>
+              <a:rPr lang="en-US" dirty="0" smtClean="0">
+                <a:latin typeface="Corbel" panose="020B0503020204020204" pitchFamily="34" charset="0"/>
+              </a:rPr>
+              <a:t> </a:t>
+            </a:r>
+            <a:r>
+              <a:rPr lang="en-US" dirty="0" err="1" smtClean="0">
+                <a:latin typeface="Corbel" panose="020B0503020204020204" pitchFamily="34" charset="0"/>
+              </a:rPr>
+              <a:t>tiền</a:t>
+            </a:r>
+            <a:r>
+              <a:rPr lang="en-US" dirty="0" smtClean="0">
+                <a:latin typeface="Corbel" panose="020B0503020204020204" pitchFamily="34" charset="0"/>
+              </a:rPr>
+              <a:t> </a:t>
+            </a:r>
+            <a:r>
+              <a:rPr lang="en-US" dirty="0" err="1" smtClean="0">
+                <a:latin typeface="Corbel" panose="020B0503020204020204" pitchFamily="34" charset="0"/>
+              </a:rPr>
+              <a:t>trên</a:t>
+            </a:r>
+            <a:r>
+              <a:rPr lang="en-US" dirty="0" smtClean="0">
+                <a:latin typeface="Corbel" panose="020B0503020204020204" pitchFamily="34" charset="0"/>
+              </a:rPr>
+              <a:t> </a:t>
+            </a:r>
+            <a:r>
+              <a:rPr lang="en-US" dirty="0" err="1" smtClean="0">
+                <a:latin typeface="Corbel" panose="020B0503020204020204" pitchFamily="34" charset="0"/>
+              </a:rPr>
+              <a:t>cho</a:t>
+            </a:r>
+            <a:r>
+              <a:rPr lang="en-US" dirty="0" smtClean="0">
+                <a:latin typeface="Corbel" panose="020B0503020204020204" pitchFamily="34" charset="0"/>
+              </a:rPr>
+              <a:t> website. </a:t>
+            </a:r>
+            <a:r>
+              <a:rPr lang="en-US" dirty="0" err="1" smtClean="0">
+                <a:latin typeface="Corbel" panose="020B0503020204020204" pitchFamily="34" charset="0"/>
+              </a:rPr>
+              <a:t>Khi</a:t>
+            </a:r>
+            <a:r>
+              <a:rPr lang="en-US" dirty="0" smtClean="0">
+                <a:latin typeface="Corbel" panose="020B0503020204020204" pitchFamily="34" charset="0"/>
+              </a:rPr>
+              <a:t> </a:t>
+            </a:r>
+            <a:r>
+              <a:rPr lang="en-US" dirty="0" err="1" smtClean="0">
+                <a:latin typeface="Corbel" panose="020B0503020204020204" pitchFamily="34" charset="0"/>
+              </a:rPr>
+              <a:t>đó</a:t>
+            </a:r>
+            <a:r>
+              <a:rPr lang="en-US" dirty="0" smtClean="0">
+                <a:latin typeface="Corbel" panose="020B0503020204020204" pitchFamily="34" charset="0"/>
+              </a:rPr>
+              <a:t> </a:t>
+            </a:r>
+            <a:r>
+              <a:rPr lang="en-US" dirty="0" err="1" smtClean="0">
+                <a:latin typeface="Corbel" panose="020B0503020204020204" pitchFamily="34" charset="0"/>
+              </a:rPr>
+              <a:t>sẽ</a:t>
+            </a:r>
+            <a:r>
+              <a:rPr lang="en-US" dirty="0" smtClean="0">
+                <a:latin typeface="Corbel" panose="020B0503020204020204" pitchFamily="34" charset="0"/>
+              </a:rPr>
+              <a:t> </a:t>
+            </a:r>
+            <a:r>
+              <a:rPr lang="en-US" dirty="0" err="1" smtClean="0">
+                <a:latin typeface="Corbel" panose="020B0503020204020204" pitchFamily="34" charset="0"/>
+              </a:rPr>
+              <a:t>quyết</a:t>
+            </a:r>
+            <a:r>
+              <a:rPr lang="en-US" dirty="0" smtClean="0">
+                <a:latin typeface="Corbel" panose="020B0503020204020204" pitchFamily="34" charset="0"/>
+              </a:rPr>
+              <a:t> </a:t>
+            </a:r>
+            <a:r>
+              <a:rPr lang="en-US" dirty="0" err="1" smtClean="0">
+                <a:latin typeface="Corbel" panose="020B0503020204020204" pitchFamily="34" charset="0"/>
+              </a:rPr>
+              <a:t>định</a:t>
+            </a:r>
+            <a:r>
+              <a:rPr lang="en-US" dirty="0">
+                <a:latin typeface="Corbel" panose="020B0503020204020204" pitchFamily="34" charset="0"/>
+              </a:rPr>
+              <a:t> </a:t>
+            </a:r>
+            <a:r>
+              <a:rPr lang="en-US" dirty="0" err="1" smtClean="0">
+                <a:latin typeface="Corbel" panose="020B0503020204020204" pitchFamily="34" charset="0"/>
+              </a:rPr>
+              <a:t>khai</a:t>
+            </a:r>
+            <a:r>
+              <a:rPr lang="en-US" dirty="0" smtClean="0">
+                <a:latin typeface="Corbel" panose="020B0503020204020204" pitchFamily="34" charset="0"/>
+              </a:rPr>
+              <a:t> </a:t>
+            </a:r>
+            <a:r>
+              <a:rPr lang="en-US" dirty="0" err="1" smtClean="0">
+                <a:latin typeface="Corbel" panose="020B0503020204020204" pitchFamily="34" charset="0"/>
+              </a:rPr>
+              <a:t>thác</a:t>
+            </a:r>
+            <a:r>
+              <a:rPr lang="en-US" dirty="0" smtClean="0">
+                <a:latin typeface="Corbel" panose="020B0503020204020204" pitchFamily="34" charset="0"/>
+              </a:rPr>
+              <a:t> </a:t>
+            </a:r>
+            <a:r>
+              <a:rPr lang="en-US" dirty="0" err="1" smtClean="0">
+                <a:latin typeface="Corbel" panose="020B0503020204020204" pitchFamily="34" charset="0"/>
+              </a:rPr>
+              <a:t>lỗ</a:t>
+            </a:r>
+            <a:r>
+              <a:rPr lang="en-US" dirty="0" smtClean="0">
+                <a:latin typeface="Corbel" panose="020B0503020204020204" pitchFamily="34" charset="0"/>
+              </a:rPr>
+              <a:t> </a:t>
+            </a:r>
+            <a:r>
+              <a:rPr lang="en-US" dirty="0" err="1" smtClean="0">
+                <a:latin typeface="Corbel" panose="020B0503020204020204" pitchFamily="34" charset="0"/>
+              </a:rPr>
+              <a:t>hổng</a:t>
+            </a:r>
+            <a:r>
+              <a:rPr lang="en-US" dirty="0" smtClean="0">
+                <a:latin typeface="Corbel" panose="020B0503020204020204" pitchFamily="34" charset="0"/>
+              </a:rPr>
+              <a:t> CSRF </a:t>
+            </a:r>
+            <a:r>
+              <a:rPr lang="en-US" dirty="0" err="1" smtClean="0">
+                <a:latin typeface="Corbel" panose="020B0503020204020204" pitchFamily="34" charset="0"/>
+              </a:rPr>
+              <a:t>bằng</a:t>
+            </a:r>
+            <a:r>
+              <a:rPr lang="en-US" dirty="0" smtClean="0">
+                <a:latin typeface="Corbel" panose="020B0503020204020204" pitchFamily="34" charset="0"/>
+              </a:rPr>
+              <a:t> </a:t>
+            </a:r>
+            <a:r>
+              <a:rPr lang="en-US" dirty="0" err="1" smtClean="0">
+                <a:latin typeface="Corbel" panose="020B0503020204020204" pitchFamily="34" charset="0"/>
+              </a:rPr>
+              <a:t>cách</a:t>
+            </a:r>
+            <a:r>
+              <a:rPr lang="en-US" dirty="0" smtClean="0">
+                <a:latin typeface="Corbel" panose="020B0503020204020204" pitchFamily="34" charset="0"/>
+              </a:rPr>
+              <a:t> </a:t>
+            </a:r>
+            <a:r>
+              <a:rPr lang="en-US" dirty="0" err="1" smtClean="0">
+                <a:latin typeface="Corbel" panose="020B0503020204020204" pitchFamily="34" charset="0"/>
+              </a:rPr>
+              <a:t>gửi</a:t>
+            </a:r>
+            <a:r>
+              <a:rPr lang="en-US" dirty="0" smtClean="0">
+                <a:latin typeface="Corbel" panose="020B0503020204020204" pitchFamily="34" charset="0"/>
+              </a:rPr>
+              <a:t> </a:t>
+            </a:r>
+            <a:r>
+              <a:rPr lang="en-US" dirty="0" err="1" smtClean="0">
+                <a:latin typeface="Corbel" panose="020B0503020204020204" pitchFamily="34" charset="0"/>
+              </a:rPr>
+              <a:t>cho</a:t>
+            </a:r>
+            <a:r>
+              <a:rPr lang="en-US" dirty="0" smtClean="0">
+                <a:latin typeface="Corbel" panose="020B0503020204020204" pitchFamily="34" charset="0"/>
+              </a:rPr>
+              <a:t> Alice </a:t>
+            </a:r>
+            <a:r>
+              <a:rPr lang="en-US" dirty="0" err="1" smtClean="0">
+                <a:latin typeface="Corbel" panose="020B0503020204020204" pitchFamily="34" charset="0"/>
+              </a:rPr>
+              <a:t>một</a:t>
+            </a:r>
+            <a:r>
+              <a:rPr lang="en-US" dirty="0" smtClean="0">
+                <a:latin typeface="Corbel" panose="020B0503020204020204" pitchFamily="34" charset="0"/>
+              </a:rPr>
+              <a:t> URL </a:t>
+            </a:r>
+            <a:r>
+              <a:rPr lang="en-US" dirty="0" err="1" smtClean="0">
+                <a:latin typeface="Corbel" panose="020B0503020204020204" pitchFamily="34" charset="0"/>
+              </a:rPr>
+              <a:t>có</a:t>
+            </a:r>
+            <a:r>
+              <a:rPr lang="en-US" dirty="0" smtClean="0">
+                <a:latin typeface="Corbel" panose="020B0503020204020204" pitchFamily="34" charset="0"/>
+              </a:rPr>
+              <a:t> </a:t>
+            </a:r>
+            <a:r>
+              <a:rPr lang="en-US" dirty="0" err="1" smtClean="0">
+                <a:latin typeface="Corbel" panose="020B0503020204020204" pitchFamily="34" charset="0"/>
+              </a:rPr>
+              <a:t>dạng</a:t>
+            </a:r>
+            <a:r>
+              <a:rPr lang="en-US" dirty="0" smtClean="0">
+                <a:latin typeface="Corbel" panose="020B0503020204020204" pitchFamily="34" charset="0"/>
+              </a:rPr>
+              <a:t> </a:t>
+            </a:r>
+            <a:r>
+              <a:rPr lang="en-US" dirty="0" err="1" smtClean="0">
+                <a:latin typeface="Corbel" panose="020B0503020204020204" pitchFamily="34" charset="0"/>
+              </a:rPr>
+              <a:t>sau</a:t>
+            </a:r>
+            <a:r>
+              <a:rPr lang="en-US" dirty="0" smtClean="0">
+                <a:latin typeface="Corbel" panose="020B0503020204020204" pitchFamily="34" charset="0"/>
+              </a:rPr>
+              <a:t>:</a:t>
+            </a:r>
+          </a:p>
+          <a:p>
+            <a:pPr marL="0" indent="0">
+              <a:buNone/>
+            </a:pPr>
+            <a:r>
+              <a:rPr lang="en-US" dirty="0" smtClean="0">
+                <a:latin typeface="Corbel" panose="020B0503020204020204" pitchFamily="34" charset="0"/>
+              </a:rPr>
+              <a:t>	</a:t>
+            </a:r>
+            <a:r>
+              <a:rPr lang="en-US" sz="2000" dirty="0" smtClean="0">
+                <a:latin typeface="Consolas" panose="020B0609020204030204" pitchFamily="49" charset="0"/>
+              </a:rPr>
+              <a:t>http</a:t>
+            </a:r>
+            <a:r>
+              <a:rPr lang="en-US" sz="2000" dirty="0">
+                <a:latin typeface="Consolas" panose="020B0609020204030204" pitchFamily="49" charset="0"/>
+              </a:rPr>
+              <a:t>://</a:t>
+            </a:r>
+            <a:r>
+              <a:rPr lang="en-US" sz="2000" dirty="0" smtClean="0">
+                <a:latin typeface="Consolas" panose="020B0609020204030204" pitchFamily="49" charset="0"/>
+              </a:rPr>
+              <a:t>bank.com/transfer.do?acct=MARIA&amp;amount=10000</a:t>
+            </a:r>
+            <a:endParaRPr lang="en-US" dirty="0" smtClean="0">
+              <a:latin typeface="Consolas" panose="020B0609020204030204" pitchFamily="49" charset="0"/>
+            </a:endParaRPr>
+          </a:p>
+          <a:p>
+            <a:pPr marL="0" indent="0">
+              <a:buNone/>
+            </a:pPr>
+            <a:r>
+              <a:rPr lang="en-US" dirty="0" err="1" smtClean="0">
+                <a:latin typeface="Corbel" panose="020B0503020204020204" pitchFamily="34" charset="0"/>
+              </a:rPr>
+              <a:t>Sau</a:t>
+            </a:r>
+            <a:r>
+              <a:rPr lang="en-US" dirty="0" smtClean="0">
+                <a:latin typeface="Corbel" panose="020B0503020204020204" pitchFamily="34" charset="0"/>
+              </a:rPr>
+              <a:t> </a:t>
+            </a:r>
+            <a:r>
+              <a:rPr lang="en-US" dirty="0" err="1" smtClean="0">
+                <a:latin typeface="Corbel" panose="020B0503020204020204" pitchFamily="34" charset="0"/>
+              </a:rPr>
+              <a:t>đó</a:t>
+            </a:r>
+            <a:r>
+              <a:rPr lang="en-US" dirty="0" smtClean="0">
+                <a:latin typeface="Corbel" panose="020B0503020204020204" pitchFamily="34" charset="0"/>
+              </a:rPr>
+              <a:t> </a:t>
+            </a:r>
+            <a:r>
+              <a:rPr lang="en-US" dirty="0" err="1" smtClean="0">
+                <a:latin typeface="Corbel" panose="020B0503020204020204" pitchFamily="34" charset="0"/>
+              </a:rPr>
+              <a:t>chờ</a:t>
+            </a:r>
+            <a:r>
+              <a:rPr lang="en-US" dirty="0" smtClean="0">
+                <a:latin typeface="Corbel" panose="020B0503020204020204" pitchFamily="34" charset="0"/>
+              </a:rPr>
+              <a:t> </a:t>
+            </a:r>
+            <a:r>
+              <a:rPr lang="en-US" dirty="0" err="1" smtClean="0">
+                <a:latin typeface="Corbel" panose="020B0503020204020204" pitchFamily="34" charset="0"/>
+              </a:rPr>
+              <a:t>đợi</a:t>
+            </a:r>
+            <a:r>
+              <a:rPr lang="en-US" dirty="0" smtClean="0">
+                <a:latin typeface="Corbel" panose="020B0503020204020204" pitchFamily="34" charset="0"/>
+              </a:rPr>
+              <a:t> Alice </a:t>
+            </a:r>
+            <a:r>
+              <a:rPr lang="en-US" dirty="0" err="1" smtClean="0">
+                <a:latin typeface="Corbel" panose="020B0503020204020204" pitchFamily="34" charset="0"/>
+              </a:rPr>
+              <a:t>đăng</a:t>
+            </a:r>
+            <a:r>
+              <a:rPr lang="en-US" dirty="0" smtClean="0">
+                <a:latin typeface="Corbel" panose="020B0503020204020204" pitchFamily="34" charset="0"/>
+              </a:rPr>
+              <a:t> </a:t>
+            </a:r>
+            <a:r>
+              <a:rPr lang="en-US" dirty="0" err="1" smtClean="0">
+                <a:latin typeface="Corbel" panose="020B0503020204020204" pitchFamily="34" charset="0"/>
+              </a:rPr>
+              <a:t>nhập</a:t>
+            </a:r>
+            <a:r>
+              <a:rPr lang="en-US" dirty="0" smtClean="0">
+                <a:latin typeface="Corbel" panose="020B0503020204020204" pitchFamily="34" charset="0"/>
+              </a:rPr>
+              <a:t> </a:t>
+            </a:r>
+            <a:r>
+              <a:rPr lang="en-US" dirty="0" err="1" smtClean="0">
+                <a:latin typeface="Corbel" panose="020B0503020204020204" pitchFamily="34" charset="0"/>
+              </a:rPr>
+              <a:t>vào</a:t>
+            </a:r>
+            <a:r>
+              <a:rPr lang="en-US" dirty="0" smtClean="0">
+                <a:latin typeface="Corbel" panose="020B0503020204020204" pitchFamily="34" charset="0"/>
+              </a:rPr>
+              <a:t> account </a:t>
+            </a:r>
+            <a:r>
+              <a:rPr lang="en-US" dirty="0" err="1" smtClean="0">
+                <a:latin typeface="Corbel" panose="020B0503020204020204" pitchFamily="34" charset="0"/>
+              </a:rPr>
+              <a:t>và</a:t>
+            </a:r>
+            <a:r>
+              <a:rPr lang="en-US" dirty="0" smtClean="0">
+                <a:latin typeface="Corbel" panose="020B0503020204020204" pitchFamily="34" charset="0"/>
+              </a:rPr>
+              <a:t> click </a:t>
+            </a:r>
+            <a:r>
+              <a:rPr lang="en-US" dirty="0" err="1" smtClean="0">
+                <a:latin typeface="Corbel" panose="020B0503020204020204" pitchFamily="34" charset="0"/>
+              </a:rPr>
+              <a:t>vào</a:t>
+            </a:r>
+            <a:r>
+              <a:rPr lang="en-US" dirty="0" smtClean="0">
+                <a:latin typeface="Corbel" panose="020B0503020204020204" pitchFamily="34" charset="0"/>
+              </a:rPr>
+              <a:t> URL </a:t>
+            </a:r>
+            <a:r>
+              <a:rPr lang="en-US" dirty="0" err="1" smtClean="0">
+                <a:latin typeface="Corbel" panose="020B0503020204020204" pitchFamily="34" charset="0"/>
+              </a:rPr>
+              <a:t>trên</a:t>
+            </a:r>
+            <a:r>
+              <a:rPr lang="en-US" dirty="0">
+                <a:latin typeface="Corbel" panose="020B0503020204020204" pitchFamily="34" charset="0"/>
+              </a:rPr>
+              <a:t>.</a:t>
+            </a:r>
+            <a:endParaRPr lang="en-US" dirty="0" smtClean="0">
+              <a:latin typeface="Corbel" panose="020B0503020204020204" pitchFamily="34" charset="0"/>
+            </a:endParaRPr>
+          </a:p>
+        </p:txBody>
+      </p:sp>
+    </p:spTree>
+    <p:extLst>
+      <p:ext uri="{BB962C8B-B14F-4D97-AF65-F5344CB8AC3E}">
+        <p14:creationId xmlns:p14="http://schemas.microsoft.com/office/powerpoint/2010/main" val="493777884"/>
+      </p:ext>
+    </p:extLst>
+  </p:cSld>
+  <p:clrMapOvr>
+    <a:masterClrMapping/>
+  </p:clrMapOvr>
+</p:sld>
+</file>
+
+<file path=ppt/slides/slide11.xml><?xml version="1.0" encoding="utf-8"?>
+<p:sld xmlns:a="http://schemas.openxmlformats.org/drawingml/2006/main" xmlns:r="http://schemas.openxmlformats.org/officeDocument/2006/relationships" xmlns:p="http://schemas.openxmlformats.org/presentationml/2006/main">
+  <p:cSld>
+    <p:spTree>
+      <p:nvGrpSpPr>
+        <p:cNvPr id="1" name=""/>
+        <p:cNvGrpSpPr/>
+        <p:nvPr/>
+      </p:nvGrpSpPr>
+      <p:grpSpPr>
+        <a:xfrm>
+          <a:off x="0" y="0"/>
+          <a:ext cx="0" cy="0"/>
+          <a:chOff x="0" y="0"/>
+          <a:chExt cx="0" cy="0"/>
+        </a:xfrm>
+      </p:grpSpPr>
+      <p:sp>
+        <p:nvSpPr>
+          <p:cNvPr id="2" name="Title 1"/>
+          <p:cNvSpPr>
+            <a:spLocks noGrp="1"/>
+          </p:cNvSpPr>
+          <p:nvPr>
+            <p:ph type="title"/>
+          </p:nvPr>
+        </p:nvSpPr>
+        <p:spPr/>
+        <p:txBody>
+          <a:bodyPr/>
+          <a:lstStyle/>
+          <a:p>
+            <a:r>
+              <a:rPr lang="en-US" dirty="0" smtClean="0"/>
+              <a:t>POST scenario</a:t>
+            </a:r>
+            <a:endParaRPr lang="en-US" dirty="0"/>
+          </a:p>
+        </p:txBody>
+      </p:sp>
+      <p:sp>
+        <p:nvSpPr>
+          <p:cNvPr id="3" name="Content Placeholder 2"/>
+          <p:cNvSpPr>
+            <a:spLocks noGrp="1"/>
+          </p:cNvSpPr>
+          <p:nvPr>
+            <p:ph idx="1"/>
+          </p:nvPr>
+        </p:nvSpPr>
+        <p:spPr/>
+        <p:txBody>
+          <a:bodyPr>
+            <a:normAutofit/>
+          </a:bodyPr>
+          <a:lstStyle/>
+          <a:p>
+            <a:pPr marL="0" indent="0">
+              <a:buNone/>
+            </a:pPr>
+            <a:r>
+              <a:rPr lang="en-US" dirty="0" err="1" smtClean="0"/>
+              <a:t>Giả</a:t>
+            </a:r>
+            <a:r>
+              <a:rPr lang="en-US" dirty="0" smtClean="0"/>
+              <a:t> </a:t>
+            </a:r>
+            <a:r>
+              <a:rPr lang="en-US" dirty="0" err="1" smtClean="0"/>
+              <a:t>sử</a:t>
+            </a:r>
+            <a:r>
+              <a:rPr lang="en-US" dirty="0" smtClean="0"/>
+              <a:t> </a:t>
+            </a:r>
+            <a:r>
+              <a:rPr lang="en-US" dirty="0" err="1" smtClean="0"/>
+              <a:t>lỗ</a:t>
+            </a:r>
+            <a:r>
+              <a:rPr lang="en-US" dirty="0" smtClean="0"/>
+              <a:t> </a:t>
+            </a:r>
+            <a:r>
+              <a:rPr lang="en-US" dirty="0" err="1" smtClean="0"/>
+              <a:t>hổng</a:t>
+            </a:r>
+            <a:r>
+              <a:rPr lang="en-US" dirty="0" smtClean="0"/>
+              <a:t> </a:t>
+            </a:r>
+            <a:r>
+              <a:rPr lang="en-US" dirty="0" err="1" smtClean="0"/>
+              <a:t>được</a:t>
+            </a:r>
+            <a:r>
+              <a:rPr lang="en-US" dirty="0" smtClean="0"/>
+              <a:t> </a:t>
+            </a:r>
+            <a:r>
+              <a:rPr lang="en-US" dirty="0" err="1" smtClean="0"/>
+              <a:t>phát</a:t>
+            </a:r>
+            <a:r>
+              <a:rPr lang="en-US" dirty="0" smtClean="0"/>
+              <a:t> </a:t>
+            </a:r>
+            <a:r>
+              <a:rPr lang="en-US" dirty="0" err="1" smtClean="0"/>
+              <a:t>hiện</a:t>
+            </a:r>
+            <a:r>
+              <a:rPr lang="en-US" dirty="0" smtClean="0"/>
+              <a:t> </a:t>
+            </a:r>
+            <a:r>
+              <a:rPr lang="en-US" dirty="0" err="1" smtClean="0"/>
+              <a:t>và</a:t>
+            </a:r>
+            <a:r>
+              <a:rPr lang="en-US" dirty="0" smtClean="0"/>
+              <a:t> website </a:t>
+            </a:r>
+            <a:r>
+              <a:rPr lang="en-US" dirty="0" err="1" smtClean="0"/>
+              <a:t>không</a:t>
+            </a:r>
+            <a:r>
+              <a:rPr lang="en-US" dirty="0" smtClean="0"/>
+              <a:t> </a:t>
+            </a:r>
+            <a:r>
+              <a:rPr lang="en-US" dirty="0" err="1" smtClean="0"/>
+              <a:t>được</a:t>
+            </a:r>
+            <a:r>
+              <a:rPr lang="en-US" dirty="0" smtClean="0"/>
+              <a:t> </a:t>
+            </a:r>
+            <a:r>
+              <a:rPr lang="en-US" dirty="0" err="1" smtClean="0"/>
+              <a:t>xây</a:t>
+            </a:r>
+            <a:r>
+              <a:rPr lang="en-US" dirty="0" smtClean="0"/>
+              <a:t> </a:t>
+            </a:r>
+            <a:r>
+              <a:rPr lang="en-US" dirty="0" err="1" smtClean="0"/>
+              <a:t>dựng</a:t>
+            </a:r>
+            <a:r>
+              <a:rPr lang="en-US" dirty="0" smtClean="0"/>
+              <a:t> </a:t>
+            </a:r>
+            <a:r>
+              <a:rPr lang="en-US" dirty="0" err="1" smtClean="0"/>
+              <a:t>bằng</a:t>
+            </a:r>
+            <a:r>
+              <a:rPr lang="en-US" dirty="0" smtClean="0"/>
+              <a:t> </a:t>
+            </a:r>
+            <a:r>
+              <a:rPr lang="en-US" dirty="0" err="1" smtClean="0"/>
+              <a:t>phương</a:t>
+            </a:r>
+            <a:r>
+              <a:rPr lang="en-US" dirty="0" smtClean="0"/>
+              <a:t> </a:t>
+            </a:r>
+            <a:r>
+              <a:rPr lang="en-US" dirty="0" err="1" smtClean="0"/>
+              <a:t>thức</a:t>
+            </a:r>
+            <a:r>
+              <a:rPr lang="en-US" dirty="0" smtClean="0"/>
+              <a:t> GET </a:t>
+            </a:r>
+            <a:r>
+              <a:rPr lang="en-US" dirty="0" err="1" smtClean="0"/>
+              <a:t>nữa</a:t>
+            </a:r>
+            <a:r>
+              <a:rPr lang="en-US" dirty="0" smtClean="0"/>
+              <a:t> </a:t>
+            </a:r>
+            <a:r>
+              <a:rPr lang="en-US" dirty="0" err="1" smtClean="0"/>
+              <a:t>mà</a:t>
+            </a:r>
+            <a:r>
+              <a:rPr lang="en-US" dirty="0" smtClean="0"/>
+              <a:t> </a:t>
+            </a:r>
+            <a:r>
+              <a:rPr lang="en-US" dirty="0" err="1" smtClean="0"/>
+              <a:t>thay</a:t>
+            </a:r>
+            <a:r>
+              <a:rPr lang="en-US" dirty="0" smtClean="0"/>
+              <a:t> </a:t>
+            </a:r>
+            <a:r>
+              <a:rPr lang="en-US" dirty="0" err="1" smtClean="0"/>
+              <a:t>vào</a:t>
+            </a:r>
+            <a:r>
+              <a:rPr lang="en-US" dirty="0" smtClean="0"/>
+              <a:t> </a:t>
+            </a:r>
+            <a:r>
+              <a:rPr lang="en-US" dirty="0" err="1" smtClean="0"/>
+              <a:t>đó</a:t>
+            </a:r>
+            <a:r>
+              <a:rPr lang="en-US" dirty="0" smtClean="0"/>
+              <a:t> </a:t>
+            </a:r>
+            <a:r>
+              <a:rPr lang="en-US" dirty="0" err="1" smtClean="0"/>
+              <a:t>là</a:t>
+            </a:r>
+            <a:r>
+              <a:rPr lang="en-US" dirty="0" smtClean="0"/>
+              <a:t> </a:t>
+            </a:r>
+            <a:r>
+              <a:rPr lang="en-US" dirty="0" err="1" smtClean="0"/>
+              <a:t>phương</a:t>
+            </a:r>
+            <a:r>
+              <a:rPr lang="en-US" dirty="0" smtClean="0"/>
+              <a:t> </a:t>
+            </a:r>
+            <a:r>
+              <a:rPr lang="en-US" dirty="0" err="1" smtClean="0"/>
+              <a:t>thức</a:t>
+            </a:r>
+            <a:r>
+              <a:rPr lang="en-US" dirty="0" smtClean="0"/>
+              <a:t> POST </a:t>
+            </a:r>
+            <a:r>
+              <a:rPr lang="en-US" dirty="0" err="1" smtClean="0"/>
+              <a:t>khi</a:t>
+            </a:r>
+            <a:r>
+              <a:rPr lang="en-US" dirty="0" smtClean="0"/>
+              <a:t> </a:t>
+            </a:r>
+            <a:r>
+              <a:rPr lang="en-US" dirty="0" err="1" smtClean="0"/>
+              <a:t>đó</a:t>
+            </a:r>
+            <a:r>
+              <a:rPr lang="en-US" dirty="0" smtClean="0"/>
+              <a:t> request </a:t>
+            </a:r>
+            <a:r>
+              <a:rPr lang="en-US" dirty="0" err="1" smtClean="0"/>
+              <a:t>gửi</a:t>
+            </a:r>
+            <a:r>
+              <a:rPr lang="en-US" dirty="0" smtClean="0"/>
+              <a:t> </a:t>
+            </a:r>
+            <a:r>
+              <a:rPr lang="en-US" dirty="0" err="1" smtClean="0"/>
+              <a:t>tiền</a:t>
+            </a:r>
+            <a:r>
+              <a:rPr lang="en-US" dirty="0" smtClean="0"/>
+              <a:t> </a:t>
+            </a:r>
+            <a:r>
+              <a:rPr lang="en-US" dirty="0" err="1" smtClean="0"/>
+              <a:t>sẽ</a:t>
+            </a:r>
+            <a:r>
+              <a:rPr lang="en-US" dirty="0" smtClean="0"/>
+              <a:t> </a:t>
+            </a:r>
+            <a:r>
+              <a:rPr lang="en-US" dirty="0" err="1" smtClean="0"/>
+              <a:t>có</a:t>
+            </a:r>
+            <a:r>
+              <a:rPr lang="en-US" dirty="0" smtClean="0"/>
+              <a:t> </a:t>
+            </a:r>
+            <a:r>
+              <a:rPr lang="en-US" dirty="0" err="1" smtClean="0"/>
+              <a:t>dạng</a:t>
+            </a:r>
+            <a:r>
+              <a:rPr lang="en-US" dirty="0" smtClean="0"/>
+              <a:t>:</a:t>
+            </a:r>
+          </a:p>
+          <a:p>
+            <a:pPr marL="0" indent="0">
+              <a:buNone/>
+            </a:pPr>
+            <a:r>
+              <a:rPr lang="en-US" dirty="0"/>
+              <a:t>POST http://bank.com/transfer.do </a:t>
+            </a:r>
+            <a:r>
+              <a:rPr lang="en-US" dirty="0" smtClean="0"/>
+              <a:t>HTTP/1.1</a:t>
+            </a:r>
+            <a:endParaRPr lang="en-US" dirty="0"/>
+          </a:p>
+          <a:p>
+            <a:pPr marL="0" indent="0">
+              <a:buNone/>
+            </a:pPr>
+            <a:r>
+              <a:rPr lang="en-US" dirty="0" smtClean="0"/>
+              <a:t>acct=</a:t>
+            </a:r>
+            <a:r>
+              <a:rPr lang="en-US" dirty="0" err="1" smtClean="0"/>
+              <a:t>BOB&amp;amount</a:t>
+            </a:r>
+            <a:r>
+              <a:rPr lang="en-US" dirty="0" smtClean="0"/>
+              <a:t>=100</a:t>
+            </a:r>
+          </a:p>
+        </p:txBody>
+      </p:sp>
+    </p:spTree>
+    <p:extLst>
+      <p:ext uri="{BB962C8B-B14F-4D97-AF65-F5344CB8AC3E}">
+        <p14:creationId xmlns:p14="http://schemas.microsoft.com/office/powerpoint/2010/main" val="271665218"/>
+      </p:ext>
+    </p:extLst>
+  </p:cSld>
+  <p:clrMapOvr>
+    <a:masterClrMapping/>
+  </p:clrMapOvr>
+  <p:timing>
+    <p:tnLst>
+      <p:par>
+        <p:cTn id="1" dur="indefinite" restart="never" nodeType="tmRoot"/>
+      </p:par>
+    </p:tnLst>
+  </p:timing>
+</p:sld>
+</file>
+
+<file path=ppt/slides/slide12.xml><?xml version="1.0" encoding="utf-8"?>
+<p:sld xmlns:a="http://schemas.openxmlformats.org/drawingml/2006/main" xmlns:r="http://schemas.openxmlformats.org/officeDocument/2006/relationships" xmlns:p="http://schemas.openxmlformats.org/presentationml/2006/main">
+  <p:cSld>
+    <p:spTree>
+      <p:nvGrpSpPr>
+        <p:cNvPr id="1" name=""/>
+        <p:cNvGrpSpPr/>
+        <p:nvPr/>
+      </p:nvGrpSpPr>
+      <p:grpSpPr>
+        <a:xfrm>
+          <a:off x="0" y="0"/>
+          <a:ext cx="0" cy="0"/>
+          <a:chOff x="0" y="0"/>
+          <a:chExt cx="0" cy="0"/>
+        </a:xfrm>
+      </p:grpSpPr>
+      <p:sp>
+        <p:nvSpPr>
+          <p:cNvPr id="2" name="Title 1"/>
+          <p:cNvSpPr>
+            <a:spLocks noGrp="1"/>
+          </p:cNvSpPr>
+          <p:nvPr>
+            <p:ph type="title"/>
+          </p:nvPr>
+        </p:nvSpPr>
+        <p:spPr/>
+        <p:txBody>
+          <a:bodyPr/>
+          <a:lstStyle/>
+          <a:p>
+            <a:endParaRPr lang="en-US" dirty="0"/>
+          </a:p>
+        </p:txBody>
+      </p:sp>
+      <p:sp>
+        <p:nvSpPr>
+          <p:cNvPr id="3" name="Content Placeholder 2"/>
+          <p:cNvSpPr>
+            <a:spLocks noGrp="1"/>
+          </p:cNvSpPr>
+          <p:nvPr>
+            <p:ph idx="1"/>
+          </p:nvPr>
+        </p:nvSpPr>
+        <p:spPr>
+          <a:xfrm>
+            <a:off x="1484310" y="1942028"/>
+            <a:ext cx="10018713" cy="4574142"/>
+          </a:xfrm>
+        </p:spPr>
+        <p:txBody>
+          <a:bodyPr>
+            <a:normAutofit/>
+          </a:bodyPr>
+          <a:lstStyle/>
+          <a:p>
+            <a:pPr marL="0" indent="0">
+              <a:buNone/>
+            </a:pPr>
+            <a:r>
+              <a:rPr lang="en-US" dirty="0"/>
+              <a:t>Maria </a:t>
+            </a:r>
+            <a:r>
+              <a:rPr lang="en-US" dirty="0" err="1"/>
+              <a:t>tiếp</a:t>
+            </a:r>
+            <a:r>
+              <a:rPr lang="en-US" dirty="0"/>
+              <a:t> </a:t>
+            </a:r>
+            <a:r>
+              <a:rPr lang="en-US" dirty="0" err="1"/>
+              <a:t>tục</a:t>
+            </a:r>
+            <a:r>
+              <a:rPr lang="en-US" dirty="0"/>
+              <a:t> </a:t>
+            </a:r>
+            <a:r>
+              <a:rPr lang="en-US" dirty="0" err="1"/>
+              <a:t>khai</a:t>
+            </a:r>
+            <a:r>
+              <a:rPr lang="en-US" dirty="0"/>
+              <a:t> </a:t>
+            </a:r>
+            <a:r>
+              <a:rPr lang="en-US" dirty="0" err="1"/>
+              <a:t>thác</a:t>
+            </a:r>
+            <a:r>
+              <a:rPr lang="en-US" dirty="0"/>
+              <a:t> </a:t>
+            </a:r>
+            <a:r>
+              <a:rPr lang="en-US" dirty="0" err="1"/>
+              <a:t>bằng</a:t>
+            </a:r>
+            <a:r>
+              <a:rPr lang="en-US" dirty="0"/>
+              <a:t> </a:t>
+            </a:r>
+            <a:r>
+              <a:rPr lang="en-US" dirty="0" err="1"/>
+              <a:t>một</a:t>
+            </a:r>
+            <a:r>
+              <a:rPr lang="en-US" dirty="0"/>
+              <a:t> </a:t>
+            </a:r>
+            <a:r>
+              <a:rPr lang="en-US" dirty="0" err="1"/>
+              <a:t>cách</a:t>
+            </a:r>
+            <a:r>
+              <a:rPr lang="en-US" dirty="0"/>
+              <a:t> </a:t>
+            </a:r>
+            <a:r>
+              <a:rPr lang="en-US" dirty="0" err="1"/>
+              <a:t>khác</a:t>
+            </a:r>
+            <a:r>
+              <a:rPr lang="en-US" dirty="0"/>
+              <a:t>:</a:t>
+            </a:r>
+          </a:p>
+          <a:p>
+            <a:pPr marL="0" indent="0">
+              <a:buNone/>
+            </a:pPr>
+            <a:r>
+              <a:rPr lang="en-US" dirty="0"/>
+              <a:t> </a:t>
+            </a:r>
+            <a:r>
+              <a:rPr lang="en-US" dirty="0" smtClean="0"/>
+              <a:t>	</a:t>
+            </a:r>
+            <a:r>
+              <a:rPr lang="en-US" sz="2000" dirty="0" smtClean="0">
+                <a:latin typeface="Consolas" panose="020B0609020204030204" pitchFamily="49" charset="0"/>
+              </a:rPr>
+              <a:t>&lt;</a:t>
+            </a:r>
+            <a:r>
+              <a:rPr lang="en-US" sz="2000" dirty="0">
+                <a:latin typeface="Consolas" panose="020B0609020204030204" pitchFamily="49" charset="0"/>
+              </a:rPr>
+              <a:t>form action</a:t>
+            </a:r>
+            <a:r>
+              <a:rPr lang="en-US" sz="2000" dirty="0" smtClean="0">
+                <a:latin typeface="Consolas" panose="020B0609020204030204" pitchFamily="49" charset="0"/>
+              </a:rPr>
+              <a:t>="http</a:t>
+            </a:r>
+            <a:r>
+              <a:rPr lang="en-US" sz="2000" dirty="0">
+                <a:latin typeface="Consolas" panose="020B0609020204030204" pitchFamily="49" charset="0"/>
+              </a:rPr>
+              <a:t>://</a:t>
+            </a:r>
+            <a:r>
+              <a:rPr lang="en-US" sz="2000" dirty="0" smtClean="0">
+                <a:latin typeface="Consolas" panose="020B0609020204030204" pitchFamily="49" charset="0"/>
+              </a:rPr>
+              <a:t>bank.com/transfer.do" </a:t>
+            </a:r>
+            <a:r>
+              <a:rPr lang="en-US" sz="2000" dirty="0">
+                <a:latin typeface="Consolas" panose="020B0609020204030204" pitchFamily="49" charset="0"/>
+              </a:rPr>
+              <a:t>method="POST"&gt;</a:t>
+            </a:r>
+          </a:p>
+          <a:p>
+            <a:pPr marL="0" indent="0">
+              <a:buNone/>
+            </a:pPr>
+            <a:r>
+              <a:rPr lang="en-US" sz="2000" dirty="0" smtClean="0">
+                <a:latin typeface="Consolas" panose="020B0609020204030204" pitchFamily="49" charset="0"/>
+              </a:rPr>
+              <a:t>	&lt;</a:t>
+            </a:r>
+            <a:r>
+              <a:rPr lang="en-US" sz="2000" dirty="0">
+                <a:latin typeface="Consolas" panose="020B0609020204030204" pitchFamily="49" charset="0"/>
+              </a:rPr>
+              <a:t>input type="hidden" name="acct" value="MARIA"/&gt;</a:t>
+            </a:r>
+          </a:p>
+          <a:p>
+            <a:pPr marL="0" indent="0">
+              <a:buNone/>
+            </a:pPr>
+            <a:r>
+              <a:rPr lang="en-US" sz="2000" dirty="0" smtClean="0">
+                <a:latin typeface="Consolas" panose="020B0609020204030204" pitchFamily="49" charset="0"/>
+              </a:rPr>
+              <a:t>	&lt;</a:t>
+            </a:r>
+            <a:r>
+              <a:rPr lang="en-US" sz="2000" dirty="0">
+                <a:latin typeface="Consolas" panose="020B0609020204030204" pitchFamily="49" charset="0"/>
+              </a:rPr>
+              <a:t>input type="hidden" name="amount" value="</a:t>
+            </a:r>
+            <a:r>
+              <a:rPr lang="en-US" sz="2000" dirty="0" smtClean="0">
+                <a:latin typeface="Consolas" panose="020B0609020204030204" pitchFamily="49" charset="0"/>
+              </a:rPr>
+              <a:t>10000"/&gt;</a:t>
+            </a:r>
+            <a:endParaRPr lang="en-US" sz="2000" dirty="0">
+              <a:latin typeface="Consolas" panose="020B0609020204030204" pitchFamily="49" charset="0"/>
+            </a:endParaRPr>
+          </a:p>
+          <a:p>
+            <a:pPr marL="0" indent="0">
+              <a:buNone/>
+            </a:pPr>
+            <a:r>
+              <a:rPr lang="en-US" sz="2000" dirty="0" smtClean="0">
+                <a:latin typeface="Consolas" panose="020B0609020204030204" pitchFamily="49" charset="0"/>
+              </a:rPr>
+              <a:t>	&lt;</a:t>
+            </a:r>
+            <a:r>
+              <a:rPr lang="en-US" sz="2000" dirty="0">
+                <a:latin typeface="Consolas" panose="020B0609020204030204" pitchFamily="49" charset="0"/>
+              </a:rPr>
+              <a:t>input type="submit" value="View my pictures"/&gt;</a:t>
+            </a:r>
+          </a:p>
+          <a:p>
+            <a:pPr marL="0" indent="0">
+              <a:buNone/>
+            </a:pPr>
+            <a:r>
+              <a:rPr lang="en-US" sz="2000" dirty="0" smtClean="0">
+                <a:latin typeface="Consolas" panose="020B0609020204030204" pitchFamily="49" charset="0"/>
+              </a:rPr>
+              <a:t>	&lt;/</a:t>
+            </a:r>
+            <a:r>
+              <a:rPr lang="en-US" sz="2000" dirty="0">
+                <a:latin typeface="Consolas" panose="020B0609020204030204" pitchFamily="49" charset="0"/>
+              </a:rPr>
+              <a:t>form</a:t>
+            </a:r>
+            <a:r>
+              <a:rPr lang="en-US" sz="2000" dirty="0" smtClean="0">
+                <a:latin typeface="Consolas" panose="020B0609020204030204" pitchFamily="49" charset="0"/>
+              </a:rPr>
+              <a:t>&gt;</a:t>
+            </a:r>
+          </a:p>
+          <a:p>
+            <a:pPr marL="0" indent="0">
+              <a:buNone/>
+            </a:pPr>
+            <a:r>
+              <a:rPr lang="en-US" dirty="0" err="1" smtClean="0"/>
+              <a:t>Để</a:t>
+            </a:r>
+            <a:r>
+              <a:rPr lang="en-US" dirty="0" smtClean="0"/>
+              <a:t> </a:t>
+            </a:r>
+            <a:r>
+              <a:rPr lang="en-US" dirty="0" err="1" smtClean="0"/>
+              <a:t>thực</a:t>
+            </a:r>
+            <a:r>
+              <a:rPr lang="en-US" dirty="0" smtClean="0"/>
+              <a:t> </a:t>
+            </a:r>
+            <a:r>
+              <a:rPr lang="en-US" dirty="0" err="1" smtClean="0"/>
+              <a:t>hiện</a:t>
+            </a:r>
+            <a:r>
+              <a:rPr lang="en-US" dirty="0" smtClean="0"/>
+              <a:t> </a:t>
+            </a:r>
+            <a:r>
+              <a:rPr lang="en-US" dirty="0" err="1" smtClean="0"/>
+              <a:t>gửi</a:t>
+            </a:r>
+            <a:r>
+              <a:rPr lang="en-US" dirty="0" smtClean="0"/>
+              <a:t> request form </a:t>
+            </a:r>
+            <a:r>
+              <a:rPr lang="en-US" dirty="0" err="1" smtClean="0"/>
+              <a:t>trên</a:t>
+            </a:r>
+            <a:r>
+              <a:rPr lang="en-US" dirty="0" smtClean="0"/>
+              <a:t> </a:t>
+            </a:r>
+            <a:r>
+              <a:rPr lang="en-US" dirty="0" err="1" smtClean="0"/>
+              <a:t>yêu</a:t>
+            </a:r>
+            <a:r>
+              <a:rPr lang="en-US" dirty="0" smtClean="0"/>
+              <a:t> </a:t>
+            </a:r>
+            <a:r>
+              <a:rPr lang="en-US" dirty="0" err="1" smtClean="0"/>
+              <a:t>cầu</a:t>
+            </a:r>
+            <a:r>
+              <a:rPr lang="en-US" dirty="0" smtClean="0"/>
+              <a:t> user </a:t>
+            </a:r>
+            <a:r>
+              <a:rPr lang="en-US" dirty="0" err="1" smtClean="0"/>
+              <a:t>phải</a:t>
+            </a:r>
+            <a:r>
+              <a:rPr lang="en-US" dirty="0" smtClean="0"/>
+              <a:t> click </a:t>
+            </a:r>
+            <a:r>
+              <a:rPr lang="en-US" dirty="0" err="1" smtClean="0"/>
+              <a:t>vào</a:t>
+            </a:r>
+            <a:r>
+              <a:rPr lang="en-US" dirty="0" smtClean="0"/>
+              <a:t> button, </a:t>
+            </a:r>
+            <a:r>
+              <a:rPr lang="en-US" dirty="0" err="1" smtClean="0"/>
+              <a:t>tuy</a:t>
+            </a:r>
+            <a:r>
+              <a:rPr lang="en-US" dirty="0" smtClean="0"/>
+              <a:t> </a:t>
+            </a:r>
+            <a:r>
+              <a:rPr lang="en-US" dirty="0" err="1" smtClean="0"/>
+              <a:t>nhiên</a:t>
+            </a:r>
+            <a:r>
+              <a:rPr lang="en-US" dirty="0" smtClean="0"/>
+              <a:t> </a:t>
+            </a:r>
+            <a:r>
+              <a:rPr lang="en-US" dirty="0" err="1" smtClean="0"/>
+              <a:t>có</a:t>
+            </a:r>
+            <a:r>
+              <a:rPr lang="en-US" dirty="0" smtClean="0"/>
+              <a:t> </a:t>
+            </a:r>
+            <a:r>
+              <a:rPr lang="en-US" dirty="0" err="1" smtClean="0"/>
+              <a:t>thể</a:t>
+            </a:r>
+            <a:r>
+              <a:rPr lang="en-US" dirty="0" smtClean="0"/>
+              <a:t> </a:t>
+            </a:r>
+            <a:r>
+              <a:rPr lang="en-US" dirty="0" err="1" smtClean="0"/>
+              <a:t>thực</a:t>
+            </a:r>
+            <a:r>
+              <a:rPr lang="en-US" dirty="0" smtClean="0"/>
+              <a:t> </a:t>
+            </a:r>
+            <a:r>
+              <a:rPr lang="en-US" dirty="0" err="1" smtClean="0"/>
+              <a:t>hiện</a:t>
+            </a:r>
+            <a:r>
+              <a:rPr lang="en-US" dirty="0" smtClean="0"/>
+              <a:t> </a:t>
+            </a:r>
+            <a:r>
+              <a:rPr lang="en-US" dirty="0" err="1" smtClean="0"/>
+              <a:t>gửi</a:t>
+            </a:r>
+            <a:r>
+              <a:rPr lang="en-US" dirty="0" smtClean="0"/>
+              <a:t> request </a:t>
+            </a:r>
+            <a:r>
+              <a:rPr lang="en-US" dirty="0" err="1" smtClean="0"/>
+              <a:t>tự</a:t>
+            </a:r>
+            <a:r>
+              <a:rPr lang="en-US" dirty="0" smtClean="0"/>
+              <a:t> </a:t>
+            </a:r>
+            <a:r>
+              <a:rPr lang="en-US" dirty="0" err="1" smtClean="0"/>
+              <a:t>động</a:t>
+            </a:r>
+            <a:r>
+              <a:rPr lang="en-US" dirty="0" smtClean="0"/>
+              <a:t> </a:t>
+            </a:r>
+            <a:r>
+              <a:rPr lang="en-US" dirty="0" err="1" smtClean="0"/>
+              <a:t>bằng</a:t>
+            </a:r>
+            <a:r>
+              <a:rPr lang="en-US" dirty="0" smtClean="0"/>
+              <a:t> JavaScript:</a:t>
+            </a:r>
+          </a:p>
+          <a:p>
+            <a:pPr marL="0" indent="0">
+              <a:buNone/>
+            </a:pPr>
+            <a:r>
+              <a:rPr lang="en-US" sz="2000" dirty="0" smtClean="0">
+                <a:latin typeface="Consolas" panose="020B0609020204030204" pitchFamily="49" charset="0"/>
+              </a:rPr>
+              <a:t>	&lt;</a:t>
+            </a:r>
+            <a:r>
+              <a:rPr lang="en-US" sz="2000" dirty="0">
+                <a:latin typeface="Consolas" panose="020B0609020204030204" pitchFamily="49" charset="0"/>
+              </a:rPr>
+              <a:t>body </a:t>
+            </a:r>
+            <a:r>
+              <a:rPr lang="en-US" sz="2000" dirty="0" err="1">
+                <a:latin typeface="Consolas" panose="020B0609020204030204" pitchFamily="49" charset="0"/>
+              </a:rPr>
+              <a:t>onload</a:t>
+            </a:r>
+            <a:r>
+              <a:rPr lang="en-US" sz="2000" dirty="0">
+                <a:latin typeface="Consolas" panose="020B0609020204030204" pitchFamily="49" charset="0"/>
+              </a:rPr>
+              <a:t>="</a:t>
+            </a:r>
+            <a:r>
+              <a:rPr lang="en-US" sz="2000" dirty="0" err="1">
+                <a:latin typeface="Consolas" panose="020B0609020204030204" pitchFamily="49" charset="0"/>
+              </a:rPr>
+              <a:t>document.forms</a:t>
+            </a:r>
+            <a:r>
+              <a:rPr lang="en-US" sz="2000" dirty="0">
+                <a:latin typeface="Consolas" panose="020B0609020204030204" pitchFamily="49" charset="0"/>
+              </a:rPr>
+              <a:t>[0].submit()"&gt;</a:t>
+            </a:r>
+            <a:endParaRPr lang="en-US" dirty="0">
+              <a:latin typeface="Consolas" panose="020B0609020204030204" pitchFamily="49" charset="0"/>
+            </a:endParaRPr>
+          </a:p>
+          <a:p>
+            <a:endParaRPr lang="en-US" dirty="0"/>
+          </a:p>
+        </p:txBody>
+      </p:sp>
+    </p:spTree>
+    <p:extLst>
+      <p:ext uri="{BB962C8B-B14F-4D97-AF65-F5344CB8AC3E}">
+        <p14:creationId xmlns:p14="http://schemas.microsoft.com/office/powerpoint/2010/main" val="1434741935"/>
+      </p:ext>
+    </p:extLst>
+  </p:cSld>
+  <p:clrMapOvr>
+    <a:masterClrMapping/>
+  </p:clrMapOvr>
+  <p:timing>
+    <p:tnLst>
+      <p:par>
+        <p:cTn id="1" dur="indefinite" restart="never" nodeType="tmRoot"/>
+      </p:par>
+    </p:tnLst>
+  </p:timing>
+</p:sld>
+</file>
+
+<file path=ppt/slides/slide13.xml><?xml version="1.0" encoding="utf-8"?>
+<p:sld xmlns:a="http://schemas.openxmlformats.org/drawingml/2006/main" xmlns:r="http://schemas.openxmlformats.org/officeDocument/2006/relationships" xmlns:p="http://schemas.openxmlformats.org/presentationml/2006/main">
+  <p:cSld>
+    <p:spTree>
+      <p:nvGrpSpPr>
+        <p:cNvPr id="1" name=""/>
+        <p:cNvGrpSpPr/>
+        <p:nvPr/>
+      </p:nvGrpSpPr>
+      <p:grpSpPr>
+        <a:xfrm>
+          <a:off x="0" y="0"/>
+          <a:ext cx="0" cy="0"/>
+          <a:chOff x="0" y="0"/>
+          <a:chExt cx="0" cy="0"/>
+        </a:xfrm>
+      </p:grpSpPr>
+      <p:sp>
+        <p:nvSpPr>
+          <p:cNvPr id="2" name="Title 1"/>
+          <p:cNvSpPr>
+            <a:spLocks noGrp="1"/>
+          </p:cNvSpPr>
+          <p:nvPr>
+            <p:ph type="title"/>
+          </p:nvPr>
+        </p:nvSpPr>
+        <p:spPr/>
+        <p:txBody>
+          <a:bodyPr/>
+          <a:lstStyle/>
+          <a:p>
+            <a:endParaRPr lang="en-US"/>
+          </a:p>
+        </p:txBody>
+      </p:sp>
+      <p:sp>
+        <p:nvSpPr>
+          <p:cNvPr id="3" name="Content Placeholder 2"/>
+          <p:cNvSpPr>
+            <a:spLocks noGrp="1"/>
+          </p:cNvSpPr>
+          <p:nvPr>
+            <p:ph idx="1"/>
+          </p:nvPr>
+        </p:nvSpPr>
+        <p:spPr/>
+        <p:txBody>
+          <a:bodyPr/>
+          <a:lstStyle/>
+          <a:p>
+            <a:endParaRPr lang="en-US"/>
+          </a:p>
+        </p:txBody>
+      </p:sp>
+    </p:spTree>
+    <p:extLst>
+      <p:ext uri="{BB962C8B-B14F-4D97-AF65-F5344CB8AC3E}">
+        <p14:creationId xmlns:p14="http://schemas.microsoft.com/office/powerpoint/2010/main" val="3486831789"/>
+      </p:ext>
+    </p:extLst>
+  </p:cSld>
+  <p:clrMapOvr>
+    <a:masterClrMapping/>
+  </p:clrMapOvr>
+</p:sld>
+</file>
+
 <file path=ppt/slides/slide2.xml><?xml version="1.0" encoding="utf-8"?>
 <p:sld xmlns:a="http://schemas.openxmlformats.org/drawingml/2006/main" xmlns:r="http://schemas.openxmlformats.org/officeDocument/2006/relationships" xmlns:p="http://schemas.openxmlformats.org/presentationml/2006/main">
   <p:cSld>
@@ -6893,7 +8597,7 @@
               <a:t>chống</a:t>
             </a:r>
             <a:r>
-              <a:rPr lang="en-US" dirty="0"/>
+              <a:rPr lang="en-US" dirty="0" smtClean="0"/>
               <a:t> </a:t>
             </a:r>
             <a:r>
@@ -6916,12 +8620,9 @@
           <a:p>
             <a:r>
               <a:rPr lang="en-US" dirty="0" smtClean="0"/>
-              <a:t>Demo</a:t>
-            </a:r>
-            <a:r>
-              <a:rPr lang="en-US" dirty="0"/>
-              <a:t> </a:t>
-            </a:r>
+              <a:t>Demo </a:t>
+            </a:r>
+            <a:endParaRPr lang="en-US" dirty="0"/>
           </a:p>
           <a:p>
             <a:r>
@@ -6950,11 +8651,11 @@
   <p:clrMapOvr>
     <a:masterClrMapping/>
   </p:clrMapOvr>
-  <mc:AlternateContent xmlns:mc="http://schemas.openxmlformats.org/markup-compatibility/2006">
-    <mc:Choice xmlns:p14="http://schemas.microsoft.com/office/powerpoint/2010/main" Requires="p14">
+  <mc:AlternateContent xmlns:mc="http://schemas.openxmlformats.org/markup-compatibility/2006" xmlns:p14="http://schemas.microsoft.com/office/powerpoint/2010/main">
+    <mc:Choice Requires="p14">
       <p:transition spd="slow" p14:dur="2000"/>
     </mc:Choice>
-    <mc:Fallback>
+    <mc:Fallback xmlns="">
       <p:transition spd="slow"/>
     </mc:Fallback>
   </mc:AlternateContent>
@@ -8889,7 +10590,13 @@
           <a:lstStyle/>
           <a:p>
             <a:r>
-              <a:rPr lang="en-US" dirty="0"/>
+              <a:rPr lang="en-US" dirty="0" smtClean="0"/>
+              <a:t>Description</a:t>
+            </a:r>
+          </a:p>
+          <a:p>
+            <a:r>
+              <a:rPr lang="en-US" dirty="0" smtClean="0"/>
               <a:t>GET </a:t>
             </a:r>
             <a:r>
@@ -8959,8 +10666,8 @@
           <a:lstStyle/>
           <a:p>
             <a:r>
-              <a:rPr lang="en-US" dirty="0" smtClean="0"/>
-              <a:t>GET scenario</a:t>
+              <a:rPr lang="en-US" dirty="0" err="1" smtClean="0"/>
+              <a:t>Desciption</a:t>
             </a:r>
             <a:endParaRPr lang="en-US" dirty="0"/>
           </a:p>
@@ -8974,6 +10681,135 @@
           </p:cNvSpPr>
           <p:nvPr>
             <p:ph idx="1"/>
+          </p:nvPr>
+        </p:nvSpPr>
+        <p:spPr>
+          <a:xfrm>
+            <a:off x="1484310" y="2086708"/>
+            <a:ext cx="10018713" cy="4419600"/>
+          </a:xfrm>
+        </p:spPr>
+        <p:txBody>
+          <a:bodyPr>
+            <a:normAutofit/>
+          </a:bodyPr>
+          <a:lstStyle/>
+          <a:p>
+            <a:r>
+              <a:rPr lang="vi-VN" dirty="0" smtClean="0">
+                <a:latin typeface="Corbel" panose="020B0503020204020204" pitchFamily="34" charset="0"/>
+              </a:rPr>
+              <a:t>Csrf </a:t>
+            </a:r>
+            <a:r>
+              <a:rPr lang="vi-VN" dirty="0">
+                <a:latin typeface="Corbel" panose="020B0503020204020204" pitchFamily="34" charset="0"/>
+              </a:rPr>
+              <a:t>là kĩ thuật tấn công lừa người dùng gửi request độc hại. Hacker lợi dụng danh tính và đặc quyền của user để thực hiện các chức năng không mong muốn. Trình duyệt gửi request tự động kèm theo các xác thực liên quan tới </a:t>
+            </a:r>
+            <a:r>
+              <a:rPr lang="en-US" dirty="0" err="1" smtClean="0">
+                <a:latin typeface="Corbel" panose="020B0503020204020204" pitchFamily="34" charset="0"/>
+              </a:rPr>
+              <a:t>xác</a:t>
+            </a:r>
+            <a:r>
+              <a:rPr lang="en-US" dirty="0" smtClean="0">
+                <a:latin typeface="Corbel" panose="020B0503020204020204" pitchFamily="34" charset="0"/>
+              </a:rPr>
+              <a:t> </a:t>
+            </a:r>
+            <a:r>
+              <a:rPr lang="en-US" dirty="0" err="1" smtClean="0">
+                <a:latin typeface="Corbel" panose="020B0503020204020204" pitchFamily="34" charset="0"/>
+              </a:rPr>
+              <a:t>thực</a:t>
+            </a:r>
+            <a:r>
+              <a:rPr lang="en-US" dirty="0" smtClean="0">
+                <a:latin typeface="Corbel" panose="020B0503020204020204" pitchFamily="34" charset="0"/>
+              </a:rPr>
+              <a:t> </a:t>
+            </a:r>
+            <a:r>
+              <a:rPr lang="vi-VN" dirty="0" smtClean="0">
+                <a:latin typeface="Corbel" panose="020B0503020204020204" pitchFamily="34" charset="0"/>
+              </a:rPr>
+              <a:t>như </a:t>
+            </a:r>
+            <a:r>
+              <a:rPr lang="vi-VN" dirty="0">
+                <a:latin typeface="Corbel" panose="020B0503020204020204" pitchFamily="34" charset="0"/>
+              </a:rPr>
+              <a:t>session cookie, địa chỉ IP,… Từ đó nếu user vẫn đang được xác thực bởi website đó thì website sẽ không phân biệt được đâu là request giả mạo và đâu là request hợp lệ do user gửi đi.</a:t>
+            </a:r>
+          </a:p>
+          <a:p>
+            <a:r>
+              <a:rPr lang="vi-VN" dirty="0" smtClean="0">
+                <a:latin typeface="Corbel" panose="020B0503020204020204" pitchFamily="34" charset="0"/>
+              </a:rPr>
+              <a:t>Attacker </a:t>
+            </a:r>
+            <a:r>
+              <a:rPr lang="vi-VN" dirty="0">
+                <a:latin typeface="Corbel" panose="020B0503020204020204" pitchFamily="34" charset="0"/>
+              </a:rPr>
+              <a:t>sẽ nhằm vào các request làm thay đổi trạng thái của user trên server như thay đổi email,password,chuyển khoản, thanh toán cái gì đó. </a:t>
+            </a:r>
+          </a:p>
+          <a:p>
+            <a:endParaRPr lang="en-US" dirty="0">
+              <a:latin typeface="Corbel" panose="020B0503020204020204" pitchFamily="34" charset="0"/>
+            </a:endParaRPr>
+          </a:p>
+        </p:txBody>
+      </p:sp>
+    </p:spTree>
+    <p:extLst>
+      <p:ext uri="{BB962C8B-B14F-4D97-AF65-F5344CB8AC3E}">
+        <p14:creationId xmlns:p14="http://schemas.microsoft.com/office/powerpoint/2010/main" val="3819662101"/>
+      </p:ext>
+    </p:extLst>
+  </p:cSld>
+  <p:clrMapOvr>
+    <a:masterClrMapping/>
+  </p:clrMapOvr>
+  <p:timing>
+    <p:tnLst>
+      <p:par>
+        <p:cTn id="1" dur="indefinite" restart="never" nodeType="tmRoot"/>
+      </p:par>
+    </p:tnLst>
+  </p:timing>
+</p:sld>
+</file>
+
+<file path=ppt/slides/slide8.xml><?xml version="1.0" encoding="utf-8"?>
+<p:sld xmlns:a="http://schemas.openxmlformats.org/drawingml/2006/main" xmlns:r="http://schemas.openxmlformats.org/officeDocument/2006/relationships" xmlns:p="http://schemas.openxmlformats.org/presentationml/2006/main">
+  <p:cSld>
+    <p:spTree>
+      <p:nvGrpSpPr>
+        <p:cNvPr id="1" name=""/>
+        <p:cNvGrpSpPr/>
+        <p:nvPr/>
+      </p:nvGrpSpPr>
+      <p:grpSpPr>
+        <a:xfrm>
+          <a:off x="0" y="0"/>
+          <a:ext cx="0" cy="0"/>
+          <a:chOff x="0" y="0"/>
+          <a:chExt cx="0" cy="0"/>
+        </a:xfrm>
+      </p:grpSpPr>
+      <p:sp>
+        <p:nvSpPr>
+          <p:cNvPr id="2" name="Title 1"/>
+          <p:cNvSpPr>
+            <a:spLocks noGrp="1"/>
+          </p:cNvSpPr>
+          <p:nvPr>
+            <p:ph type="title"/>
           </p:nvPr>
         </p:nvSpPr>
         <p:spPr/>
@@ -8981,7 +10817,472 @@
           <a:bodyPr/>
           <a:lstStyle/>
           <a:p>
-            <a:endParaRPr lang="en-US"/>
+            <a:endParaRPr lang="en-US" dirty="0"/>
+          </a:p>
+        </p:txBody>
+      </p:sp>
+      <p:sp>
+        <p:nvSpPr>
+          <p:cNvPr id="3" name="Content Placeholder 2"/>
+          <p:cNvSpPr>
+            <a:spLocks noGrp="1"/>
+          </p:cNvSpPr>
+          <p:nvPr>
+            <p:ph idx="1"/>
+          </p:nvPr>
+        </p:nvSpPr>
+        <p:spPr/>
+        <p:txBody>
+          <a:bodyPr/>
+          <a:lstStyle/>
+          <a:p>
+            <a:r>
+              <a:rPr lang="vi-VN" dirty="0">
+                <a:latin typeface="Corbel" panose="020B0503020204020204" pitchFamily="34" charset="0"/>
+              </a:rPr>
+              <a:t>Attacker sẽ build ra một URL để khai thác. Sau đó gửi tới cho user, khi user click vào URL đó thì request độc hại sẽ tự động được gửi đi mà người dùng có thể sẽ ko biết là mình vừa gửi request.</a:t>
+            </a:r>
+          </a:p>
+          <a:p>
+            <a:r>
+              <a:rPr lang="vi-VN" dirty="0">
+                <a:latin typeface="Corbel" panose="020B0503020204020204" pitchFamily="34" charset="0"/>
+              </a:rPr>
+              <a:t>URL có thể được giấu sau các thẻ html như img, iframe, … mà user có thể không để ý và click vào đó.</a:t>
+            </a:r>
+          </a:p>
+          <a:p>
+            <a:endParaRPr lang="en-US" dirty="0">
+              <a:latin typeface="Corbel" panose="020B0503020204020204" pitchFamily="34" charset="0"/>
+            </a:endParaRPr>
+          </a:p>
+        </p:txBody>
+      </p:sp>
+    </p:spTree>
+    <p:extLst>
+      <p:ext uri="{BB962C8B-B14F-4D97-AF65-F5344CB8AC3E}">
+        <p14:creationId xmlns:p14="http://schemas.microsoft.com/office/powerpoint/2010/main" val="2691740341"/>
+      </p:ext>
+    </p:extLst>
+  </p:cSld>
+  <p:clrMapOvr>
+    <a:masterClrMapping/>
+  </p:clrMapOvr>
+  <p:timing>
+    <p:tnLst>
+      <p:par>
+        <p:cTn id="1" dur="indefinite" restart="never" nodeType="tmRoot"/>
+      </p:par>
+    </p:tnLst>
+  </p:timing>
+</p:sld>
+</file>
+
+<file path=ppt/slides/slide9.xml><?xml version="1.0" encoding="utf-8"?>
+<p:sld xmlns:a="http://schemas.openxmlformats.org/drawingml/2006/main" xmlns:r="http://schemas.openxmlformats.org/officeDocument/2006/relationships" xmlns:p="http://schemas.openxmlformats.org/presentationml/2006/main">
+  <p:cSld>
+    <p:spTree>
+      <p:nvGrpSpPr>
+        <p:cNvPr id="1" name=""/>
+        <p:cNvGrpSpPr/>
+        <p:nvPr/>
+      </p:nvGrpSpPr>
+      <p:grpSpPr>
+        <a:xfrm>
+          <a:off x="0" y="0"/>
+          <a:ext cx="0" cy="0"/>
+          <a:chOff x="0" y="0"/>
+          <a:chExt cx="0" cy="0"/>
+        </a:xfrm>
+      </p:grpSpPr>
+      <p:sp>
+        <p:nvSpPr>
+          <p:cNvPr id="2" name="Title 1"/>
+          <p:cNvSpPr>
+            <a:spLocks noGrp="1"/>
+          </p:cNvSpPr>
+          <p:nvPr>
+            <p:ph type="title"/>
+          </p:nvPr>
+        </p:nvSpPr>
+        <p:spPr/>
+        <p:txBody>
+          <a:bodyPr/>
+          <a:lstStyle/>
+          <a:p>
+            <a:r>
+              <a:rPr lang="en-US" dirty="0" smtClean="0"/>
+              <a:t>Example</a:t>
+            </a:r>
+            <a:endParaRPr lang="en-US" dirty="0"/>
+          </a:p>
+        </p:txBody>
+      </p:sp>
+      <p:sp>
+        <p:nvSpPr>
+          <p:cNvPr id="3" name="Content Placeholder 2"/>
+          <p:cNvSpPr>
+            <a:spLocks noGrp="1"/>
+          </p:cNvSpPr>
+          <p:nvPr>
+            <p:ph idx="1"/>
+          </p:nvPr>
+        </p:nvSpPr>
+        <p:spPr/>
+        <p:txBody>
+          <a:bodyPr/>
+          <a:lstStyle/>
+          <a:p>
+            <a:pPr marL="0" indent="0">
+              <a:buNone/>
+            </a:pPr>
+            <a:r>
+              <a:rPr lang="en-US" dirty="0" err="1" smtClean="0"/>
+              <a:t>Giả</a:t>
+            </a:r>
+            <a:r>
+              <a:rPr lang="en-US" dirty="0" smtClean="0"/>
+              <a:t> </a:t>
+            </a:r>
+            <a:r>
+              <a:rPr lang="en-US" dirty="0" err="1" smtClean="0"/>
+              <a:t>sử</a:t>
+            </a:r>
+            <a:r>
+              <a:rPr lang="en-US" dirty="0" smtClean="0"/>
+              <a:t> </a:t>
+            </a:r>
+            <a:r>
+              <a:rPr lang="en-US" dirty="0" smtClean="0"/>
+              <a:t>Alice </a:t>
+            </a:r>
+            <a:r>
+              <a:rPr lang="en-US" dirty="0" err="1" smtClean="0"/>
+              <a:t>muốn</a:t>
+            </a:r>
+            <a:r>
+              <a:rPr lang="en-US" dirty="0" smtClean="0"/>
+              <a:t> </a:t>
+            </a:r>
+            <a:r>
+              <a:rPr lang="en-US" dirty="0" err="1" smtClean="0"/>
+              <a:t>gửi</a:t>
+            </a:r>
+            <a:r>
+              <a:rPr lang="en-US" dirty="0" smtClean="0"/>
+              <a:t> </a:t>
+            </a:r>
+            <a:r>
+              <a:rPr lang="en-US" dirty="0" err="1" smtClean="0"/>
+              <a:t>tiền</a:t>
+            </a:r>
+            <a:r>
+              <a:rPr lang="en-US" dirty="0" smtClean="0"/>
+              <a:t> </a:t>
+            </a:r>
+            <a:r>
+              <a:rPr lang="en-US" dirty="0" err="1" smtClean="0"/>
+              <a:t>cho</a:t>
+            </a:r>
+            <a:r>
+              <a:rPr lang="en-US" dirty="0" smtClean="0"/>
+              <a:t> user Bob </a:t>
+            </a:r>
+            <a:r>
+              <a:rPr lang="en-US" dirty="0" err="1" smtClean="0"/>
+              <a:t>với</a:t>
+            </a:r>
+            <a:r>
+              <a:rPr lang="en-US" dirty="0" smtClean="0"/>
+              <a:t> </a:t>
+            </a:r>
+            <a:r>
+              <a:rPr lang="en-US" dirty="0" err="1" smtClean="0"/>
+              <a:t>số</a:t>
+            </a:r>
+            <a:r>
+              <a:rPr lang="en-US" dirty="0" smtClean="0"/>
+              <a:t> </a:t>
+            </a:r>
+            <a:r>
+              <a:rPr lang="en-US" dirty="0" err="1" smtClean="0"/>
+              <a:t>tiền</a:t>
+            </a:r>
+            <a:r>
+              <a:rPr lang="en-US" dirty="0" smtClean="0"/>
+              <a:t> </a:t>
+            </a:r>
+            <a:r>
+              <a:rPr lang="en-US" dirty="0" err="1" smtClean="0"/>
+              <a:t>là</a:t>
+            </a:r>
+            <a:r>
+              <a:rPr lang="en-US" dirty="0" smtClean="0"/>
+              <a:t> $100 </a:t>
+            </a:r>
+            <a:r>
+              <a:rPr lang="en-US" dirty="0" err="1" smtClean="0"/>
+              <a:t>thông</a:t>
+            </a:r>
+            <a:r>
+              <a:rPr lang="en-US" dirty="0" smtClean="0"/>
+              <a:t> qua website </a:t>
+            </a:r>
+            <a:r>
+              <a:rPr lang="en-US" dirty="0" smtClean="0">
+                <a:hlinkClick r:id="rId2"/>
+              </a:rPr>
+              <a:t>http://bank.com</a:t>
+            </a:r>
+            <a:r>
+              <a:rPr lang="en-US" dirty="0" smtClean="0"/>
+              <a:t> </a:t>
+            </a:r>
+            <a:r>
+              <a:rPr lang="en-US" dirty="0" err="1" smtClean="0"/>
+              <a:t>bị</a:t>
+            </a:r>
+            <a:r>
+              <a:rPr lang="en-US" dirty="0" smtClean="0"/>
+              <a:t> </a:t>
+            </a:r>
+            <a:r>
+              <a:rPr lang="en-US" dirty="0" err="1" smtClean="0"/>
+              <a:t>lỗi</a:t>
+            </a:r>
+            <a:r>
+              <a:rPr lang="en-US" dirty="0" smtClean="0"/>
+              <a:t> CSRF. Maria </a:t>
+            </a:r>
+            <a:r>
+              <a:rPr lang="en-US" dirty="0" err="1" smtClean="0"/>
+              <a:t>là</a:t>
+            </a:r>
+            <a:r>
+              <a:rPr lang="en-US" dirty="0" smtClean="0"/>
+              <a:t> attacker </a:t>
+            </a:r>
+            <a:r>
+              <a:rPr lang="en-US" dirty="0" err="1" smtClean="0"/>
+              <a:t>muốn</a:t>
+            </a:r>
+            <a:r>
+              <a:rPr lang="en-US" dirty="0" smtClean="0"/>
+              <a:t> Alice </a:t>
+            </a:r>
+            <a:r>
+              <a:rPr lang="en-US" dirty="0" err="1" smtClean="0"/>
+              <a:t>gửi</a:t>
+            </a:r>
+            <a:r>
+              <a:rPr lang="en-US" dirty="0" smtClean="0"/>
+              <a:t> </a:t>
+            </a:r>
+            <a:r>
+              <a:rPr lang="en-US" dirty="0" err="1" smtClean="0"/>
+              <a:t>tiền</a:t>
+            </a:r>
+            <a:r>
+              <a:rPr lang="en-US" dirty="0" smtClean="0"/>
+              <a:t> </a:t>
+            </a:r>
+            <a:r>
+              <a:rPr lang="en-US" dirty="0" err="1" smtClean="0"/>
+              <a:t>vào</a:t>
+            </a:r>
+            <a:r>
+              <a:rPr lang="en-US" dirty="0" smtClean="0"/>
+              <a:t> </a:t>
+            </a:r>
+            <a:r>
+              <a:rPr lang="en-US" dirty="0" err="1" smtClean="0"/>
+              <a:t>tài</a:t>
+            </a:r>
+            <a:r>
+              <a:rPr lang="en-US" dirty="0" smtClean="0"/>
+              <a:t> </a:t>
+            </a:r>
+            <a:r>
+              <a:rPr lang="en-US" dirty="0" err="1" smtClean="0"/>
+              <a:t>khoản</a:t>
+            </a:r>
+            <a:r>
+              <a:rPr lang="en-US" dirty="0" smtClean="0"/>
+              <a:t> </a:t>
+            </a:r>
+            <a:r>
+              <a:rPr lang="en-US" dirty="0" err="1" smtClean="0"/>
+              <a:t>của</a:t>
+            </a:r>
+            <a:r>
+              <a:rPr lang="en-US" dirty="0" smtClean="0"/>
+              <a:t> </a:t>
+            </a:r>
+            <a:r>
+              <a:rPr lang="en-US" dirty="0" err="1" smtClean="0"/>
+              <a:t>mình</a:t>
+            </a:r>
+            <a:r>
+              <a:rPr lang="en-US" dirty="0" smtClean="0"/>
+              <a:t>. Maria </a:t>
+            </a:r>
+            <a:r>
+              <a:rPr lang="en-US" dirty="0" err="1" smtClean="0"/>
+              <a:t>sẽ</a:t>
+            </a:r>
+            <a:r>
+              <a:rPr lang="en-US" dirty="0" smtClean="0"/>
+              <a:t> </a:t>
+            </a:r>
+            <a:r>
+              <a:rPr lang="en-US" dirty="0" err="1" smtClean="0"/>
+              <a:t>tấn</a:t>
+            </a:r>
+            <a:r>
+              <a:rPr lang="en-US" dirty="0" smtClean="0"/>
+              <a:t> </a:t>
+            </a:r>
+            <a:r>
+              <a:rPr lang="en-US" dirty="0" err="1" smtClean="0"/>
+              <a:t>công</a:t>
+            </a:r>
+            <a:r>
+              <a:rPr lang="en-US" dirty="0" smtClean="0"/>
+              <a:t> </a:t>
+            </a:r>
+            <a:r>
+              <a:rPr lang="en-US" dirty="0" err="1" smtClean="0"/>
+              <a:t>bằng</a:t>
+            </a:r>
+            <a:r>
+              <a:rPr lang="en-US" dirty="0" smtClean="0"/>
+              <a:t> </a:t>
+            </a:r>
+            <a:r>
+              <a:rPr lang="en-US" dirty="0" err="1" smtClean="0"/>
+              <a:t>các</a:t>
+            </a:r>
+            <a:r>
+              <a:rPr lang="en-US" dirty="0" smtClean="0"/>
+              <a:t> </a:t>
+            </a:r>
+            <a:r>
+              <a:rPr lang="en-US" dirty="0" err="1" smtClean="0"/>
+              <a:t>bước</a:t>
+            </a:r>
+            <a:r>
+              <a:rPr lang="en-US" dirty="0" smtClean="0"/>
+              <a:t> </a:t>
+            </a:r>
+            <a:r>
+              <a:rPr lang="en-US" dirty="0" err="1" smtClean="0"/>
+              <a:t>sau</a:t>
+            </a:r>
+            <a:r>
+              <a:rPr lang="en-US" dirty="0" smtClean="0"/>
+              <a:t>:</a:t>
+            </a:r>
+          </a:p>
+          <a:p>
+            <a:r>
+              <a:rPr lang="en-US" dirty="0" smtClean="0"/>
+              <a:t>Build </a:t>
+            </a:r>
+            <a:r>
+              <a:rPr lang="en-US" dirty="0" err="1" smtClean="0"/>
+              <a:t>một</a:t>
+            </a:r>
+            <a:r>
+              <a:rPr lang="en-US" dirty="0" smtClean="0"/>
+              <a:t> URL </a:t>
+            </a:r>
+            <a:r>
+              <a:rPr lang="en-US" dirty="0" err="1" smtClean="0"/>
+              <a:t>để</a:t>
+            </a:r>
+            <a:r>
+              <a:rPr lang="en-US" dirty="0" smtClean="0"/>
+              <a:t> </a:t>
+            </a:r>
+            <a:r>
+              <a:rPr lang="en-US" dirty="0" err="1" smtClean="0"/>
+              <a:t>khai</a:t>
+            </a:r>
+            <a:r>
+              <a:rPr lang="en-US" dirty="0" smtClean="0"/>
+              <a:t> </a:t>
+            </a:r>
+            <a:r>
+              <a:rPr lang="en-US" dirty="0" err="1" smtClean="0"/>
+              <a:t>thác</a:t>
+            </a:r>
+            <a:endParaRPr lang="en-US" dirty="0" smtClean="0"/>
+          </a:p>
+          <a:p>
+            <a:r>
+              <a:rPr lang="en-US" dirty="0" err="1" smtClean="0"/>
+              <a:t>Sau</a:t>
+            </a:r>
+            <a:r>
+              <a:rPr lang="en-US" dirty="0" smtClean="0"/>
+              <a:t> </a:t>
+            </a:r>
+            <a:r>
+              <a:rPr lang="en-US" dirty="0" err="1" smtClean="0"/>
+              <a:t>đó</a:t>
+            </a:r>
+            <a:r>
+              <a:rPr lang="en-US" dirty="0" smtClean="0"/>
+              <a:t> </a:t>
+            </a:r>
+            <a:r>
+              <a:rPr lang="en-US" dirty="0" err="1" smtClean="0"/>
+              <a:t>gửi</a:t>
+            </a:r>
+            <a:r>
+              <a:rPr lang="en-US" dirty="0" smtClean="0"/>
+              <a:t> </a:t>
+            </a:r>
+            <a:r>
+              <a:rPr lang="en-US" dirty="0" err="1" smtClean="0"/>
+              <a:t>cho</a:t>
+            </a:r>
+            <a:r>
+              <a:rPr lang="en-US" dirty="0" smtClean="0"/>
+              <a:t> Alice URL </a:t>
+            </a:r>
+            <a:r>
+              <a:rPr lang="en-US" dirty="0" err="1" smtClean="0"/>
+              <a:t>đó</a:t>
+            </a:r>
+            <a:r>
+              <a:rPr lang="en-US" dirty="0" smtClean="0"/>
+              <a:t> </a:t>
+            </a:r>
+            <a:r>
+              <a:rPr lang="en-US" dirty="0" err="1" smtClean="0"/>
+              <a:t>bằng</a:t>
+            </a:r>
+            <a:r>
+              <a:rPr lang="en-US" dirty="0" smtClean="0"/>
+              <a:t> </a:t>
+            </a:r>
+            <a:r>
+              <a:rPr lang="en-US" dirty="0" err="1" smtClean="0"/>
+              <a:t>kĩ</a:t>
+            </a:r>
+            <a:r>
+              <a:rPr lang="en-US" dirty="0" smtClean="0"/>
+              <a:t> </a:t>
+            </a:r>
+            <a:r>
+              <a:rPr lang="en-US" dirty="0" err="1" smtClean="0"/>
+              <a:t>thuật</a:t>
+            </a:r>
+            <a:r>
+              <a:rPr lang="en-US" dirty="0" smtClean="0"/>
+              <a:t> social engineering</a:t>
+            </a:r>
           </a:p>
         </p:txBody>
       </p:sp>
@@ -9255,7 +11556,7 @@
   <a:extraClrSchemeLst/>
   <a:extLst>
     <a:ext uri="{05A4C25C-085E-4340-85A3-A5531E510DB2}">
-      <thm15:themeFamily xmlns:thm15="http://schemas.microsoft.com/office/thememl/2012/main" xmlns="" name="Parallax" id="{3388167B-A2EB-4685-9635-1831D9AEF8C4}" vid="{4F7A876A-7598-49CA-AFC8-8EDA2551E4A7}"/>
+      <thm15:themeFamily xmlns:thm15="http://schemas.microsoft.com/office/thememl/2012/main" name="Parallax" id="{3388167B-A2EB-4685-9635-1831D9AEF8C4}" vid="{4F7A876A-7598-49CA-AFC8-8EDA2551E4A7}"/>
     </a:ext>
   </a:extLst>
 </a:theme>

--- a/CSRF/CSRF.pptx
+++ b/CSRF/CSRF.pptx
@@ -8407,7 +8407,7 @@
           <a:bodyPr/>
           <a:lstStyle/>
           <a:p>
-            <a:endParaRPr lang="en-US"/>
+            <a:endParaRPr lang="en-US" dirty="0"/>
           </a:p>
         </p:txBody>
       </p:sp>
